--- a/project.pptx
+++ b/project.pptx
@@ -5,7 +5,7 @@
     <p:sldMasterId id="2147483648" r:id="rId1"/>
   </p:sldMasterIdLst>
   <p:notesMasterIdLst>
-    <p:notesMasterId r:id="rId13"/>
+    <p:notesMasterId r:id="rId16"/>
   </p:notesMasterIdLst>
   <p:sldIdLst>
     <p:sldId id="256" r:id="rId2"/>
@@ -16,9 +16,12 @@
     <p:sldId id="267" r:id="rId7"/>
     <p:sldId id="268" r:id="rId8"/>
     <p:sldId id="261" r:id="rId9"/>
-    <p:sldId id="259" r:id="rId10"/>
-    <p:sldId id="262" r:id="rId11"/>
-    <p:sldId id="263" r:id="rId12"/>
+    <p:sldId id="269" r:id="rId10"/>
+    <p:sldId id="270" r:id="rId11"/>
+    <p:sldId id="259" r:id="rId12"/>
+    <p:sldId id="271" r:id="rId13"/>
+    <p:sldId id="262" r:id="rId14"/>
+    <p:sldId id="263" r:id="rId15"/>
   </p:sldIdLst>
   <p:sldSz cx="12192000" cy="6858000"/>
   <p:notesSz cx="6858000" cy="9144000"/>
@@ -21782,7 +21785,7 @@
           <a:p>
             <a:fld id="{8C64E5ED-7F4B-4CCA-A8CE-D331EABB9F08}" type="datetimeFigureOut">
               <a:rPr lang="en-US" smtClean="0"/>
-              <a:t>3/13/2024</a:t>
+              <a:t>3/20/2024</a:t>
             </a:fld>
             <a:endParaRPr lang="en-US"/>
           </a:p>
@@ -22114,7 +22117,7 @@
           <a:p>
             <a:fld id="{60FA0677-61AB-49B5-A36A-FCB4B4BDE24C}" type="slidenum">
               <a:rPr lang="en-US" smtClean="0"/>
-              <a:t>11</a:t>
+              <a:t>14</a:t>
             </a:fld>
             <a:endParaRPr lang="en-US"/>
           </a:p>
@@ -22280,7 +22283,7 @@
           <a:p>
             <a:fld id="{954D0CBE-A2F8-4790-B374-481D0C8FD92F}" type="datetimeFigureOut">
               <a:rPr lang="en-US" smtClean="0"/>
-              <a:t>3/13/2024</a:t>
+              <a:t>3/20/2024</a:t>
             </a:fld>
             <a:endParaRPr lang="en-US"/>
           </a:p>
@@ -22478,7 +22481,7 @@
           <a:p>
             <a:fld id="{954D0CBE-A2F8-4790-B374-481D0C8FD92F}" type="datetimeFigureOut">
               <a:rPr lang="en-US" smtClean="0"/>
-              <a:t>3/13/2024</a:t>
+              <a:t>3/20/2024</a:t>
             </a:fld>
             <a:endParaRPr lang="en-US"/>
           </a:p>
@@ -22686,7 +22689,7 @@
           <a:p>
             <a:fld id="{954D0CBE-A2F8-4790-B374-481D0C8FD92F}" type="datetimeFigureOut">
               <a:rPr lang="en-US" smtClean="0"/>
-              <a:t>3/13/2024</a:t>
+              <a:t>3/20/2024</a:t>
             </a:fld>
             <a:endParaRPr lang="en-US"/>
           </a:p>
@@ -22884,7 +22887,7 @@
           <a:p>
             <a:fld id="{954D0CBE-A2F8-4790-B374-481D0C8FD92F}" type="datetimeFigureOut">
               <a:rPr lang="en-US" smtClean="0"/>
-              <a:t>3/13/2024</a:t>
+              <a:t>3/20/2024</a:t>
             </a:fld>
             <a:endParaRPr lang="en-US"/>
           </a:p>
@@ -23159,7 +23162,7 @@
           <a:p>
             <a:fld id="{954D0CBE-A2F8-4790-B374-481D0C8FD92F}" type="datetimeFigureOut">
               <a:rPr lang="en-US" smtClean="0"/>
-              <a:t>3/13/2024</a:t>
+              <a:t>3/20/2024</a:t>
             </a:fld>
             <a:endParaRPr lang="en-US"/>
           </a:p>
@@ -23424,7 +23427,7 @@
           <a:p>
             <a:fld id="{954D0CBE-A2F8-4790-B374-481D0C8FD92F}" type="datetimeFigureOut">
               <a:rPr lang="en-US" smtClean="0"/>
-              <a:t>3/13/2024</a:t>
+              <a:t>3/20/2024</a:t>
             </a:fld>
             <a:endParaRPr lang="en-US"/>
           </a:p>
@@ -23836,7 +23839,7 @@
           <a:p>
             <a:fld id="{954D0CBE-A2F8-4790-B374-481D0C8FD92F}" type="datetimeFigureOut">
               <a:rPr lang="en-US" smtClean="0"/>
-              <a:t>3/13/2024</a:t>
+              <a:t>3/20/2024</a:t>
             </a:fld>
             <a:endParaRPr lang="en-US"/>
           </a:p>
@@ -23977,7 +23980,7 @@
           <a:p>
             <a:fld id="{954D0CBE-A2F8-4790-B374-481D0C8FD92F}" type="datetimeFigureOut">
               <a:rPr lang="en-US" smtClean="0"/>
-              <a:t>3/13/2024</a:t>
+              <a:t>3/20/2024</a:t>
             </a:fld>
             <a:endParaRPr lang="en-US"/>
           </a:p>
@@ -24090,7 +24093,7 @@
           <a:p>
             <a:fld id="{954D0CBE-A2F8-4790-B374-481D0C8FD92F}" type="datetimeFigureOut">
               <a:rPr lang="en-US" smtClean="0"/>
-              <a:t>3/13/2024</a:t>
+              <a:t>3/20/2024</a:t>
             </a:fld>
             <a:endParaRPr lang="en-US"/>
           </a:p>
@@ -24401,7 +24404,7 @@
           <a:p>
             <a:fld id="{954D0CBE-A2F8-4790-B374-481D0C8FD92F}" type="datetimeFigureOut">
               <a:rPr lang="en-US" smtClean="0"/>
-              <a:t>3/13/2024</a:t>
+              <a:t>3/20/2024</a:t>
             </a:fld>
             <a:endParaRPr lang="en-US"/>
           </a:p>
@@ -24689,7 +24692,7 @@
           <a:p>
             <a:fld id="{954D0CBE-A2F8-4790-B374-481D0C8FD92F}" type="datetimeFigureOut">
               <a:rPr lang="en-US" smtClean="0"/>
-              <a:t>3/13/2024</a:t>
+              <a:t>3/20/2024</a:t>
             </a:fld>
             <a:endParaRPr lang="en-US"/>
           </a:p>
@@ -24930,7 +24933,7 @@
           <a:p>
             <a:fld id="{954D0CBE-A2F8-4790-B374-481D0C8FD92F}" type="datetimeFigureOut">
               <a:rPr lang="en-US" smtClean="0"/>
-              <a:t>3/13/2024</a:t>
+              <a:t>3/20/2024</a:t>
             </a:fld>
             <a:endParaRPr lang="en-US"/>
           </a:p>
@@ -26720,6 +26723,598 @@
         </p:nvSpPr>
         <p:spPr>
           <a:xfrm>
+            <a:off x="838200" y="293417"/>
+            <a:ext cx="10515600" cy="688739"/>
+          </a:xfrm>
+        </p:spPr>
+        <p:txBody>
+          <a:bodyPr>
+            <a:normAutofit fontScale="90000"/>
+          </a:bodyPr>
+          <a:lstStyle/>
+          <a:p>
+            <a:br>
+              <a:rPr lang="en-US" dirty="0"/>
+            </a:br>
+            <a:r>
+              <a:rPr lang="en-US" b="1" dirty="0" err="1">
+                <a:solidFill>
+                  <a:srgbClr val="0070C0"/>
+                </a:solidFill>
+              </a:rPr>
+              <a:t>Phác</a:t>
+            </a:r>
+            <a:r>
+              <a:rPr lang="en-US" b="1" dirty="0">
+                <a:solidFill>
+                  <a:srgbClr val="0070C0"/>
+                </a:solidFill>
+              </a:rPr>
+              <a:t> </a:t>
+            </a:r>
+            <a:r>
+              <a:rPr lang="en-US" b="1" dirty="0" err="1">
+                <a:solidFill>
+                  <a:srgbClr val="0070C0"/>
+                </a:solidFill>
+              </a:rPr>
+              <a:t>thảo</a:t>
+            </a:r>
+            <a:r>
+              <a:rPr lang="en-US" b="1" dirty="0">
+                <a:solidFill>
+                  <a:srgbClr val="0070C0"/>
+                </a:solidFill>
+              </a:rPr>
+              <a:t> </a:t>
+            </a:r>
+            <a:r>
+              <a:rPr lang="en-US" b="1" dirty="0" err="1">
+                <a:solidFill>
+                  <a:srgbClr val="0070C0"/>
+                </a:solidFill>
+              </a:rPr>
+              <a:t>giao</a:t>
+            </a:r>
+            <a:r>
+              <a:rPr lang="en-US" b="1" dirty="0">
+                <a:solidFill>
+                  <a:srgbClr val="0070C0"/>
+                </a:solidFill>
+              </a:rPr>
+              <a:t> </a:t>
+            </a:r>
+            <a:r>
+              <a:rPr lang="en-US" b="1" dirty="0" err="1">
+                <a:solidFill>
+                  <a:srgbClr val="0070C0"/>
+                </a:solidFill>
+              </a:rPr>
+              <a:t>diện</a:t>
+            </a:r>
+            <a:endParaRPr lang="en-US" b="1" dirty="0">
+              <a:solidFill>
+                <a:srgbClr val="0070C0"/>
+              </a:solidFill>
+            </a:endParaRPr>
+          </a:p>
+        </p:txBody>
+      </p:sp>
+      <p:sp>
+        <p:nvSpPr>
+          <p:cNvPr id="3" name="Content Placeholder 2">
+            <a:extLst>
+              <a:ext uri="{FF2B5EF4-FFF2-40B4-BE49-F238E27FC236}">
+                <a16:creationId xmlns:a16="http://schemas.microsoft.com/office/drawing/2014/main" id="{F6D1EA4E-59B4-B891-27C0-7B38E09F8627}"/>
+              </a:ext>
+            </a:extLst>
+          </p:cNvPr>
+          <p:cNvSpPr>
+            <a:spLocks noGrp="1"/>
+          </p:cNvSpPr>
+          <p:nvPr>
+            <p:ph idx="1"/>
+          </p:nvPr>
+        </p:nvSpPr>
+        <p:spPr>
+          <a:xfrm>
+            <a:off x="838200" y="1245140"/>
+            <a:ext cx="10515600" cy="4975073"/>
+          </a:xfrm>
+        </p:spPr>
+        <p:txBody>
+          <a:bodyPr/>
+          <a:lstStyle/>
+          <a:p>
+            <a:r>
+              <a:rPr lang="en-US" b="1" dirty="0"/>
+              <a:t>Footer</a:t>
+            </a:r>
+          </a:p>
+          <a:p>
+            <a:endParaRPr lang="en-US" b="1" dirty="0"/>
+          </a:p>
+          <a:p>
+            <a:endParaRPr lang="en-US" dirty="0"/>
+          </a:p>
+        </p:txBody>
+      </p:sp>
+      <p:pic>
+        <p:nvPicPr>
+          <p:cNvPr id="5" name="Picture 4">
+            <a:extLst>
+              <a:ext uri="{FF2B5EF4-FFF2-40B4-BE49-F238E27FC236}">
+                <a16:creationId xmlns:a16="http://schemas.microsoft.com/office/drawing/2014/main" id="{AC143FEE-F551-8EF1-7E7B-049C471E1626}"/>
+              </a:ext>
+            </a:extLst>
+          </p:cNvPr>
+          <p:cNvPicPr>
+            <a:picLocks noChangeAspect="1"/>
+          </p:cNvPicPr>
+          <p:nvPr/>
+        </p:nvPicPr>
+        <p:blipFill>
+          <a:blip r:embed="rId2"/>
+          <a:stretch>
+            <a:fillRect/>
+          </a:stretch>
+        </p:blipFill>
+        <p:spPr>
+          <a:xfrm>
+            <a:off x="1168941" y="1748162"/>
+            <a:ext cx="9959502" cy="4472051"/>
+          </a:xfrm>
+          <a:prstGeom prst="rect">
+            <a:avLst/>
+          </a:prstGeom>
+        </p:spPr>
+      </p:pic>
+    </p:spTree>
+    <p:extLst>
+      <p:ext uri="{BB962C8B-B14F-4D97-AF65-F5344CB8AC3E}">
+        <p14:creationId xmlns:p14="http://schemas.microsoft.com/office/powerpoint/2010/main" val="3491075063"/>
+      </p:ext>
+    </p:extLst>
+  </p:cSld>
+  <p:clrMapOvr>
+    <a:masterClrMapping/>
+  </p:clrMapOvr>
+</p:sld>
+</file>
+
+<file path=ppt/slides/slide11.xml><?xml version="1.0" encoding="utf-8"?>
+<p:sld xmlns:a="http://schemas.openxmlformats.org/drawingml/2006/main" xmlns:r="http://schemas.openxmlformats.org/officeDocument/2006/relationships" xmlns:p="http://schemas.openxmlformats.org/presentationml/2006/main">
+  <p:cSld>
+    <p:spTree>
+      <p:nvGrpSpPr>
+        <p:cNvPr id="1" name=""/>
+        <p:cNvGrpSpPr/>
+        <p:nvPr/>
+      </p:nvGrpSpPr>
+      <p:grpSpPr>
+        <a:xfrm>
+          <a:off x="0" y="0"/>
+          <a:ext cx="0" cy="0"/>
+          <a:chOff x="0" y="0"/>
+          <a:chExt cx="0" cy="0"/>
+        </a:xfrm>
+      </p:grpSpPr>
+      <p:sp>
+        <p:nvSpPr>
+          <p:cNvPr id="2" name="Title 1">
+            <a:extLst>
+              <a:ext uri="{FF2B5EF4-FFF2-40B4-BE49-F238E27FC236}">
+                <a16:creationId xmlns:a16="http://schemas.microsoft.com/office/drawing/2014/main" id="{089ACCA2-FC78-9DDD-7F76-3A4C3BBE3F17}"/>
+              </a:ext>
+            </a:extLst>
+          </p:cNvPr>
+          <p:cNvSpPr>
+            <a:spLocks noGrp="1"/>
+          </p:cNvSpPr>
+          <p:nvPr>
+            <p:ph type="title"/>
+          </p:nvPr>
+        </p:nvSpPr>
+        <p:spPr/>
+        <p:txBody>
+          <a:bodyPr>
+            <a:normAutofit fontScale="90000"/>
+          </a:bodyPr>
+          <a:lstStyle/>
+          <a:p>
+            <a:br>
+              <a:rPr lang="en-US" dirty="0"/>
+            </a:br>
+            <a:r>
+              <a:rPr lang="en-US" b="1" dirty="0" err="1">
+                <a:solidFill>
+                  <a:srgbClr val="0070C0"/>
+                </a:solidFill>
+              </a:rPr>
+              <a:t>Phác</a:t>
+            </a:r>
+            <a:r>
+              <a:rPr lang="en-US" b="1" dirty="0">
+                <a:solidFill>
+                  <a:srgbClr val="0070C0"/>
+                </a:solidFill>
+              </a:rPr>
+              <a:t> </a:t>
+            </a:r>
+            <a:r>
+              <a:rPr lang="en-US" b="1" dirty="0" err="1">
+                <a:solidFill>
+                  <a:srgbClr val="0070C0"/>
+                </a:solidFill>
+              </a:rPr>
+              <a:t>thảo</a:t>
+            </a:r>
+            <a:r>
+              <a:rPr lang="en-US" b="1" dirty="0">
+                <a:solidFill>
+                  <a:srgbClr val="0070C0"/>
+                </a:solidFill>
+              </a:rPr>
+              <a:t> </a:t>
+            </a:r>
+            <a:r>
+              <a:rPr lang="en-US" b="1" dirty="0" err="1">
+                <a:solidFill>
+                  <a:srgbClr val="0070C0"/>
+                </a:solidFill>
+              </a:rPr>
+              <a:t>giao</a:t>
+            </a:r>
+            <a:r>
+              <a:rPr lang="en-US" b="1" dirty="0">
+                <a:solidFill>
+                  <a:srgbClr val="0070C0"/>
+                </a:solidFill>
+              </a:rPr>
+              <a:t> </a:t>
+            </a:r>
+            <a:r>
+              <a:rPr lang="en-US" b="1" dirty="0" err="1">
+                <a:solidFill>
+                  <a:srgbClr val="0070C0"/>
+                </a:solidFill>
+              </a:rPr>
+              <a:t>diện</a:t>
+            </a:r>
+            <a:br>
+              <a:rPr lang="en-US" b="1" dirty="0">
+                <a:solidFill>
+                  <a:srgbClr val="0070C0"/>
+                </a:solidFill>
+              </a:rPr>
+            </a:br>
+            <a:endParaRPr lang="en-US" b="1" dirty="0">
+              <a:solidFill>
+                <a:srgbClr val="0070C0"/>
+              </a:solidFill>
+            </a:endParaRPr>
+          </a:p>
+        </p:txBody>
+      </p:sp>
+      <p:sp>
+        <p:nvSpPr>
+          <p:cNvPr id="3" name="Content Placeholder 2">
+            <a:extLst>
+              <a:ext uri="{FF2B5EF4-FFF2-40B4-BE49-F238E27FC236}">
+                <a16:creationId xmlns:a16="http://schemas.microsoft.com/office/drawing/2014/main" id="{F6D1EA4E-59B4-B891-27C0-7B38E09F8627}"/>
+              </a:ext>
+            </a:extLst>
+          </p:cNvPr>
+          <p:cNvSpPr>
+            <a:spLocks noGrp="1"/>
+          </p:cNvSpPr>
+          <p:nvPr>
+            <p:ph idx="1"/>
+          </p:nvPr>
+        </p:nvSpPr>
+        <p:spPr>
+          <a:xfrm>
+            <a:off x="838200" y="1545336"/>
+            <a:ext cx="10515600" cy="4631627"/>
+          </a:xfrm>
+        </p:spPr>
+        <p:txBody>
+          <a:bodyPr/>
+          <a:lstStyle/>
+          <a:p>
+            <a:r>
+              <a:rPr lang="en-US" b="1" dirty="0" err="1"/>
+              <a:t>Đăng</a:t>
+            </a:r>
+            <a:r>
+              <a:rPr lang="en-US" b="1" dirty="0"/>
+              <a:t> </a:t>
+            </a:r>
+            <a:r>
+              <a:rPr lang="en-US" b="1" dirty="0" err="1"/>
+              <a:t>nhập</a:t>
+            </a:r>
+            <a:endParaRPr lang="en-US" b="1" dirty="0"/>
+          </a:p>
+        </p:txBody>
+      </p:sp>
+      <p:pic>
+        <p:nvPicPr>
+          <p:cNvPr id="5" name="Picture 4">
+            <a:extLst>
+              <a:ext uri="{FF2B5EF4-FFF2-40B4-BE49-F238E27FC236}">
+                <a16:creationId xmlns:a16="http://schemas.microsoft.com/office/drawing/2014/main" id="{9EA8AEF5-A34E-F2FA-9DB1-93DFDDF06AB5}"/>
+              </a:ext>
+            </a:extLst>
+          </p:cNvPr>
+          <p:cNvPicPr>
+            <a:picLocks noChangeAspect="1"/>
+          </p:cNvPicPr>
+          <p:nvPr/>
+        </p:nvPicPr>
+        <p:blipFill>
+          <a:blip r:embed="rId2"/>
+          <a:stretch>
+            <a:fillRect/>
+          </a:stretch>
+        </p:blipFill>
+        <p:spPr>
+          <a:xfrm>
+            <a:off x="906184" y="1975104"/>
+            <a:ext cx="10447616" cy="4060571"/>
+          </a:xfrm>
+          <a:prstGeom prst="rect">
+            <a:avLst/>
+          </a:prstGeom>
+        </p:spPr>
+      </p:pic>
+    </p:spTree>
+    <p:extLst>
+      <p:ext uri="{BB962C8B-B14F-4D97-AF65-F5344CB8AC3E}">
+        <p14:creationId xmlns:p14="http://schemas.microsoft.com/office/powerpoint/2010/main" val="2320570859"/>
+      </p:ext>
+    </p:extLst>
+  </p:cSld>
+  <p:clrMapOvr>
+    <a:masterClrMapping/>
+  </p:clrMapOvr>
+</p:sld>
+</file>
+
+<file path=ppt/slides/slide12.xml><?xml version="1.0" encoding="utf-8"?>
+<p:sld xmlns:a="http://schemas.openxmlformats.org/drawingml/2006/main" xmlns:r="http://schemas.openxmlformats.org/officeDocument/2006/relationships" xmlns:p="http://schemas.openxmlformats.org/presentationml/2006/main">
+  <p:cSld>
+    <p:spTree>
+      <p:nvGrpSpPr>
+        <p:cNvPr id="1" name=""/>
+        <p:cNvGrpSpPr/>
+        <p:nvPr/>
+      </p:nvGrpSpPr>
+      <p:grpSpPr>
+        <a:xfrm>
+          <a:off x="0" y="0"/>
+          <a:ext cx="0" cy="0"/>
+          <a:chOff x="0" y="0"/>
+          <a:chExt cx="0" cy="0"/>
+        </a:xfrm>
+      </p:grpSpPr>
+      <p:sp>
+        <p:nvSpPr>
+          <p:cNvPr id="2" name="Title 1">
+            <a:extLst>
+              <a:ext uri="{FF2B5EF4-FFF2-40B4-BE49-F238E27FC236}">
+                <a16:creationId xmlns:a16="http://schemas.microsoft.com/office/drawing/2014/main" id="{089ACCA2-FC78-9DDD-7F76-3A4C3BBE3F17}"/>
+              </a:ext>
+            </a:extLst>
+          </p:cNvPr>
+          <p:cNvSpPr>
+            <a:spLocks noGrp="1"/>
+          </p:cNvSpPr>
+          <p:nvPr>
+            <p:ph type="title"/>
+          </p:nvPr>
+        </p:nvSpPr>
+        <p:spPr/>
+        <p:txBody>
+          <a:bodyPr>
+            <a:normAutofit fontScale="90000"/>
+          </a:bodyPr>
+          <a:lstStyle/>
+          <a:p>
+            <a:br>
+              <a:rPr lang="en-US" dirty="0"/>
+            </a:br>
+            <a:r>
+              <a:rPr lang="en-US" b="1" dirty="0" err="1">
+                <a:solidFill>
+                  <a:srgbClr val="0070C0"/>
+                </a:solidFill>
+              </a:rPr>
+              <a:t>Phác</a:t>
+            </a:r>
+            <a:r>
+              <a:rPr lang="en-US" b="1" dirty="0">
+                <a:solidFill>
+                  <a:srgbClr val="0070C0"/>
+                </a:solidFill>
+              </a:rPr>
+              <a:t> </a:t>
+            </a:r>
+            <a:r>
+              <a:rPr lang="en-US" b="1" dirty="0" err="1">
+                <a:solidFill>
+                  <a:srgbClr val="0070C0"/>
+                </a:solidFill>
+              </a:rPr>
+              <a:t>thảo</a:t>
+            </a:r>
+            <a:r>
+              <a:rPr lang="en-US" b="1" dirty="0">
+                <a:solidFill>
+                  <a:srgbClr val="0070C0"/>
+                </a:solidFill>
+              </a:rPr>
+              <a:t> </a:t>
+            </a:r>
+            <a:r>
+              <a:rPr lang="en-US" b="1" dirty="0" err="1">
+                <a:solidFill>
+                  <a:srgbClr val="0070C0"/>
+                </a:solidFill>
+              </a:rPr>
+              <a:t>giao</a:t>
+            </a:r>
+            <a:r>
+              <a:rPr lang="en-US" b="1" dirty="0">
+                <a:solidFill>
+                  <a:srgbClr val="0070C0"/>
+                </a:solidFill>
+              </a:rPr>
+              <a:t> </a:t>
+            </a:r>
+            <a:r>
+              <a:rPr lang="en-US" b="1" dirty="0" err="1">
+                <a:solidFill>
+                  <a:srgbClr val="0070C0"/>
+                </a:solidFill>
+              </a:rPr>
+              <a:t>diện</a:t>
+            </a:r>
+            <a:br>
+              <a:rPr lang="en-US" b="1" dirty="0">
+                <a:solidFill>
+                  <a:srgbClr val="0070C0"/>
+                </a:solidFill>
+              </a:rPr>
+            </a:br>
+            <a:endParaRPr lang="en-US" b="1" dirty="0">
+              <a:solidFill>
+                <a:srgbClr val="0070C0"/>
+              </a:solidFill>
+            </a:endParaRPr>
+          </a:p>
+        </p:txBody>
+      </p:sp>
+      <p:sp>
+        <p:nvSpPr>
+          <p:cNvPr id="3" name="Content Placeholder 2">
+            <a:extLst>
+              <a:ext uri="{FF2B5EF4-FFF2-40B4-BE49-F238E27FC236}">
+                <a16:creationId xmlns:a16="http://schemas.microsoft.com/office/drawing/2014/main" id="{F6D1EA4E-59B4-B891-27C0-7B38E09F8627}"/>
+              </a:ext>
+            </a:extLst>
+          </p:cNvPr>
+          <p:cNvSpPr>
+            <a:spLocks noGrp="1"/>
+          </p:cNvSpPr>
+          <p:nvPr>
+            <p:ph idx="1"/>
+          </p:nvPr>
+        </p:nvSpPr>
+        <p:spPr>
+          <a:xfrm>
+            <a:off x="838200" y="1545336"/>
+            <a:ext cx="10515600" cy="4631627"/>
+          </a:xfrm>
+        </p:spPr>
+        <p:txBody>
+          <a:bodyPr/>
+          <a:lstStyle/>
+          <a:p>
+            <a:r>
+              <a:rPr lang="en-US" b="1" dirty="0" err="1"/>
+              <a:t>Đăng</a:t>
+            </a:r>
+            <a:r>
+              <a:rPr lang="en-US" b="1" dirty="0"/>
+              <a:t> </a:t>
+            </a:r>
+            <a:r>
+              <a:rPr lang="en-US" b="1" dirty="0" err="1"/>
+              <a:t>ký</a:t>
+            </a:r>
+            <a:endParaRPr lang="en-US" b="1" dirty="0"/>
+          </a:p>
+        </p:txBody>
+      </p:sp>
+      <p:pic>
+        <p:nvPicPr>
+          <p:cNvPr id="6" name="Picture 5">
+            <a:extLst>
+              <a:ext uri="{FF2B5EF4-FFF2-40B4-BE49-F238E27FC236}">
+                <a16:creationId xmlns:a16="http://schemas.microsoft.com/office/drawing/2014/main" id="{62308DE1-90C1-BA1E-8D1E-D9887A15DC89}"/>
+              </a:ext>
+            </a:extLst>
+          </p:cNvPr>
+          <p:cNvPicPr>
+            <a:picLocks noChangeAspect="1"/>
+          </p:cNvPicPr>
+          <p:nvPr/>
+        </p:nvPicPr>
+        <p:blipFill>
+          <a:blip r:embed="rId2"/>
+          <a:stretch>
+            <a:fillRect/>
+          </a:stretch>
+        </p:blipFill>
+        <p:spPr>
+          <a:xfrm>
+            <a:off x="632650" y="2130552"/>
+            <a:ext cx="10926700" cy="4142232"/>
+          </a:xfrm>
+          <a:prstGeom prst="rect">
+            <a:avLst/>
+          </a:prstGeom>
+        </p:spPr>
+      </p:pic>
+    </p:spTree>
+    <p:extLst>
+      <p:ext uri="{BB962C8B-B14F-4D97-AF65-F5344CB8AC3E}">
+        <p14:creationId xmlns:p14="http://schemas.microsoft.com/office/powerpoint/2010/main" val="3220192614"/>
+      </p:ext>
+    </p:extLst>
+  </p:cSld>
+  <p:clrMapOvr>
+    <a:masterClrMapping/>
+  </p:clrMapOvr>
+</p:sld>
+</file>
+
+<file path=ppt/slides/slide13.xml><?xml version="1.0" encoding="utf-8"?>
+<p:sld xmlns:a="http://schemas.openxmlformats.org/drawingml/2006/main" xmlns:r="http://schemas.openxmlformats.org/officeDocument/2006/relationships" xmlns:p="http://schemas.openxmlformats.org/presentationml/2006/main">
+  <p:cSld>
+    <p:spTree>
+      <p:nvGrpSpPr>
+        <p:cNvPr id="1" name=""/>
+        <p:cNvGrpSpPr/>
+        <p:nvPr/>
+      </p:nvGrpSpPr>
+      <p:grpSpPr>
+        <a:xfrm>
+          <a:off x="0" y="0"/>
+          <a:ext cx="0" cy="0"/>
+          <a:chOff x="0" y="0"/>
+          <a:chExt cx="0" cy="0"/>
+        </a:xfrm>
+      </p:grpSpPr>
+      <p:sp>
+        <p:nvSpPr>
+          <p:cNvPr id="2" name="Title 1">
+            <a:extLst>
+              <a:ext uri="{FF2B5EF4-FFF2-40B4-BE49-F238E27FC236}">
+                <a16:creationId xmlns:a16="http://schemas.microsoft.com/office/drawing/2014/main" id="{089ACCA2-FC78-9DDD-7F76-3A4C3BBE3F17}"/>
+              </a:ext>
+            </a:extLst>
+          </p:cNvPr>
+          <p:cNvSpPr>
+            <a:spLocks noGrp="1"/>
+          </p:cNvSpPr>
+          <p:nvPr>
+            <p:ph type="title"/>
+          </p:nvPr>
+        </p:nvSpPr>
+        <p:spPr>
+          <a:xfrm>
             <a:off x="809017" y="0"/>
             <a:ext cx="10515600" cy="1325563"/>
           </a:xfrm>
@@ -26794,10 +27389,10 @@
       </p:sp>
       <p:pic>
         <p:nvPicPr>
-          <p:cNvPr id="5" name="Picture 4">
+          <p:cNvPr id="4" name="Picture 3">
             <a:extLst>
               <a:ext uri="{FF2B5EF4-FFF2-40B4-BE49-F238E27FC236}">
-                <a16:creationId xmlns:a16="http://schemas.microsoft.com/office/drawing/2014/main" id="{91E407AD-5E73-51A6-03DE-4E4863B0D203}"/>
+                <a16:creationId xmlns:a16="http://schemas.microsoft.com/office/drawing/2014/main" id="{431FF838-7BBE-9837-7A60-3470D668A829}"/>
               </a:ext>
             </a:extLst>
           </p:cNvPr>
@@ -26814,8 +27409,8 @@
         </p:blipFill>
         <p:spPr>
           <a:xfrm>
-            <a:off x="1741251" y="1877437"/>
-            <a:ext cx="8297694" cy="3774331"/>
+            <a:off x="1474908" y="1179259"/>
+            <a:ext cx="8443609" cy="6009093"/>
           </a:xfrm>
           <a:prstGeom prst="rect">
             <a:avLst/>
@@ -26824,10 +27419,10 @@
       </p:pic>
       <p:pic>
         <p:nvPicPr>
-          <p:cNvPr id="4" name="Picture 3">
+          <p:cNvPr id="7" name="Picture 6">
             <a:extLst>
               <a:ext uri="{FF2B5EF4-FFF2-40B4-BE49-F238E27FC236}">
-                <a16:creationId xmlns:a16="http://schemas.microsoft.com/office/drawing/2014/main" id="{431FF838-7BBE-9837-7A60-3470D668A829}"/>
+                <a16:creationId xmlns:a16="http://schemas.microsoft.com/office/drawing/2014/main" id="{34F77AAA-7D51-46AA-4D62-F9FED8ADBC5B}"/>
               </a:ext>
             </a:extLst>
           </p:cNvPr>
@@ -26844,8 +27439,8 @@
         </p:blipFill>
         <p:spPr>
           <a:xfrm>
-            <a:off x="1653702" y="1293779"/>
-            <a:ext cx="8443609" cy="5787958"/>
+            <a:off x="1883664" y="1825820"/>
+            <a:ext cx="7626096" cy="3788596"/>
           </a:xfrm>
           <a:prstGeom prst="rect">
             <a:avLst/>
@@ -26865,7 +27460,7 @@
 </p:sld>
 </file>
 
-<file path=ppt/slides/slide11.xml><?xml version="1.0" encoding="utf-8"?>
+<file path=ppt/slides/slide14.xml><?xml version="1.0" encoding="utf-8"?>
 <p:sld xmlns:a="http://schemas.openxmlformats.org/drawingml/2006/main" xmlns:r="http://schemas.openxmlformats.org/officeDocument/2006/relationships" xmlns:p="http://schemas.openxmlformats.org/presentationml/2006/main">
   <p:cSld>
     <p:spTree>
@@ -29489,7 +30084,12 @@
             <p:ph type="title"/>
           </p:nvPr>
         </p:nvSpPr>
-        <p:spPr/>
+        <p:spPr>
+          <a:xfrm>
+            <a:off x="838200" y="293417"/>
+            <a:ext cx="10515600" cy="688739"/>
+          </a:xfrm>
+        </p:spPr>
         <p:txBody>
           <a:bodyPr>
             <a:normAutofit fontScale="90000"/>
@@ -29555,133 +30155,6 @@
               </a:rPr>
               <a:t>diện</a:t>
             </a:r>
-            <a:r>
-              <a:rPr lang="en-US" b="1" dirty="0">
-                <a:solidFill>
-                  <a:srgbClr val="0070C0"/>
-                </a:solidFill>
-              </a:rPr>
-              <a:t> (</a:t>
-            </a:r>
-            <a:r>
-              <a:rPr lang="en-US" b="1" dirty="0" err="1">
-                <a:solidFill>
-                  <a:srgbClr val="0070C0"/>
-                </a:solidFill>
-              </a:rPr>
-              <a:t>có</a:t>
-            </a:r>
-            <a:r>
-              <a:rPr lang="en-US" b="1" dirty="0">
-                <a:solidFill>
-                  <a:srgbClr val="0070C0"/>
-                </a:solidFill>
-              </a:rPr>
-              <a:t> </a:t>
-            </a:r>
-            <a:r>
-              <a:rPr lang="en-US" b="1" dirty="0" err="1">
-                <a:solidFill>
-                  <a:srgbClr val="0070C0"/>
-                </a:solidFill>
-              </a:rPr>
-              <a:t>thể</a:t>
-            </a:r>
-            <a:r>
-              <a:rPr lang="en-US" b="1" dirty="0">
-                <a:solidFill>
-                  <a:srgbClr val="0070C0"/>
-                </a:solidFill>
-              </a:rPr>
-              <a:t> </a:t>
-            </a:r>
-            <a:r>
-              <a:rPr lang="en-US" b="1" dirty="0" err="1">
-                <a:solidFill>
-                  <a:srgbClr val="0070C0"/>
-                </a:solidFill>
-              </a:rPr>
-              <a:t>vẽ</a:t>
-            </a:r>
-            <a:r>
-              <a:rPr lang="en-US" b="1" dirty="0">
-                <a:solidFill>
-                  <a:srgbClr val="0070C0"/>
-                </a:solidFill>
-              </a:rPr>
-              <a:t> </a:t>
-            </a:r>
-            <a:r>
-              <a:rPr lang="en-US" b="1" dirty="0" err="1">
-                <a:solidFill>
-                  <a:srgbClr val="0070C0"/>
-                </a:solidFill>
-              </a:rPr>
-              <a:t>nháp</a:t>
-            </a:r>
-            <a:r>
-              <a:rPr lang="en-US" b="1" dirty="0">
-                <a:solidFill>
-                  <a:srgbClr val="0070C0"/>
-                </a:solidFill>
-              </a:rPr>
-              <a:t> </a:t>
-            </a:r>
-            <a:r>
-              <a:rPr lang="en-US" b="1" dirty="0" err="1">
-                <a:solidFill>
-                  <a:srgbClr val="0070C0"/>
-                </a:solidFill>
-              </a:rPr>
-              <a:t>và</a:t>
-            </a:r>
-            <a:r>
-              <a:rPr lang="en-US" b="1" dirty="0">
-                <a:solidFill>
-                  <a:srgbClr val="0070C0"/>
-                </a:solidFill>
-              </a:rPr>
-              <a:t> </a:t>
-            </a:r>
-            <a:r>
-              <a:rPr lang="en-US" b="1" dirty="0" err="1">
-                <a:solidFill>
-                  <a:srgbClr val="0070C0"/>
-                </a:solidFill>
-              </a:rPr>
-              <a:t>chụp</a:t>
-            </a:r>
-            <a:r>
-              <a:rPr lang="en-US" b="1" dirty="0">
-                <a:solidFill>
-                  <a:srgbClr val="0070C0"/>
-                </a:solidFill>
-              </a:rPr>
-              <a:t> </a:t>
-            </a:r>
-            <a:r>
-              <a:rPr lang="en-US" b="1" dirty="0" err="1">
-                <a:solidFill>
-                  <a:srgbClr val="0070C0"/>
-                </a:solidFill>
-              </a:rPr>
-              <a:t>lại</a:t>
-            </a:r>
-            <a:r>
-              <a:rPr lang="en-US" b="1" dirty="0">
-                <a:solidFill>
-                  <a:srgbClr val="0070C0"/>
-                </a:solidFill>
-              </a:rPr>
-              <a:t>)</a:t>
-            </a:r>
-            <a:br>
-              <a:rPr lang="en-US" b="1" dirty="0">
-                <a:solidFill>
-                  <a:srgbClr val="0070C0"/>
-                </a:solidFill>
-              </a:rPr>
-            </a:br>
             <a:endParaRPr lang="en-US" b="1" dirty="0">
               <a:solidFill>
                 <a:srgbClr val="0070C0"/>
@@ -29708,8 +30181,8 @@
         </p:nvSpPr>
         <p:spPr>
           <a:xfrm>
-            <a:off x="838200" y="1872050"/>
-            <a:ext cx="10515600" cy="4348163"/>
+            <a:off x="838200" y="1245140"/>
+            <a:ext cx="10515600" cy="4975073"/>
           </a:xfrm>
         </p:spPr>
         <p:txBody>
@@ -29717,7 +30190,7 @@
           <a:lstStyle/>
           <a:p>
             <a:r>
-              <a:rPr lang="en-US" b="1" dirty="0"/>
+              <a:rPr lang="en-US" b="1"/>
               <a:t>Home</a:t>
             </a:r>
           </a:p>
@@ -29728,10 +30201,10 @@
       </p:sp>
       <p:pic>
         <p:nvPicPr>
-          <p:cNvPr id="8" name="Picture 7">
+          <p:cNvPr id="5" name="Picture 4">
             <a:extLst>
               <a:ext uri="{FF2B5EF4-FFF2-40B4-BE49-F238E27FC236}">
-                <a16:creationId xmlns:a16="http://schemas.microsoft.com/office/drawing/2014/main" id="{8608C285-B340-70F8-8856-0D3CE528FF6F}"/>
+                <a16:creationId xmlns:a16="http://schemas.microsoft.com/office/drawing/2014/main" id="{0981B566-63E0-C0F7-C54E-EDA8CD1D43BD}"/>
               </a:ext>
             </a:extLst>
           </p:cNvPr>
@@ -29740,15 +30213,16 @@
           </p:cNvPicPr>
           <p:nvPr/>
         </p:nvPicPr>
-        <p:blipFill rotWithShape="1">
+        <p:blipFill>
           <a:blip r:embed="rId2"/>
-          <a:srcRect t="12340"/>
-          <a:stretch/>
+          <a:stretch>
+            <a:fillRect/>
+          </a:stretch>
         </p:blipFill>
         <p:spPr>
           <a:xfrm>
-            <a:off x="2476073" y="2188466"/>
-            <a:ext cx="8640566" cy="4031747"/>
+            <a:off x="1096696" y="1780163"/>
+            <a:ext cx="10391669" cy="4440050"/>
           </a:xfrm>
           <a:prstGeom prst="rect">
             <a:avLst/>
@@ -29801,7 +30275,12 @@
             <p:ph type="title"/>
           </p:nvPr>
         </p:nvSpPr>
-        <p:spPr/>
+        <p:spPr>
+          <a:xfrm>
+            <a:off x="838200" y="293417"/>
+            <a:ext cx="10515600" cy="688739"/>
+          </a:xfrm>
+        </p:spPr>
         <p:txBody>
           <a:bodyPr>
             <a:normAutofit fontScale="90000"/>
@@ -29867,133 +30346,6 @@
               </a:rPr>
               <a:t>diện</a:t>
             </a:r>
-            <a:r>
-              <a:rPr lang="en-US" b="1" dirty="0">
-                <a:solidFill>
-                  <a:srgbClr val="0070C0"/>
-                </a:solidFill>
-              </a:rPr>
-              <a:t> (</a:t>
-            </a:r>
-            <a:r>
-              <a:rPr lang="en-US" b="1" dirty="0" err="1">
-                <a:solidFill>
-                  <a:srgbClr val="0070C0"/>
-                </a:solidFill>
-              </a:rPr>
-              <a:t>có</a:t>
-            </a:r>
-            <a:r>
-              <a:rPr lang="en-US" b="1" dirty="0">
-                <a:solidFill>
-                  <a:srgbClr val="0070C0"/>
-                </a:solidFill>
-              </a:rPr>
-              <a:t> </a:t>
-            </a:r>
-            <a:r>
-              <a:rPr lang="en-US" b="1" dirty="0" err="1">
-                <a:solidFill>
-                  <a:srgbClr val="0070C0"/>
-                </a:solidFill>
-              </a:rPr>
-              <a:t>thể</a:t>
-            </a:r>
-            <a:r>
-              <a:rPr lang="en-US" b="1" dirty="0">
-                <a:solidFill>
-                  <a:srgbClr val="0070C0"/>
-                </a:solidFill>
-              </a:rPr>
-              <a:t> </a:t>
-            </a:r>
-            <a:r>
-              <a:rPr lang="en-US" b="1" dirty="0" err="1">
-                <a:solidFill>
-                  <a:srgbClr val="0070C0"/>
-                </a:solidFill>
-              </a:rPr>
-              <a:t>vẽ</a:t>
-            </a:r>
-            <a:r>
-              <a:rPr lang="en-US" b="1" dirty="0">
-                <a:solidFill>
-                  <a:srgbClr val="0070C0"/>
-                </a:solidFill>
-              </a:rPr>
-              <a:t> </a:t>
-            </a:r>
-            <a:r>
-              <a:rPr lang="en-US" b="1" dirty="0" err="1">
-                <a:solidFill>
-                  <a:srgbClr val="0070C0"/>
-                </a:solidFill>
-              </a:rPr>
-              <a:t>nháp</a:t>
-            </a:r>
-            <a:r>
-              <a:rPr lang="en-US" b="1" dirty="0">
-                <a:solidFill>
-                  <a:srgbClr val="0070C0"/>
-                </a:solidFill>
-              </a:rPr>
-              <a:t> </a:t>
-            </a:r>
-            <a:r>
-              <a:rPr lang="en-US" b="1" dirty="0" err="1">
-                <a:solidFill>
-                  <a:srgbClr val="0070C0"/>
-                </a:solidFill>
-              </a:rPr>
-              <a:t>và</a:t>
-            </a:r>
-            <a:r>
-              <a:rPr lang="en-US" b="1" dirty="0">
-                <a:solidFill>
-                  <a:srgbClr val="0070C0"/>
-                </a:solidFill>
-              </a:rPr>
-              <a:t> </a:t>
-            </a:r>
-            <a:r>
-              <a:rPr lang="en-US" b="1" dirty="0" err="1">
-                <a:solidFill>
-                  <a:srgbClr val="0070C0"/>
-                </a:solidFill>
-              </a:rPr>
-              <a:t>chụp</a:t>
-            </a:r>
-            <a:r>
-              <a:rPr lang="en-US" b="1" dirty="0">
-                <a:solidFill>
-                  <a:srgbClr val="0070C0"/>
-                </a:solidFill>
-              </a:rPr>
-              <a:t> </a:t>
-            </a:r>
-            <a:r>
-              <a:rPr lang="en-US" b="1" dirty="0" err="1">
-                <a:solidFill>
-                  <a:srgbClr val="0070C0"/>
-                </a:solidFill>
-              </a:rPr>
-              <a:t>lại</a:t>
-            </a:r>
-            <a:r>
-              <a:rPr lang="en-US" b="1" dirty="0">
-                <a:solidFill>
-                  <a:srgbClr val="0070C0"/>
-                </a:solidFill>
-              </a:rPr>
-              <a:t>)</a:t>
-            </a:r>
-            <a:br>
-              <a:rPr lang="en-US" b="1" dirty="0">
-                <a:solidFill>
-                  <a:srgbClr val="0070C0"/>
-                </a:solidFill>
-              </a:rPr>
-            </a:br>
             <a:endParaRPr lang="en-US" b="1" dirty="0">
               <a:solidFill>
                 <a:srgbClr val="0070C0"/>
@@ -30018,57 +30370,32 @@
             <p:ph idx="1"/>
           </p:nvPr>
         </p:nvSpPr>
-        <p:spPr/>
+        <p:spPr>
+          <a:xfrm>
+            <a:off x="838200" y="1245140"/>
+            <a:ext cx="10515600" cy="4975073"/>
+          </a:xfrm>
+        </p:spPr>
         <p:txBody>
           <a:bodyPr/>
           <a:lstStyle/>
           <a:p>
             <a:r>
-              <a:rPr lang="en-US" b="1" dirty="0" err="1"/>
-              <a:t>Đăng</a:t>
+              <a:rPr lang="en-US" b="1" dirty="0"/>
+              <a:t>Content</a:t>
             </a:r>
-            <a:r>
-              <a:rPr lang="en-US" b="1" dirty="0"/>
-              <a:t> </a:t>
-            </a:r>
-            <a:r>
-              <a:rPr lang="en-US" b="1" dirty="0" err="1"/>
-              <a:t>ký</a:t>
-            </a:r>
-            <a:r>
-              <a:rPr lang="en-US" b="1" dirty="0"/>
-              <a:t> </a:t>
-            </a:r>
-            <a:r>
-              <a:rPr lang="en-US" b="1" dirty="0" err="1"/>
-              <a:t>và</a:t>
-            </a:r>
-            <a:r>
-              <a:rPr lang="en-US" b="1" dirty="0"/>
-              <a:t> </a:t>
-            </a:r>
-            <a:r>
-              <a:rPr lang="en-US" b="1" dirty="0" err="1"/>
-              <a:t>đăng</a:t>
-            </a:r>
-            <a:r>
-              <a:rPr lang="en-US" b="1" dirty="0"/>
-              <a:t> </a:t>
-            </a:r>
-            <a:r>
-              <a:rPr lang="en-US" b="1" dirty="0" err="1"/>
-              <a:t>nhập</a:t>
-            </a:r>
-            <a:endParaRPr lang="en-US" b="1" dirty="0"/>
+          </a:p>
+          <a:p>
+            <a:endParaRPr lang="en-US" dirty="0"/>
           </a:p>
         </p:txBody>
       </p:sp>
       <p:pic>
         <p:nvPicPr>
-          <p:cNvPr id="9" name="Picture 8">
+          <p:cNvPr id="6" name="Picture 5">
             <a:extLst>
               <a:ext uri="{FF2B5EF4-FFF2-40B4-BE49-F238E27FC236}">
-                <a16:creationId xmlns:a16="http://schemas.microsoft.com/office/drawing/2014/main" id="{E7F2672A-14CF-6AE8-6635-2B3F9A4B6855}"/>
+                <a16:creationId xmlns:a16="http://schemas.microsoft.com/office/drawing/2014/main" id="{52E15F81-13A9-E336-8A71-1BBF67AA592C}"/>
               </a:ext>
             </a:extLst>
           </p:cNvPr>
@@ -30077,44 +30404,16 @@
           </p:cNvPicPr>
           <p:nvPr/>
         </p:nvPicPr>
-        <p:blipFill rotWithShape="1">
+        <p:blipFill>
           <a:blip r:embed="rId2"/>
-          <a:srcRect t="11559"/>
-          <a:stretch/>
+          <a:stretch>
+            <a:fillRect/>
+          </a:stretch>
         </p:blipFill>
         <p:spPr>
           <a:xfrm>
-            <a:off x="688368" y="2938408"/>
-            <a:ext cx="5272929" cy="2486346"/>
-          </a:xfrm>
-          <a:prstGeom prst="rect">
-            <a:avLst/>
-          </a:prstGeom>
-        </p:spPr>
-      </p:pic>
-      <p:pic>
-        <p:nvPicPr>
-          <p:cNvPr id="11" name="Picture 10">
-            <a:extLst>
-              <a:ext uri="{FF2B5EF4-FFF2-40B4-BE49-F238E27FC236}">
-                <a16:creationId xmlns:a16="http://schemas.microsoft.com/office/drawing/2014/main" id="{65CEFF66-460A-3253-C1AD-01D1614CF138}"/>
-              </a:ext>
-            </a:extLst>
-          </p:cNvPr>
-          <p:cNvPicPr>
-            <a:picLocks noChangeAspect="1"/>
-          </p:cNvPicPr>
-          <p:nvPr/>
-        </p:nvPicPr>
-        <p:blipFill rotWithShape="1">
-          <a:blip r:embed="rId3"/>
-          <a:srcRect t="11559"/>
-          <a:stretch/>
-        </p:blipFill>
-        <p:spPr>
-          <a:xfrm>
-            <a:off x="6411074" y="2938408"/>
-            <a:ext cx="5276359" cy="2486347"/>
+            <a:off x="1033272" y="1856233"/>
+            <a:ext cx="9701784" cy="4654122"/>
           </a:xfrm>
           <a:prstGeom prst="rect">
             <a:avLst/>
@@ -30124,7 +30423,7 @@
     </p:spTree>
     <p:extLst>
       <p:ext uri="{BB962C8B-B14F-4D97-AF65-F5344CB8AC3E}">
-        <p14:creationId xmlns:p14="http://schemas.microsoft.com/office/powerpoint/2010/main" val="2320570859"/>
+        <p14:creationId xmlns:p14="http://schemas.microsoft.com/office/powerpoint/2010/main" val="763898671"/>
       </p:ext>
     </p:extLst>
   </p:cSld>

--- a/project.pptx
+++ b/project.pptx
@@ -5237,7 +5237,7 @@
         <a:lstStyle/>
         <a:p>
           <a:r>
-            <a:rPr lang="vi-VN" sz="2200" b="1" i="0" kern="1200">
+            <a:rPr lang="vi-VN" sz="1800" b="1" i="0" kern="1200" dirty="0">
               <a:solidFill>
                 <a:prstClr val="white"/>
               </a:solidFill>
@@ -5247,7 +5247,7 @@
             </a:rPr>
             <a:t>Tạo Câu Hỏi:</a:t>
           </a:r>
-          <a:endParaRPr lang="en-US" sz="2200" b="1" i="0" kern="1200">
+          <a:endParaRPr lang="en-US" sz="1800" b="1" i="0" kern="1200" dirty="0">
             <a:solidFill>
               <a:prstClr val="white"/>
             </a:solidFill>
@@ -5287,11 +5287,16 @@
         <a:bodyPr/>
         <a:lstStyle/>
         <a:p>
+          <a:pPr>
+            <a:lnSpc>
+              <a:spcPct val="100000"/>
+            </a:lnSpc>
+          </a:pPr>
           <a:r>
-            <a:rPr lang="vi-VN" sz="1600" b="0" i="0"/>
+            <a:rPr lang="vi-VN" sz="1600" b="0" i="0" dirty="0"/>
             <a:t>Cho phép người dùng tạo câu hỏi trắc nghiệm với nhiều loại câu hỏi khác nhau (đa lựa chọn, điền từ, kéo và thả, v.v.).</a:t>
           </a:r>
-          <a:endParaRPr lang="en-US" sz="1600"/>
+          <a:endParaRPr lang="en-US" sz="1600" dirty="0"/>
         </a:p>
       </dgm:t>
     </dgm:pt>
@@ -5324,11 +5329,16 @@
         <a:bodyPr/>
         <a:lstStyle/>
         <a:p>
+          <a:pPr>
+            <a:lnSpc>
+              <a:spcPct val="100000"/>
+            </a:lnSpc>
+          </a:pPr>
           <a:r>
-            <a:rPr lang="vi-VN" sz="1600" b="0" i="0"/>
+            <a:rPr lang="vi-VN" sz="1600" b="0" i="0" dirty="0"/>
             <a:t>Hỗ trợ nhập các đáp án và chọn câu trả lời đúng.</a:t>
           </a:r>
-          <a:endParaRPr lang="en-US" sz="1600"/>
+          <a:endParaRPr lang="en-US" sz="1600" dirty="0"/>
         </a:p>
       </dgm:t>
     </dgm:pt>
@@ -5362,17 +5372,17 @@
         <a:lstStyle/>
         <a:p>
           <a:r>
-            <a:rPr lang="vi-VN" b="1" i="0"/>
+            <a:rPr lang="vi-VN" b="1" i="0" dirty="0"/>
             <a:t>Quản Lý Bộ </a:t>
           </a:r>
-          <a:endParaRPr lang="en-US" b="1" i="0"/>
+          <a:endParaRPr lang="en-US" b="1" i="0" dirty="0"/>
         </a:p>
         <a:p>
           <a:r>
-            <a:rPr lang="vi-VN" b="1" i="0"/>
+            <a:rPr lang="vi-VN" b="1" i="0" dirty="0"/>
             <a:t>Câu Hỏi:</a:t>
           </a:r>
-          <a:endParaRPr lang="en-US"/>
+          <a:endParaRPr lang="en-US" dirty="0"/>
         </a:p>
       </dgm:t>
     </dgm:pt>
@@ -5406,10 +5416,10 @@
         <a:lstStyle/>
         <a:p>
           <a:r>
-            <a:rPr lang="vi-VN" sz="1600" b="0" i="0"/>
+            <a:rPr lang="vi-VN" sz="1600" b="0" i="0" dirty="0"/>
             <a:t>Cho phép người dùng quản lý các bộ câu hỏi đã tạo, sửa đổi hoặc xóa chúng.</a:t>
           </a:r>
-          <a:endParaRPr lang="en-US" sz="1600"/>
+          <a:endParaRPr lang="en-US" sz="1600" dirty="0"/>
         </a:p>
       </dgm:t>
     </dgm:pt>
@@ -5443,17 +5453,17 @@
         <a:lstStyle/>
         <a:p>
           <a:r>
-            <a:rPr lang="vi-VN" b="1" i="0"/>
+            <a:rPr lang="vi-VN" b="1" i="0" dirty="0"/>
             <a:t>Tìm Kiếm và </a:t>
           </a:r>
-          <a:endParaRPr lang="en-US" b="1" i="0"/>
+          <a:endParaRPr lang="en-US" b="1" i="0" dirty="0"/>
         </a:p>
         <a:p>
           <a:r>
-            <a:rPr lang="vi-VN" b="1" i="0"/>
+            <a:rPr lang="vi-VN" b="1" i="0" dirty="0"/>
             <a:t>Khám Phá:</a:t>
           </a:r>
-          <a:endParaRPr lang="en-US"/>
+          <a:endParaRPr lang="en-US" dirty="0"/>
         </a:p>
       </dgm:t>
     </dgm:pt>
@@ -5486,11 +5496,16 @@
         <a:bodyPr/>
         <a:lstStyle/>
         <a:p>
+          <a:pPr>
+            <a:lnSpc>
+              <a:spcPct val="100000"/>
+            </a:lnSpc>
+          </a:pPr>
           <a:r>
-            <a:rPr lang="vi-VN" sz="1600" b="0" i="0"/>
+            <a:rPr lang="vi-VN" sz="1600" b="0" i="0" dirty="0"/>
             <a:t>Cung cấp chức năng tìm kiếm và khám phá các bộ câu hỏi được chia sẻ bởi cộng đồng người dùng.</a:t>
           </a:r>
-          <a:endParaRPr lang="en-US" sz="1600"/>
+          <a:endParaRPr lang="en-US" sz="1600" dirty="0"/>
         </a:p>
       </dgm:t>
     </dgm:pt>
@@ -5524,17 +5539,17 @@
         <a:lstStyle/>
         <a:p>
           <a:r>
-            <a:rPr lang="vi-VN" b="1" i="0"/>
+            <a:rPr lang="vi-VN" b="1" i="0" dirty="0"/>
             <a:t>Chia Sẻ và </a:t>
           </a:r>
-          <a:endParaRPr lang="en-US" b="1" i="0"/>
+          <a:endParaRPr lang="en-US" b="1" i="0" dirty="0"/>
         </a:p>
         <a:p>
           <a:r>
-            <a:rPr lang="vi-VN" b="1" i="0"/>
+            <a:rPr lang="vi-VN" b="1" i="0" dirty="0"/>
             <a:t>Tương Tác:</a:t>
           </a:r>
-          <a:endParaRPr lang="en-US"/>
+          <a:endParaRPr lang="en-US" dirty="0"/>
         </a:p>
       </dgm:t>
     </dgm:pt>
@@ -5567,11 +5582,16 @@
         <a:bodyPr/>
         <a:lstStyle/>
         <a:p>
+          <a:pPr>
+            <a:lnSpc>
+              <a:spcPct val="100000"/>
+            </a:lnSpc>
+          </a:pPr>
           <a:r>
-            <a:rPr lang="vi-VN" sz="1600" b="0" i="0"/>
+            <a:rPr lang="vi-VN" sz="1600" b="0" i="0" dirty="0"/>
             <a:t>Cho phép người dùng chia sẻ bộ câu hỏi của mình với người khác thông qua liên kết hoặc mạng xã hội.</a:t>
           </a:r>
-          <a:endParaRPr lang="en-US" sz="1600"/>
+          <a:endParaRPr lang="en-US" sz="1600" dirty="0"/>
         </a:p>
       </dgm:t>
     </dgm:pt>
@@ -5604,11 +5624,16 @@
         <a:bodyPr/>
         <a:lstStyle/>
         <a:p>
+          <a:pPr>
+            <a:lnSpc>
+              <a:spcPct val="100000"/>
+            </a:lnSpc>
+          </a:pPr>
           <a:r>
-            <a:rPr lang="vi-VN" sz="1600" b="0" i="0"/>
+            <a:rPr lang="vi-VN" sz="1600" b="0" i="0" dirty="0"/>
             <a:t>Hỗ trợ việc đánh giá và phản hồi từ người dùng khác.</a:t>
           </a:r>
-          <a:endParaRPr lang="en-US" sz="1600"/>
+          <a:endParaRPr lang="en-US" sz="1600" dirty="0"/>
         </a:p>
       </dgm:t>
     </dgm:pt>
@@ -5642,10 +5667,10 @@
         <a:lstStyle/>
         <a:p>
           <a:r>
-            <a:rPr lang="vi-VN" b="1" i="0"/>
+            <a:rPr lang="vi-VN" b="1" i="0" dirty="0"/>
             <a:t>Thi Online:</a:t>
           </a:r>
-          <a:endParaRPr lang="en-US"/>
+          <a:endParaRPr lang="en-US" dirty="0"/>
         </a:p>
       </dgm:t>
     </dgm:pt>
@@ -5678,11 +5703,16 @@
         <a:bodyPr/>
         <a:lstStyle/>
         <a:p>
+          <a:pPr>
+            <a:lnSpc>
+              <a:spcPct val="100000"/>
+            </a:lnSpc>
+          </a:pPr>
           <a:r>
-            <a:rPr lang="vi-VN" sz="1600" b="0" i="0"/>
+            <a:rPr lang="vi-VN" sz="1600" b="0" i="0" dirty="0"/>
             <a:t>Cung cấp tính năng thi online với các bộ câu hỏi được chọn.</a:t>
           </a:r>
-          <a:endParaRPr lang="en-US" sz="1600"/>
+          <a:endParaRPr lang="en-US" sz="1600" dirty="0"/>
         </a:p>
       </dgm:t>
     </dgm:pt>
@@ -5715,11 +5745,16 @@
         <a:bodyPr/>
         <a:lstStyle/>
         <a:p>
+          <a:pPr>
+            <a:lnSpc>
+              <a:spcPct val="100000"/>
+            </a:lnSpc>
+          </a:pPr>
           <a:r>
-            <a:rPr lang="vi-VN" sz="1600" b="0" i="0"/>
+            <a:rPr lang="vi-VN" sz="1600" b="0" i="0" dirty="0"/>
             <a:t>Tính điểm tự động và hiển thị kết quả sau khi kết thúc bài kiểm tra.</a:t>
           </a:r>
-          <a:endParaRPr lang="en-US" sz="1600"/>
+          <a:endParaRPr lang="en-US" sz="1600" dirty="0"/>
         </a:p>
       </dgm:t>
     </dgm:pt>
@@ -5745,6 +5780,883 @@
         </a:p>
       </dgm:t>
     </dgm:pt>
+    <dgm:pt modelId="{A6898C81-EA1C-4B88-A0CF-AAAB85460D47}">
+      <dgm:prSet custT="1"/>
+      <dgm:spPr/>
+      <dgm:t>
+        <a:bodyPr/>
+        <a:lstStyle/>
+        <a:p>
+          <a:pPr marL="0" lvl="0" algn="ctr" defTabSz="800100">
+            <a:lnSpc>
+              <a:spcPct val="90000"/>
+            </a:lnSpc>
+            <a:spcBef>
+              <a:spcPct val="0"/>
+            </a:spcBef>
+            <a:spcAft>
+              <a:spcPct val="35000"/>
+            </a:spcAft>
+            <a:buNone/>
+          </a:pPr>
+          <a:r>
+            <a:rPr lang="en-US" sz="1800" b="1" i="0" kern="1200" dirty="0" err="1">
+              <a:solidFill>
+                <a:prstClr val="white"/>
+              </a:solidFill>
+              <a:latin typeface="Arial" panose="020B0604020202020204" pitchFamily="34" charset="0"/>
+              <a:ea typeface="+mn-ea"/>
+              <a:cs typeface="+mn-cs"/>
+            </a:rPr>
+            <a:t>Phân</a:t>
+          </a:r>
+          <a:r>
+            <a:rPr lang="en-US" sz="1800" b="1" i="0" kern="1200" dirty="0">
+              <a:solidFill>
+                <a:prstClr val="white"/>
+              </a:solidFill>
+              <a:latin typeface="Arial" panose="020B0604020202020204" pitchFamily="34" charset="0"/>
+              <a:ea typeface="+mn-ea"/>
+              <a:cs typeface="+mn-cs"/>
+            </a:rPr>
+            <a:t> </a:t>
+          </a:r>
+          <a:r>
+            <a:rPr lang="en-US" sz="1800" b="1" i="0" kern="1200" dirty="0" err="1">
+              <a:solidFill>
+                <a:prstClr val="white"/>
+              </a:solidFill>
+              <a:latin typeface="Arial" panose="020B0604020202020204" pitchFamily="34" charset="0"/>
+              <a:ea typeface="+mn-ea"/>
+              <a:cs typeface="+mn-cs"/>
+            </a:rPr>
+            <a:t>Quyền</a:t>
+          </a:r>
+          <a:r>
+            <a:rPr lang="en-US" sz="1800" b="1" i="0" kern="1200" dirty="0">
+              <a:solidFill>
+                <a:prstClr val="white"/>
+              </a:solidFill>
+              <a:latin typeface="Arial" panose="020B0604020202020204" pitchFamily="34" charset="0"/>
+              <a:ea typeface="+mn-ea"/>
+              <a:cs typeface="+mn-cs"/>
+            </a:rPr>
+            <a:t>:</a:t>
+          </a:r>
+        </a:p>
+      </dgm:t>
+    </dgm:pt>
+    <dgm:pt modelId="{919AD3D7-51E2-420A-92B8-845DD0BB9BCC}" type="parTrans" cxnId="{2C45B699-9C8D-4CF1-9BDA-00443BC4A8C1}">
+      <dgm:prSet/>
+      <dgm:spPr/>
+      <dgm:t>
+        <a:bodyPr/>
+        <a:lstStyle/>
+        <a:p>
+          <a:endParaRPr lang="en-US"/>
+        </a:p>
+      </dgm:t>
+    </dgm:pt>
+    <dgm:pt modelId="{AB74D5CA-405E-4EFE-AA95-EDCDBE8E7D87}" type="sibTrans" cxnId="{2C45B699-9C8D-4CF1-9BDA-00443BC4A8C1}">
+      <dgm:prSet/>
+      <dgm:spPr/>
+      <dgm:t>
+        <a:bodyPr/>
+        <a:lstStyle/>
+        <a:p>
+          <a:endParaRPr lang="en-US"/>
+        </a:p>
+      </dgm:t>
+    </dgm:pt>
+    <dgm:pt modelId="{91456160-1417-4EFA-B078-47AE5CA18121}">
+      <dgm:prSet custT="1"/>
+      <dgm:spPr/>
+      <dgm:t>
+        <a:bodyPr/>
+        <a:lstStyle/>
+        <a:p>
+          <a:pPr>
+            <a:lnSpc>
+              <a:spcPct val="100000"/>
+            </a:lnSpc>
+          </a:pPr>
+          <a:r>
+            <a:rPr lang="en-US" sz="1600" b="0" i="0" kern="1200" dirty="0">
+              <a:solidFill>
+                <a:prstClr val="black">
+                  <a:hueOff val="0"/>
+                  <a:satOff val="0"/>
+                  <a:lumOff val="0"/>
+                  <a:alphaOff val="0"/>
+                </a:prstClr>
+              </a:solidFill>
+              <a:latin typeface="Arial" panose="020B0604020202020204" pitchFamily="34" charset="0"/>
+              <a:ea typeface="+mn-ea"/>
+              <a:cs typeface="+mn-cs"/>
+            </a:rPr>
+            <a:t>Cho </a:t>
+          </a:r>
+          <a:r>
+            <a:rPr lang="en-US" sz="1600" b="0" i="0" kern="1200" dirty="0" err="1">
+              <a:solidFill>
+                <a:prstClr val="black">
+                  <a:hueOff val="0"/>
+                  <a:satOff val="0"/>
+                  <a:lumOff val="0"/>
+                  <a:alphaOff val="0"/>
+                </a:prstClr>
+              </a:solidFill>
+              <a:latin typeface="Arial" panose="020B0604020202020204" pitchFamily="34" charset="0"/>
+              <a:ea typeface="+mn-ea"/>
+              <a:cs typeface="+mn-cs"/>
+            </a:rPr>
+            <a:t>phép</a:t>
+          </a:r>
+          <a:r>
+            <a:rPr lang="en-US" sz="1600" b="0" i="0" kern="1200" dirty="0">
+              <a:solidFill>
+                <a:prstClr val="black">
+                  <a:hueOff val="0"/>
+                  <a:satOff val="0"/>
+                  <a:lumOff val="0"/>
+                  <a:alphaOff val="0"/>
+                </a:prstClr>
+              </a:solidFill>
+              <a:latin typeface="Arial" panose="020B0604020202020204" pitchFamily="34" charset="0"/>
+              <a:ea typeface="+mn-ea"/>
+              <a:cs typeface="+mn-cs"/>
+            </a:rPr>
+            <a:t> </a:t>
+          </a:r>
+          <a:r>
+            <a:rPr lang="en-US" sz="1600" b="0" i="0" kern="1200" dirty="0" err="1">
+              <a:solidFill>
+                <a:prstClr val="black">
+                  <a:hueOff val="0"/>
+                  <a:satOff val="0"/>
+                  <a:lumOff val="0"/>
+                  <a:alphaOff val="0"/>
+                </a:prstClr>
+              </a:solidFill>
+              <a:latin typeface="Arial" panose="020B0604020202020204" pitchFamily="34" charset="0"/>
+              <a:ea typeface="+mn-ea"/>
+              <a:cs typeface="+mn-cs"/>
+            </a:rPr>
+            <a:t>người</a:t>
+          </a:r>
+          <a:r>
+            <a:rPr lang="en-US" sz="1600" b="0" i="0" kern="1200" dirty="0">
+              <a:solidFill>
+                <a:prstClr val="black">
+                  <a:hueOff val="0"/>
+                  <a:satOff val="0"/>
+                  <a:lumOff val="0"/>
+                  <a:alphaOff val="0"/>
+                </a:prstClr>
+              </a:solidFill>
+              <a:latin typeface="Arial" panose="020B0604020202020204" pitchFamily="34" charset="0"/>
+              <a:ea typeface="+mn-ea"/>
+              <a:cs typeface="+mn-cs"/>
+            </a:rPr>
+            <a:t> </a:t>
+          </a:r>
+          <a:r>
+            <a:rPr lang="en-US" sz="1600" b="0" i="0" kern="1200" dirty="0" err="1">
+              <a:solidFill>
+                <a:prstClr val="black">
+                  <a:hueOff val="0"/>
+                  <a:satOff val="0"/>
+                  <a:lumOff val="0"/>
+                  <a:alphaOff val="0"/>
+                </a:prstClr>
+              </a:solidFill>
+              <a:latin typeface="Arial" panose="020B0604020202020204" pitchFamily="34" charset="0"/>
+              <a:ea typeface="+mn-ea"/>
+              <a:cs typeface="+mn-cs"/>
+            </a:rPr>
+            <a:t>dùng</a:t>
+          </a:r>
+          <a:r>
+            <a:rPr lang="en-US" sz="1600" b="0" i="0" kern="1200" dirty="0">
+              <a:solidFill>
+                <a:prstClr val="black">
+                  <a:hueOff val="0"/>
+                  <a:satOff val="0"/>
+                  <a:lumOff val="0"/>
+                  <a:alphaOff val="0"/>
+                </a:prstClr>
+              </a:solidFill>
+              <a:latin typeface="Arial" panose="020B0604020202020204" pitchFamily="34" charset="0"/>
+              <a:ea typeface="+mn-ea"/>
+              <a:cs typeface="+mn-cs"/>
+            </a:rPr>
+            <a:t> </a:t>
+          </a:r>
+          <a:r>
+            <a:rPr lang="en-US" sz="1600" b="0" i="0" kern="1200" dirty="0" err="1">
+              <a:solidFill>
+                <a:prstClr val="black">
+                  <a:hueOff val="0"/>
+                  <a:satOff val="0"/>
+                  <a:lumOff val="0"/>
+                  <a:alphaOff val="0"/>
+                </a:prstClr>
+              </a:solidFill>
+              <a:latin typeface="Arial" panose="020B0604020202020204" pitchFamily="34" charset="0"/>
+              <a:ea typeface="+mn-ea"/>
+              <a:cs typeface="+mn-cs"/>
+            </a:rPr>
+            <a:t>cài</a:t>
+          </a:r>
+          <a:r>
+            <a:rPr lang="en-US" sz="1600" b="0" i="0" kern="1200" dirty="0">
+              <a:solidFill>
+                <a:prstClr val="black">
+                  <a:hueOff val="0"/>
+                  <a:satOff val="0"/>
+                  <a:lumOff val="0"/>
+                  <a:alphaOff val="0"/>
+                </a:prstClr>
+              </a:solidFill>
+              <a:latin typeface="Arial" panose="020B0604020202020204" pitchFamily="34" charset="0"/>
+              <a:ea typeface="+mn-ea"/>
+              <a:cs typeface="+mn-cs"/>
+            </a:rPr>
+            <a:t> </a:t>
+          </a:r>
+          <a:r>
+            <a:rPr lang="en-US" sz="1600" b="0" i="0" kern="1200" dirty="0" err="1">
+              <a:solidFill>
+                <a:prstClr val="black">
+                  <a:hueOff val="0"/>
+                  <a:satOff val="0"/>
+                  <a:lumOff val="0"/>
+                  <a:alphaOff val="0"/>
+                </a:prstClr>
+              </a:solidFill>
+              <a:latin typeface="Arial" panose="020B0604020202020204" pitchFamily="34" charset="0"/>
+              <a:ea typeface="+mn-ea"/>
+              <a:cs typeface="+mn-cs"/>
+            </a:rPr>
+            <a:t>đặt</a:t>
+          </a:r>
+          <a:r>
+            <a:rPr lang="en-US" sz="1600" b="0" i="0" kern="1200" dirty="0">
+              <a:solidFill>
+                <a:prstClr val="black">
+                  <a:hueOff val="0"/>
+                  <a:satOff val="0"/>
+                  <a:lumOff val="0"/>
+                  <a:alphaOff val="0"/>
+                </a:prstClr>
+              </a:solidFill>
+              <a:latin typeface="Arial" panose="020B0604020202020204" pitchFamily="34" charset="0"/>
+              <a:ea typeface="+mn-ea"/>
+              <a:cs typeface="+mn-cs"/>
+            </a:rPr>
+            <a:t> ở </a:t>
+          </a:r>
+          <a:r>
+            <a:rPr lang="en-US" sz="1600" b="0" i="0" kern="1200" dirty="0" err="1">
+              <a:solidFill>
+                <a:prstClr val="black">
+                  <a:hueOff val="0"/>
+                  <a:satOff val="0"/>
+                  <a:lumOff val="0"/>
+                  <a:alphaOff val="0"/>
+                </a:prstClr>
+              </a:solidFill>
+              <a:latin typeface="Arial" panose="020B0604020202020204" pitchFamily="34" charset="0"/>
+              <a:ea typeface="+mn-ea"/>
+              <a:cs typeface="+mn-cs"/>
+            </a:rPr>
+            <a:t>chế</a:t>
+          </a:r>
+          <a:r>
+            <a:rPr lang="en-US" sz="1600" b="0" i="0" kern="1200" dirty="0">
+              <a:solidFill>
+                <a:prstClr val="black">
+                  <a:hueOff val="0"/>
+                  <a:satOff val="0"/>
+                  <a:lumOff val="0"/>
+                  <a:alphaOff val="0"/>
+                </a:prstClr>
+              </a:solidFill>
+              <a:latin typeface="Arial" panose="020B0604020202020204" pitchFamily="34" charset="0"/>
+              <a:ea typeface="+mn-ea"/>
+              <a:cs typeface="+mn-cs"/>
+            </a:rPr>
+            <a:t> </a:t>
+          </a:r>
+          <a:r>
+            <a:rPr lang="en-US" sz="1600" b="0" i="0" kern="1200" dirty="0" err="1">
+              <a:solidFill>
+                <a:prstClr val="black">
+                  <a:hueOff val="0"/>
+                  <a:satOff val="0"/>
+                  <a:lumOff val="0"/>
+                  <a:alphaOff val="0"/>
+                </a:prstClr>
+              </a:solidFill>
+              <a:latin typeface="Arial" panose="020B0604020202020204" pitchFamily="34" charset="0"/>
+              <a:ea typeface="+mn-ea"/>
+              <a:cs typeface="+mn-cs"/>
+            </a:rPr>
+            <a:t>độ</a:t>
+          </a:r>
+          <a:r>
+            <a:rPr lang="en-US" sz="1600" b="0" i="0" kern="1200" dirty="0">
+              <a:solidFill>
+                <a:prstClr val="black">
+                  <a:hueOff val="0"/>
+                  <a:satOff val="0"/>
+                  <a:lumOff val="0"/>
+                  <a:alphaOff val="0"/>
+                </a:prstClr>
+              </a:solidFill>
+              <a:latin typeface="Arial" panose="020B0604020202020204" pitchFamily="34" charset="0"/>
+              <a:ea typeface="+mn-ea"/>
+              <a:cs typeface="+mn-cs"/>
+            </a:rPr>
+            <a:t> public </a:t>
+          </a:r>
+          <a:r>
+            <a:rPr lang="en-US" sz="1600" b="0" i="0" kern="1200" dirty="0" err="1">
+              <a:solidFill>
+                <a:prstClr val="black">
+                  <a:hueOff val="0"/>
+                  <a:satOff val="0"/>
+                  <a:lumOff val="0"/>
+                  <a:alphaOff val="0"/>
+                </a:prstClr>
+              </a:solidFill>
+              <a:latin typeface="Arial" panose="020B0604020202020204" pitchFamily="34" charset="0"/>
+              <a:ea typeface="+mn-ea"/>
+              <a:cs typeface="+mn-cs"/>
+            </a:rPr>
+            <a:t>hoặc</a:t>
+          </a:r>
+          <a:r>
+            <a:rPr lang="en-US" sz="1600" b="0" i="0" kern="1200" dirty="0">
+              <a:solidFill>
+                <a:prstClr val="black">
+                  <a:hueOff val="0"/>
+                  <a:satOff val="0"/>
+                  <a:lumOff val="0"/>
+                  <a:alphaOff val="0"/>
+                </a:prstClr>
+              </a:solidFill>
+              <a:latin typeface="Arial" panose="020B0604020202020204" pitchFamily="34" charset="0"/>
+              <a:ea typeface="+mn-ea"/>
+              <a:cs typeface="+mn-cs"/>
+            </a:rPr>
+            <a:t> private, </a:t>
+          </a:r>
+          <a:r>
+            <a:rPr lang="en-US" sz="1600" b="0" i="0" kern="1200" dirty="0" err="1">
+              <a:solidFill>
+                <a:prstClr val="black">
+                  <a:hueOff val="0"/>
+                  <a:satOff val="0"/>
+                  <a:lumOff val="0"/>
+                  <a:alphaOff val="0"/>
+                </a:prstClr>
+              </a:solidFill>
+              <a:latin typeface="Arial" panose="020B0604020202020204" pitchFamily="34" charset="0"/>
+              <a:ea typeface="+mn-ea"/>
+              <a:cs typeface="+mn-cs"/>
+            </a:rPr>
+            <a:t>tạo</a:t>
+          </a:r>
+          <a:r>
+            <a:rPr lang="en-US" sz="1600" b="0" i="0" kern="1200" dirty="0">
+              <a:solidFill>
+                <a:prstClr val="black">
+                  <a:hueOff val="0"/>
+                  <a:satOff val="0"/>
+                  <a:lumOff val="0"/>
+                  <a:alphaOff val="0"/>
+                </a:prstClr>
+              </a:solidFill>
+              <a:latin typeface="Arial" panose="020B0604020202020204" pitchFamily="34" charset="0"/>
+              <a:ea typeface="+mn-ea"/>
+              <a:cs typeface="+mn-cs"/>
+            </a:rPr>
+            <a:t> </a:t>
+          </a:r>
+          <a:r>
+            <a:rPr lang="en-US" sz="1600" b="0" i="0" kern="1200" dirty="0" err="1">
+              <a:solidFill>
+                <a:prstClr val="black">
+                  <a:hueOff val="0"/>
+                  <a:satOff val="0"/>
+                  <a:lumOff val="0"/>
+                  <a:alphaOff val="0"/>
+                </a:prstClr>
+              </a:solidFill>
+              <a:latin typeface="Arial" panose="020B0604020202020204" pitchFamily="34" charset="0"/>
+              <a:ea typeface="+mn-ea"/>
+              <a:cs typeface="+mn-cs"/>
+            </a:rPr>
+            <a:t>các</a:t>
+          </a:r>
+          <a:r>
+            <a:rPr lang="en-US" sz="1600" b="0" i="0" kern="1200" dirty="0">
+              <a:solidFill>
+                <a:prstClr val="black">
+                  <a:hueOff val="0"/>
+                  <a:satOff val="0"/>
+                  <a:lumOff val="0"/>
+                  <a:alphaOff val="0"/>
+                </a:prstClr>
+              </a:solidFill>
+              <a:latin typeface="Arial" panose="020B0604020202020204" pitchFamily="34" charset="0"/>
+              <a:ea typeface="+mn-ea"/>
+              <a:cs typeface="+mn-cs"/>
+            </a:rPr>
+            <a:t> </a:t>
+          </a:r>
+          <a:r>
+            <a:rPr lang="en-US" sz="1600" b="0" i="0" kern="1200" dirty="0" err="1">
+              <a:solidFill>
+                <a:prstClr val="black">
+                  <a:hueOff val="0"/>
+                  <a:satOff val="0"/>
+                  <a:lumOff val="0"/>
+                  <a:alphaOff val="0"/>
+                </a:prstClr>
+              </a:solidFill>
+              <a:latin typeface="Arial" panose="020B0604020202020204" pitchFamily="34" charset="0"/>
+              <a:ea typeface="+mn-ea"/>
+              <a:cs typeface="+mn-cs"/>
+            </a:rPr>
+            <a:t>nhóm</a:t>
+          </a:r>
+          <a:r>
+            <a:rPr lang="en-US" sz="1600" b="0" i="0" kern="1200" dirty="0">
+              <a:solidFill>
+                <a:prstClr val="black">
+                  <a:hueOff val="0"/>
+                  <a:satOff val="0"/>
+                  <a:lumOff val="0"/>
+                  <a:alphaOff val="0"/>
+                </a:prstClr>
+              </a:solidFill>
+              <a:latin typeface="Arial" panose="020B0604020202020204" pitchFamily="34" charset="0"/>
+              <a:ea typeface="+mn-ea"/>
+              <a:cs typeface="+mn-cs"/>
+            </a:rPr>
+            <a:t> </a:t>
+          </a:r>
+          <a:r>
+            <a:rPr lang="en-US" sz="1600" b="0" i="0" kern="1200" dirty="0" err="1">
+              <a:solidFill>
+                <a:prstClr val="black">
+                  <a:hueOff val="0"/>
+                  <a:satOff val="0"/>
+                  <a:lumOff val="0"/>
+                  <a:alphaOff val="0"/>
+                </a:prstClr>
+              </a:solidFill>
+              <a:latin typeface="Arial" panose="020B0604020202020204" pitchFamily="34" charset="0"/>
+              <a:ea typeface="+mn-ea"/>
+              <a:cs typeface="+mn-cs"/>
+            </a:rPr>
+            <a:t>và</a:t>
+          </a:r>
+          <a:r>
+            <a:rPr lang="en-US" sz="1600" b="0" i="0" kern="1200" dirty="0">
+              <a:solidFill>
+                <a:prstClr val="black">
+                  <a:hueOff val="0"/>
+                  <a:satOff val="0"/>
+                  <a:lumOff val="0"/>
+                  <a:alphaOff val="0"/>
+                </a:prstClr>
+              </a:solidFill>
+              <a:latin typeface="Arial" panose="020B0604020202020204" pitchFamily="34" charset="0"/>
+              <a:ea typeface="+mn-ea"/>
+              <a:cs typeface="+mn-cs"/>
+            </a:rPr>
+            <a:t> </a:t>
+          </a:r>
+          <a:r>
+            <a:rPr lang="en-US" sz="1600" b="0" i="0" kern="1200" dirty="0" err="1">
+              <a:solidFill>
+                <a:prstClr val="black">
+                  <a:hueOff val="0"/>
+                  <a:satOff val="0"/>
+                  <a:lumOff val="0"/>
+                  <a:alphaOff val="0"/>
+                </a:prstClr>
+              </a:solidFill>
+              <a:latin typeface="Arial" panose="020B0604020202020204" pitchFamily="34" charset="0"/>
+              <a:ea typeface="+mn-ea"/>
+              <a:cs typeface="+mn-cs"/>
+            </a:rPr>
+            <a:t>phân</a:t>
+          </a:r>
+          <a:r>
+            <a:rPr lang="en-US" sz="1600" b="0" i="0" kern="1200" dirty="0">
+              <a:solidFill>
+                <a:prstClr val="black">
+                  <a:hueOff val="0"/>
+                  <a:satOff val="0"/>
+                  <a:lumOff val="0"/>
+                  <a:alphaOff val="0"/>
+                </a:prstClr>
+              </a:solidFill>
+              <a:latin typeface="Arial" panose="020B0604020202020204" pitchFamily="34" charset="0"/>
+              <a:ea typeface="+mn-ea"/>
+              <a:cs typeface="+mn-cs"/>
+            </a:rPr>
+            <a:t> </a:t>
+          </a:r>
+          <a:r>
+            <a:rPr lang="en-US" sz="1600" b="0" i="0" kern="1200" dirty="0" err="1">
+              <a:solidFill>
+                <a:prstClr val="black">
+                  <a:hueOff val="0"/>
+                  <a:satOff val="0"/>
+                  <a:lumOff val="0"/>
+                  <a:alphaOff val="0"/>
+                </a:prstClr>
+              </a:solidFill>
+              <a:latin typeface="Arial" panose="020B0604020202020204" pitchFamily="34" charset="0"/>
+              <a:ea typeface="+mn-ea"/>
+              <a:cs typeface="+mn-cs"/>
+            </a:rPr>
+            <a:t>quyền</a:t>
+          </a:r>
+          <a:r>
+            <a:rPr lang="en-US" sz="1600" b="0" i="0" kern="1200" dirty="0">
+              <a:solidFill>
+                <a:prstClr val="black">
+                  <a:hueOff val="0"/>
+                  <a:satOff val="0"/>
+                  <a:lumOff val="0"/>
+                  <a:alphaOff val="0"/>
+                </a:prstClr>
+              </a:solidFill>
+              <a:latin typeface="Arial" panose="020B0604020202020204" pitchFamily="34" charset="0"/>
+              <a:ea typeface="+mn-ea"/>
+              <a:cs typeface="+mn-cs"/>
+            </a:rPr>
+            <a:t> </a:t>
+          </a:r>
+          <a:r>
+            <a:rPr lang="en-US" sz="1600" b="0" i="0" kern="1200" dirty="0" err="1">
+              <a:solidFill>
+                <a:prstClr val="black">
+                  <a:hueOff val="0"/>
+                  <a:satOff val="0"/>
+                  <a:lumOff val="0"/>
+                  <a:alphaOff val="0"/>
+                </a:prstClr>
+              </a:solidFill>
+              <a:latin typeface="Arial" panose="020B0604020202020204" pitchFamily="34" charset="0"/>
+              <a:ea typeface="+mn-ea"/>
+              <a:cs typeface="+mn-cs"/>
+            </a:rPr>
+            <a:t>cho</a:t>
+          </a:r>
+          <a:r>
+            <a:rPr lang="en-US" sz="1600" b="0" i="0" kern="1200" dirty="0">
+              <a:solidFill>
+                <a:prstClr val="black">
+                  <a:hueOff val="0"/>
+                  <a:satOff val="0"/>
+                  <a:lumOff val="0"/>
+                  <a:alphaOff val="0"/>
+                </a:prstClr>
+              </a:solidFill>
+              <a:latin typeface="Arial" panose="020B0604020202020204" pitchFamily="34" charset="0"/>
+              <a:ea typeface="+mn-ea"/>
+              <a:cs typeface="+mn-cs"/>
+            </a:rPr>
+            <a:t> </a:t>
+          </a:r>
+          <a:r>
+            <a:rPr lang="en-US" sz="1600" b="0" i="0" kern="1200" dirty="0" err="1">
+              <a:solidFill>
+                <a:prstClr val="black">
+                  <a:hueOff val="0"/>
+                  <a:satOff val="0"/>
+                  <a:lumOff val="0"/>
+                  <a:alphaOff val="0"/>
+                </a:prstClr>
+              </a:solidFill>
+              <a:latin typeface="Arial" panose="020B0604020202020204" pitchFamily="34" charset="0"/>
+              <a:ea typeface="+mn-ea"/>
+              <a:cs typeface="+mn-cs"/>
+            </a:rPr>
+            <a:t>các</a:t>
+          </a:r>
+          <a:r>
+            <a:rPr lang="en-US" sz="1600" b="0" i="0" kern="1200" dirty="0">
+              <a:solidFill>
+                <a:prstClr val="black">
+                  <a:hueOff val="0"/>
+                  <a:satOff val="0"/>
+                  <a:lumOff val="0"/>
+                  <a:alphaOff val="0"/>
+                </a:prstClr>
+              </a:solidFill>
+              <a:latin typeface="Arial" panose="020B0604020202020204" pitchFamily="34" charset="0"/>
+              <a:ea typeface="+mn-ea"/>
+              <a:cs typeface="+mn-cs"/>
+            </a:rPr>
+            <a:t> </a:t>
+          </a:r>
+          <a:r>
+            <a:rPr lang="en-US" sz="1600" b="0" i="0" kern="1200" dirty="0" err="1">
+              <a:solidFill>
+                <a:prstClr val="black">
+                  <a:hueOff val="0"/>
+                  <a:satOff val="0"/>
+                  <a:lumOff val="0"/>
+                  <a:alphaOff val="0"/>
+                </a:prstClr>
+              </a:solidFill>
+              <a:latin typeface="Arial" panose="020B0604020202020204" pitchFamily="34" charset="0"/>
+              <a:ea typeface="+mn-ea"/>
+              <a:cs typeface="+mn-cs"/>
+            </a:rPr>
+            <a:t>thành</a:t>
+          </a:r>
+          <a:r>
+            <a:rPr lang="en-US" sz="1600" b="0" i="0" kern="1200" dirty="0">
+              <a:solidFill>
+                <a:prstClr val="black">
+                  <a:hueOff val="0"/>
+                  <a:satOff val="0"/>
+                  <a:lumOff val="0"/>
+                  <a:alphaOff val="0"/>
+                </a:prstClr>
+              </a:solidFill>
+              <a:latin typeface="Arial" panose="020B0604020202020204" pitchFamily="34" charset="0"/>
+              <a:ea typeface="+mn-ea"/>
+              <a:cs typeface="+mn-cs"/>
+            </a:rPr>
+            <a:t> </a:t>
+          </a:r>
+          <a:r>
+            <a:rPr lang="en-US" sz="1600" b="0" i="0" kern="1200" dirty="0" err="1">
+              <a:solidFill>
+                <a:prstClr val="black">
+                  <a:hueOff val="0"/>
+                  <a:satOff val="0"/>
+                  <a:lumOff val="0"/>
+                  <a:alphaOff val="0"/>
+                </a:prstClr>
+              </a:solidFill>
+              <a:latin typeface="Arial" panose="020B0604020202020204" pitchFamily="34" charset="0"/>
+              <a:ea typeface="+mn-ea"/>
+              <a:cs typeface="+mn-cs"/>
+            </a:rPr>
+            <a:t>viên</a:t>
+          </a:r>
+          <a:r>
+            <a:rPr lang="en-US" sz="1600" b="0" i="0" kern="1200" dirty="0">
+              <a:solidFill>
+                <a:prstClr val="black">
+                  <a:hueOff val="0"/>
+                  <a:satOff val="0"/>
+                  <a:lumOff val="0"/>
+                  <a:alphaOff val="0"/>
+                </a:prstClr>
+              </a:solidFill>
+              <a:latin typeface="Arial" panose="020B0604020202020204" pitchFamily="34" charset="0"/>
+              <a:ea typeface="+mn-ea"/>
+              <a:cs typeface="+mn-cs"/>
+            </a:rPr>
+            <a:t> </a:t>
+          </a:r>
+          <a:r>
+            <a:rPr lang="en-US" sz="1600" b="0" i="0" kern="1200" dirty="0" err="1">
+              <a:solidFill>
+                <a:prstClr val="black">
+                  <a:hueOff val="0"/>
+                  <a:satOff val="0"/>
+                  <a:lumOff val="0"/>
+                  <a:alphaOff val="0"/>
+                </a:prstClr>
+              </a:solidFill>
+              <a:latin typeface="Arial" panose="020B0604020202020204" pitchFamily="34" charset="0"/>
+              <a:ea typeface="+mn-ea"/>
+              <a:cs typeface="+mn-cs"/>
+            </a:rPr>
+            <a:t>và</a:t>
+          </a:r>
+          <a:r>
+            <a:rPr lang="en-US" sz="1600" b="0" i="0" kern="1200" dirty="0">
+              <a:solidFill>
+                <a:prstClr val="black">
+                  <a:hueOff val="0"/>
+                  <a:satOff val="0"/>
+                  <a:lumOff val="0"/>
+                  <a:alphaOff val="0"/>
+                </a:prstClr>
+              </a:solidFill>
+              <a:latin typeface="Arial" panose="020B0604020202020204" pitchFamily="34" charset="0"/>
+              <a:ea typeface="+mn-ea"/>
+              <a:cs typeface="+mn-cs"/>
+            </a:rPr>
+            <a:t> </a:t>
+          </a:r>
+          <a:r>
+            <a:rPr lang="en-US" sz="1600" b="0" i="0" kern="1200" dirty="0" err="1">
+              <a:solidFill>
+                <a:prstClr val="black">
+                  <a:hueOff val="0"/>
+                  <a:satOff val="0"/>
+                  <a:lumOff val="0"/>
+                  <a:alphaOff val="0"/>
+                </a:prstClr>
+              </a:solidFill>
+              <a:latin typeface="Arial" panose="020B0604020202020204" pitchFamily="34" charset="0"/>
+              <a:ea typeface="+mn-ea"/>
+              <a:cs typeface="+mn-cs"/>
+            </a:rPr>
+            <a:t>lịch</a:t>
+          </a:r>
+          <a:r>
+            <a:rPr lang="en-US" sz="1600" b="0" i="0" kern="1200" dirty="0">
+              <a:solidFill>
+                <a:prstClr val="black">
+                  <a:hueOff val="0"/>
+                  <a:satOff val="0"/>
+                  <a:lumOff val="0"/>
+                  <a:alphaOff val="0"/>
+                </a:prstClr>
+              </a:solidFill>
+              <a:latin typeface="Arial" panose="020B0604020202020204" pitchFamily="34" charset="0"/>
+              <a:ea typeface="+mn-ea"/>
+              <a:cs typeface="+mn-cs"/>
+            </a:rPr>
+            <a:t> </a:t>
+          </a:r>
+          <a:r>
+            <a:rPr lang="en-US" sz="1600" b="0" i="0" kern="1200" dirty="0" err="1">
+              <a:solidFill>
+                <a:prstClr val="black">
+                  <a:hueOff val="0"/>
+                  <a:satOff val="0"/>
+                  <a:lumOff val="0"/>
+                  <a:alphaOff val="0"/>
+                </a:prstClr>
+              </a:solidFill>
+              <a:latin typeface="Arial" panose="020B0604020202020204" pitchFamily="34" charset="0"/>
+              <a:ea typeface="+mn-ea"/>
+              <a:cs typeface="+mn-cs"/>
+            </a:rPr>
+            <a:t>sử</a:t>
+          </a:r>
+          <a:r>
+            <a:rPr lang="en-US" sz="1600" b="0" i="0" kern="1200" dirty="0">
+              <a:solidFill>
+                <a:prstClr val="black">
+                  <a:hueOff val="0"/>
+                  <a:satOff val="0"/>
+                  <a:lumOff val="0"/>
+                  <a:alphaOff val="0"/>
+                </a:prstClr>
+              </a:solidFill>
+              <a:latin typeface="Arial" panose="020B0604020202020204" pitchFamily="34" charset="0"/>
+              <a:ea typeface="+mn-ea"/>
+              <a:cs typeface="+mn-cs"/>
+            </a:rPr>
+            <a:t> </a:t>
+          </a:r>
+          <a:r>
+            <a:rPr lang="en-US" sz="1600" b="0" i="0" kern="1200" dirty="0" err="1">
+              <a:solidFill>
+                <a:prstClr val="black">
+                  <a:hueOff val="0"/>
+                  <a:satOff val="0"/>
+                  <a:lumOff val="0"/>
+                  <a:alphaOff val="0"/>
+                </a:prstClr>
+              </a:solidFill>
+              <a:latin typeface="Arial" panose="020B0604020202020204" pitchFamily="34" charset="0"/>
+              <a:ea typeface="+mn-ea"/>
+              <a:cs typeface="+mn-cs"/>
+            </a:rPr>
+            <a:t>trong</a:t>
+          </a:r>
+          <a:r>
+            <a:rPr lang="en-US" sz="1600" b="0" i="0" kern="1200" dirty="0">
+              <a:solidFill>
+                <a:prstClr val="black">
+                  <a:hueOff val="0"/>
+                  <a:satOff val="0"/>
+                  <a:lumOff val="0"/>
+                  <a:alphaOff val="0"/>
+                </a:prstClr>
+              </a:solidFill>
+              <a:latin typeface="Arial" panose="020B0604020202020204" pitchFamily="34" charset="0"/>
+              <a:ea typeface="+mn-ea"/>
+              <a:cs typeface="+mn-cs"/>
+            </a:rPr>
+            <a:t> </a:t>
+          </a:r>
+          <a:r>
+            <a:rPr lang="en-US" sz="1600" b="0" i="0" kern="1200" dirty="0" err="1">
+              <a:solidFill>
+                <a:prstClr val="black">
+                  <a:hueOff val="0"/>
+                  <a:satOff val="0"/>
+                  <a:lumOff val="0"/>
+                  <a:alphaOff val="0"/>
+                </a:prstClr>
+              </a:solidFill>
+              <a:latin typeface="Arial" panose="020B0604020202020204" pitchFamily="34" charset="0"/>
+              <a:ea typeface="+mn-ea"/>
+              <a:cs typeface="+mn-cs"/>
+            </a:rPr>
+            <a:t>đó</a:t>
+          </a:r>
+          <a:r>
+            <a:rPr lang="en-US" sz="1600" b="0" i="0" kern="1200" dirty="0">
+              <a:solidFill>
+                <a:prstClr val="black">
+                  <a:hueOff val="0"/>
+                  <a:satOff val="0"/>
+                  <a:lumOff val="0"/>
+                  <a:alphaOff val="0"/>
+                </a:prstClr>
+              </a:solidFill>
+              <a:latin typeface="Arial" panose="020B0604020202020204" pitchFamily="34" charset="0"/>
+              <a:ea typeface="+mn-ea"/>
+              <a:cs typeface="+mn-cs"/>
+            </a:rPr>
+            <a:t>.</a:t>
+          </a:r>
+        </a:p>
+      </dgm:t>
+    </dgm:pt>
+    <dgm:pt modelId="{5C6FFDF9-4AD9-41ED-AF96-15EAE2F5026F}" type="parTrans" cxnId="{9BC8ECEB-12FB-4AE0-8FF2-E0EDF1EE920A}">
+      <dgm:prSet/>
+      <dgm:spPr/>
+      <dgm:t>
+        <a:bodyPr/>
+        <a:lstStyle/>
+        <a:p>
+          <a:endParaRPr lang="en-US"/>
+        </a:p>
+      </dgm:t>
+    </dgm:pt>
+    <dgm:pt modelId="{4EDADCD0-B519-43D4-91AC-C9802BBEEEC8}" type="sibTrans" cxnId="{9BC8ECEB-12FB-4AE0-8FF2-E0EDF1EE920A}">
+      <dgm:prSet/>
+      <dgm:spPr/>
+      <dgm:t>
+        <a:bodyPr/>
+        <a:lstStyle/>
+        <a:p>
+          <a:endParaRPr lang="en-US"/>
+        </a:p>
+      </dgm:t>
+    </dgm:pt>
     <dgm:pt modelId="{912BBCDC-25BB-4DF4-A3C9-B9890710A8CA}" type="pres">
       <dgm:prSet presAssocID="{1679C1D6-9DAE-4561-9AAE-576329FAC377}" presName="Name0" presStyleCnt="0">
         <dgm:presLayoutVars>
@@ -5760,7 +6672,7 @@
       <dgm:spPr/>
     </dgm:pt>
     <dgm:pt modelId="{9DC2E5AC-B8F5-48DB-AC56-D85657230F8C}" type="pres">
-      <dgm:prSet presAssocID="{DAE93D8C-060D-4CB4-AD1C-7623B6ABBEF9}" presName="parentText" presStyleLbl="alignNode1" presStyleIdx="0" presStyleCnt="5">
+      <dgm:prSet presAssocID="{DAE93D8C-060D-4CB4-AD1C-7623B6ABBEF9}" presName="parentText" presStyleLbl="alignNode1" presStyleIdx="0" presStyleCnt="6">
         <dgm:presLayoutVars>
           <dgm:chMax val="1"/>
           <dgm:bulletEnabled/>
@@ -5769,7 +6681,7 @@
       <dgm:spPr/>
     </dgm:pt>
     <dgm:pt modelId="{CDA9BDD7-B34E-4EA6-8115-ED43B56FAE34}" type="pres">
-      <dgm:prSet presAssocID="{DAE93D8C-060D-4CB4-AD1C-7623B6ABBEF9}" presName="descendantText" presStyleLbl="alignAccFollowNode1" presStyleIdx="0" presStyleCnt="5">
+      <dgm:prSet presAssocID="{DAE93D8C-060D-4CB4-AD1C-7623B6ABBEF9}" presName="descendantText" presStyleLbl="alignAccFollowNode1" presStyleIdx="0" presStyleCnt="6">
         <dgm:presLayoutVars>
           <dgm:bulletEnabled/>
         </dgm:presLayoutVars>
@@ -5785,7 +6697,7 @@
       <dgm:spPr/>
     </dgm:pt>
     <dgm:pt modelId="{DBA8B4B0-8DF7-4DDF-A1D6-FB756147B3E5}" type="pres">
-      <dgm:prSet presAssocID="{C5BD718A-BF8E-4954-9B68-8FAF5DC4E13C}" presName="parentText" presStyleLbl="alignNode1" presStyleIdx="1" presStyleCnt="5">
+      <dgm:prSet presAssocID="{C5BD718A-BF8E-4954-9B68-8FAF5DC4E13C}" presName="parentText" presStyleLbl="alignNode1" presStyleIdx="1" presStyleCnt="6">
         <dgm:presLayoutVars>
           <dgm:chMax val="1"/>
           <dgm:bulletEnabled/>
@@ -5794,7 +6706,7 @@
       <dgm:spPr/>
     </dgm:pt>
     <dgm:pt modelId="{69C68159-2C46-4EEC-8757-C75F67D5712A}" type="pres">
-      <dgm:prSet presAssocID="{C5BD718A-BF8E-4954-9B68-8FAF5DC4E13C}" presName="descendantText" presStyleLbl="alignAccFollowNode1" presStyleIdx="1" presStyleCnt="5">
+      <dgm:prSet presAssocID="{C5BD718A-BF8E-4954-9B68-8FAF5DC4E13C}" presName="descendantText" presStyleLbl="alignAccFollowNode1" presStyleIdx="1" presStyleCnt="6">
         <dgm:presLayoutVars>
           <dgm:bulletEnabled/>
         </dgm:presLayoutVars>
@@ -5805,12 +6717,37 @@
       <dgm:prSet presAssocID="{6C54FA78-E3F6-4A60-978D-DE50B0946B2A}" presName="sp" presStyleCnt="0"/>
       <dgm:spPr/>
     </dgm:pt>
+    <dgm:pt modelId="{B71D2EAB-2945-4D2D-B68B-2A0032AA2CB8}" type="pres">
+      <dgm:prSet presAssocID="{A6898C81-EA1C-4B88-A0CF-AAAB85460D47}" presName="linNode" presStyleCnt="0"/>
+      <dgm:spPr/>
+    </dgm:pt>
+    <dgm:pt modelId="{C29AB81A-CF0E-4AB0-B892-A2068700D9FA}" type="pres">
+      <dgm:prSet presAssocID="{A6898C81-EA1C-4B88-A0CF-AAAB85460D47}" presName="parentText" presStyleLbl="alignNode1" presStyleIdx="2" presStyleCnt="6">
+        <dgm:presLayoutVars>
+          <dgm:chMax val="1"/>
+          <dgm:bulletEnabled/>
+        </dgm:presLayoutVars>
+      </dgm:prSet>
+      <dgm:spPr/>
+    </dgm:pt>
+    <dgm:pt modelId="{2E177909-50E7-41F4-948E-1A9791BF86B3}" type="pres">
+      <dgm:prSet presAssocID="{A6898C81-EA1C-4B88-A0CF-AAAB85460D47}" presName="descendantText" presStyleLbl="alignAccFollowNode1" presStyleIdx="2" presStyleCnt="6">
+        <dgm:presLayoutVars>
+          <dgm:bulletEnabled/>
+        </dgm:presLayoutVars>
+      </dgm:prSet>
+      <dgm:spPr/>
+    </dgm:pt>
+    <dgm:pt modelId="{38C6F6FC-D776-4AFC-B051-638DADF23E3F}" type="pres">
+      <dgm:prSet presAssocID="{AB74D5CA-405E-4EFE-AA95-EDCDBE8E7D87}" presName="sp" presStyleCnt="0"/>
+      <dgm:spPr/>
+    </dgm:pt>
     <dgm:pt modelId="{68E1A7B4-8DA4-4002-ADC5-6C16CEB782FF}" type="pres">
       <dgm:prSet presAssocID="{2D78B4D7-D340-4B8E-9EB4-1006A1F37072}" presName="linNode" presStyleCnt="0"/>
       <dgm:spPr/>
     </dgm:pt>
     <dgm:pt modelId="{9873EA7E-2D3D-4F71-9CD9-20C470A4DAEA}" type="pres">
-      <dgm:prSet presAssocID="{2D78B4D7-D340-4B8E-9EB4-1006A1F37072}" presName="parentText" presStyleLbl="alignNode1" presStyleIdx="2" presStyleCnt="5">
+      <dgm:prSet presAssocID="{2D78B4D7-D340-4B8E-9EB4-1006A1F37072}" presName="parentText" presStyleLbl="alignNode1" presStyleIdx="3" presStyleCnt="6">
         <dgm:presLayoutVars>
           <dgm:chMax val="1"/>
           <dgm:bulletEnabled/>
@@ -5819,7 +6756,7 @@
       <dgm:spPr/>
     </dgm:pt>
     <dgm:pt modelId="{08BA028B-C671-4394-B48E-FB11B2363700}" type="pres">
-      <dgm:prSet presAssocID="{2D78B4D7-D340-4B8E-9EB4-1006A1F37072}" presName="descendantText" presStyleLbl="alignAccFollowNode1" presStyleIdx="2" presStyleCnt="5">
+      <dgm:prSet presAssocID="{2D78B4D7-D340-4B8E-9EB4-1006A1F37072}" presName="descendantText" presStyleLbl="alignAccFollowNode1" presStyleIdx="3" presStyleCnt="6">
         <dgm:presLayoutVars>
           <dgm:bulletEnabled/>
         </dgm:presLayoutVars>
@@ -5835,7 +6772,7 @@
       <dgm:spPr/>
     </dgm:pt>
     <dgm:pt modelId="{60727E21-3A1C-40F6-B453-09F748BD647B}" type="pres">
-      <dgm:prSet presAssocID="{16C6611D-6D60-4958-B0C9-4D899BD64DD4}" presName="parentText" presStyleLbl="alignNode1" presStyleIdx="3" presStyleCnt="5">
+      <dgm:prSet presAssocID="{16C6611D-6D60-4958-B0C9-4D899BD64DD4}" presName="parentText" presStyleLbl="alignNode1" presStyleIdx="4" presStyleCnt="6">
         <dgm:presLayoutVars>
           <dgm:chMax val="1"/>
           <dgm:bulletEnabled/>
@@ -5844,7 +6781,7 @@
       <dgm:spPr/>
     </dgm:pt>
     <dgm:pt modelId="{8FDE6626-9F72-4045-AA10-39EA4CD0FA90}" type="pres">
-      <dgm:prSet presAssocID="{16C6611D-6D60-4958-B0C9-4D899BD64DD4}" presName="descendantText" presStyleLbl="alignAccFollowNode1" presStyleIdx="3" presStyleCnt="5">
+      <dgm:prSet presAssocID="{16C6611D-6D60-4958-B0C9-4D899BD64DD4}" presName="descendantText" presStyleLbl="alignAccFollowNode1" presStyleIdx="4" presStyleCnt="6">
         <dgm:presLayoutVars>
           <dgm:bulletEnabled/>
         </dgm:presLayoutVars>
@@ -5860,7 +6797,7 @@
       <dgm:spPr/>
     </dgm:pt>
     <dgm:pt modelId="{1BD52300-E5AD-41D4-A93F-BCDC85AAF559}" type="pres">
-      <dgm:prSet presAssocID="{873D6817-1DBB-4889-B46A-7B9C166B4DD0}" presName="parentText" presStyleLbl="alignNode1" presStyleIdx="4" presStyleCnt="5">
+      <dgm:prSet presAssocID="{873D6817-1DBB-4889-B46A-7B9C166B4DD0}" presName="parentText" presStyleLbl="alignNode1" presStyleIdx="5" presStyleCnt="6">
         <dgm:presLayoutVars>
           <dgm:chMax val="1"/>
           <dgm:bulletEnabled/>
@@ -5869,7 +6806,7 @@
       <dgm:spPr/>
     </dgm:pt>
     <dgm:pt modelId="{CE9799AB-FFA1-42E8-8348-3E199A442176}" type="pres">
-      <dgm:prSet presAssocID="{873D6817-1DBB-4889-B46A-7B9C166B4DD0}" presName="descendantText" presStyleLbl="alignAccFollowNode1" presStyleIdx="4" presStyleCnt="5">
+      <dgm:prSet presAssocID="{873D6817-1DBB-4889-B46A-7B9C166B4DD0}" presName="descendantText" presStyleLbl="alignAccFollowNode1" presStyleIdx="5" presStyleCnt="6">
         <dgm:presLayoutVars>
           <dgm:bulletEnabled/>
         </dgm:presLayoutVars>
@@ -5881,7 +6818,7 @@
     <dgm:cxn modelId="{D9FEA900-C2EF-45B5-8409-1EC455DA28C6}" type="presOf" srcId="{B46E4E64-6674-4F7E-871D-A3E9A4BA5B49}" destId="{8FDE6626-9F72-4045-AA10-39EA4CD0FA90}" srcOrd="0" destOrd="1" presId="urn:microsoft.com/office/officeart/2016/7/layout/VerticalSolidActionList"/>
     <dgm:cxn modelId="{E03F5D05-0C67-4767-AC9D-0AA8236A12F3}" srcId="{873D6817-1DBB-4889-B46A-7B9C166B4DD0}" destId="{E70381A0-D3DA-4757-B06B-928F45F2D675}" srcOrd="1" destOrd="0" parTransId="{D0CB7D50-B457-4809-81A6-3CEE36A0B40D}" sibTransId="{BE5D163D-AA02-4645-8811-E041452CFE1D}"/>
     <dgm:cxn modelId="{AAB09616-63B4-46C3-91C2-A9A0DC78A916}" type="presOf" srcId="{CFA4DBF0-B68C-45B5-9066-23A6912C0A9C}" destId="{69C68159-2C46-4EEC-8757-C75F67D5712A}" srcOrd="0" destOrd="0" presId="urn:microsoft.com/office/officeart/2016/7/layout/VerticalSolidActionList"/>
-    <dgm:cxn modelId="{A88C3517-D77D-4FA0-BF7F-11470C6AA0EA}" srcId="{1679C1D6-9DAE-4561-9AAE-576329FAC377}" destId="{16C6611D-6D60-4958-B0C9-4D899BD64DD4}" srcOrd="3" destOrd="0" parTransId="{B1E0ED00-F935-4297-BDEF-2B49E4DD2471}" sibTransId="{F70FF4BC-2499-4E23-B7A9-92D5F74EA749}"/>
+    <dgm:cxn modelId="{A88C3517-D77D-4FA0-BF7F-11470C6AA0EA}" srcId="{1679C1D6-9DAE-4561-9AAE-576329FAC377}" destId="{16C6611D-6D60-4958-B0C9-4D899BD64DD4}" srcOrd="4" destOrd="0" parTransId="{B1E0ED00-F935-4297-BDEF-2B49E4DD2471}" sibTransId="{F70FF4BC-2499-4E23-B7A9-92D5F74EA749}"/>
     <dgm:cxn modelId="{BCA16017-B80F-45FE-9639-E0F219425F0A}" type="presOf" srcId="{16C6611D-6D60-4958-B0C9-4D899BD64DD4}" destId="{60727E21-3A1C-40F6-B453-09F748BD647B}" srcOrd="0" destOrd="0" presId="urn:microsoft.com/office/officeart/2016/7/layout/VerticalSolidActionList"/>
     <dgm:cxn modelId="{4A5DA924-B2F0-4FAB-9017-C5390821E091}" srcId="{C5BD718A-BF8E-4954-9B68-8FAF5DC4E13C}" destId="{CFA4DBF0-B68C-45B5-9066-23A6912C0A9C}" srcOrd="0" destOrd="0" parTransId="{1B6886AA-59CF-4745-9AE8-C405863E17AE}" sibTransId="{44B22CFA-69C4-449D-B0E6-8DA4FF78386C}"/>
     <dgm:cxn modelId="{05375629-2ED6-42C6-8858-519BA49DE70B}" type="presOf" srcId="{3121099C-A386-4B3A-9FF0-E79118C45B88}" destId="{08BA028B-C671-4394-B48E-FB11B2363700}" srcOrd="0" destOrd="0" presId="urn:microsoft.com/office/officeart/2016/7/layout/VerticalSolidActionList"/>
@@ -5895,15 +6832,19 @@
     <dgm:cxn modelId="{C531986B-BEEA-429E-A63E-40292B81657D}" type="presOf" srcId="{E70381A0-D3DA-4757-B06B-928F45F2D675}" destId="{CE9799AB-FFA1-42E8-8348-3E199A442176}" srcOrd="0" destOrd="1" presId="urn:microsoft.com/office/officeart/2016/7/layout/VerticalSolidActionList"/>
     <dgm:cxn modelId="{5696AC51-41AB-4E22-B447-BB85AA8265EF}" type="presOf" srcId="{1679C1D6-9DAE-4561-9AAE-576329FAC377}" destId="{912BBCDC-25BB-4DF4-A3C9-B9890710A8CA}" srcOrd="0" destOrd="0" presId="urn:microsoft.com/office/officeart/2016/7/layout/VerticalSolidActionList"/>
     <dgm:cxn modelId="{3A72E081-3B27-4C22-B7F9-C5753E044B47}" type="presOf" srcId="{DAE93D8C-060D-4CB4-AD1C-7623B6ABBEF9}" destId="{9DC2E5AC-B8F5-48DB-AC56-D85657230F8C}" srcOrd="0" destOrd="0" presId="urn:microsoft.com/office/officeart/2016/7/layout/VerticalSolidActionList"/>
+    <dgm:cxn modelId="{E95BD68C-2CE5-41B6-8552-A2B3322E0506}" type="presOf" srcId="{91456160-1417-4EFA-B078-47AE5CA18121}" destId="{2E177909-50E7-41F4-948E-1A9791BF86B3}" srcOrd="0" destOrd="0" presId="urn:microsoft.com/office/officeart/2016/7/layout/VerticalSolidActionList"/>
     <dgm:cxn modelId="{01675B8D-4496-4321-B197-9B9C15890882}" type="presOf" srcId="{877FBE52-5B15-43A4-BF37-CCD2B7A8FB73}" destId="{8FDE6626-9F72-4045-AA10-39EA4CD0FA90}" srcOrd="0" destOrd="0" presId="urn:microsoft.com/office/officeart/2016/7/layout/VerticalSolidActionList"/>
     <dgm:cxn modelId="{700B0D91-B0B5-414E-83D5-EDD316AD1562}" type="presOf" srcId="{873D6817-1DBB-4889-B46A-7B9C166B4DD0}" destId="{1BD52300-E5AD-41D4-A93F-BCDC85AAF559}" srcOrd="0" destOrd="0" presId="urn:microsoft.com/office/officeart/2016/7/layout/VerticalSolidActionList"/>
     <dgm:cxn modelId="{91C7BB97-37FB-497B-8318-6CA987B9136A}" type="presOf" srcId="{2D78B4D7-D340-4B8E-9EB4-1006A1F37072}" destId="{9873EA7E-2D3D-4F71-9CD9-20C470A4DAEA}" srcOrd="0" destOrd="0" presId="urn:microsoft.com/office/officeart/2016/7/layout/VerticalSolidActionList"/>
+    <dgm:cxn modelId="{2C45B699-9C8D-4CF1-9BDA-00443BC4A8C1}" srcId="{1679C1D6-9DAE-4561-9AAE-576329FAC377}" destId="{A6898C81-EA1C-4B88-A0CF-AAAB85460D47}" srcOrd="2" destOrd="0" parTransId="{919AD3D7-51E2-420A-92B8-845DD0BB9BCC}" sibTransId="{AB74D5CA-405E-4EFE-AA95-EDCDBE8E7D87}"/>
     <dgm:cxn modelId="{663E62BE-D4FE-4411-AB63-A7319E3B038A}" srcId="{1679C1D6-9DAE-4561-9AAE-576329FAC377}" destId="{DAE93D8C-060D-4CB4-AD1C-7623B6ABBEF9}" srcOrd="0" destOrd="0" parTransId="{591C9BE4-8A0F-4BF3-94E8-3B228AEAF65A}" sibTransId="{556FC281-A8F5-4EB0-B703-2CC2D2C9A9B3}"/>
-    <dgm:cxn modelId="{3F13DBC9-4D64-4DA2-B7C2-A7C3067210C5}" srcId="{1679C1D6-9DAE-4561-9AAE-576329FAC377}" destId="{2D78B4D7-D340-4B8E-9EB4-1006A1F37072}" srcOrd="2" destOrd="0" parTransId="{77FC1C63-F0D2-4DA9-90B5-D34853F20538}" sibTransId="{E64950E7-A91C-41A0-B24E-5417A02A1565}"/>
+    <dgm:cxn modelId="{3F13DBC9-4D64-4DA2-B7C2-A7C3067210C5}" srcId="{1679C1D6-9DAE-4561-9AAE-576329FAC377}" destId="{2D78B4D7-D340-4B8E-9EB4-1006A1F37072}" srcOrd="3" destOrd="0" parTransId="{77FC1C63-F0D2-4DA9-90B5-D34853F20538}" sibTransId="{E64950E7-A91C-41A0-B24E-5417A02A1565}"/>
     <dgm:cxn modelId="{D695A3DF-DA0A-4E2E-BCC0-B1EC1635AF23}" type="presOf" srcId="{C49E8686-1FD6-486B-AF9A-25919FDE3CAB}" destId="{CDA9BDD7-B34E-4EA6-8115-ED43B56FAE34}" srcOrd="0" destOrd="0" presId="urn:microsoft.com/office/officeart/2016/7/layout/VerticalSolidActionList"/>
+    <dgm:cxn modelId="{05E245E7-DC24-4222-89BE-1C420D0B785F}" type="presOf" srcId="{A6898C81-EA1C-4B88-A0CF-AAAB85460D47}" destId="{C29AB81A-CF0E-4AB0-B892-A2068700D9FA}" srcOrd="0" destOrd="0" presId="urn:microsoft.com/office/officeart/2016/7/layout/VerticalSolidActionList"/>
     <dgm:cxn modelId="{97F124E8-A699-4D6F-B000-CC79AA761E09}" srcId="{873D6817-1DBB-4889-B46A-7B9C166B4DD0}" destId="{116276A2-D9C3-45EB-B618-467F96BB045D}" srcOrd="0" destOrd="0" parTransId="{F296C451-E3AB-4BE5-BFFA-017A2452FA6D}" sibTransId="{5DF7DAE0-323E-48FE-9A56-AC2FB5B0AE09}"/>
     <dgm:cxn modelId="{4048CEE8-365B-42EE-ADFA-E738D6D449B3}" srcId="{DAE93D8C-060D-4CB4-AD1C-7623B6ABBEF9}" destId="{D332E3EE-600C-4287-9DD7-EA90FBB7EB08}" srcOrd="1" destOrd="0" parTransId="{F1468A2F-86CA-4FBB-8584-71C21493E3E0}" sibTransId="{8A466176-BEFE-4983-A803-4891EFDE3294}"/>
-    <dgm:cxn modelId="{3C2FABEC-18FA-448F-9609-066FCCF03282}" srcId="{1679C1D6-9DAE-4561-9AAE-576329FAC377}" destId="{873D6817-1DBB-4889-B46A-7B9C166B4DD0}" srcOrd="4" destOrd="0" parTransId="{4F57AD69-68F6-4C11-A2AD-48645EBFD20E}" sibTransId="{1122CCCD-A573-4EB2-B691-3CFF9B585575}"/>
+    <dgm:cxn modelId="{9BC8ECEB-12FB-4AE0-8FF2-E0EDF1EE920A}" srcId="{A6898C81-EA1C-4B88-A0CF-AAAB85460D47}" destId="{91456160-1417-4EFA-B078-47AE5CA18121}" srcOrd="0" destOrd="0" parTransId="{5C6FFDF9-4AD9-41ED-AF96-15EAE2F5026F}" sibTransId="{4EDADCD0-B519-43D4-91AC-C9802BBEEEC8}"/>
+    <dgm:cxn modelId="{3C2FABEC-18FA-448F-9609-066FCCF03282}" srcId="{1679C1D6-9DAE-4561-9AAE-576329FAC377}" destId="{873D6817-1DBB-4889-B46A-7B9C166B4DD0}" srcOrd="5" destOrd="0" parTransId="{4F57AD69-68F6-4C11-A2AD-48645EBFD20E}" sibTransId="{1122CCCD-A573-4EB2-B691-3CFF9B585575}"/>
     <dgm:cxn modelId="{162A1DF3-BCDF-4C36-B792-D77D498475B0}" srcId="{DAE93D8C-060D-4CB4-AD1C-7623B6ABBEF9}" destId="{C49E8686-1FD6-486B-AF9A-25919FDE3CAB}" srcOrd="0" destOrd="0" parTransId="{995B6AD5-26B7-4425-A204-72FCE7EFA21A}" sibTransId="{AC9F8EBF-FB18-43E6-A918-1435059ADC6F}"/>
     <dgm:cxn modelId="{318EFAAA-5A69-49C1-A900-C6DB808B3F3D}" type="presParOf" srcId="{912BBCDC-25BB-4DF4-A3C9-B9890710A8CA}" destId="{D480027B-6654-44BC-A273-EDD2082849CB}" srcOrd="0" destOrd="0" presId="urn:microsoft.com/office/officeart/2016/7/layout/VerticalSolidActionList"/>
     <dgm:cxn modelId="{9AEDF7F5-4451-4BD1-AF0C-4B52B7FF2CDE}" type="presParOf" srcId="{D480027B-6654-44BC-A273-EDD2082849CB}" destId="{9DC2E5AC-B8F5-48DB-AC56-D85657230F8C}" srcOrd="0" destOrd="0" presId="urn:microsoft.com/office/officeart/2016/7/layout/VerticalSolidActionList"/>
@@ -5913,15 +6854,19 @@
     <dgm:cxn modelId="{6C9253F8-57FF-4D43-968E-A784D7023BE8}" type="presParOf" srcId="{EE6106F1-8617-4DD7-9B46-40AB3440AC15}" destId="{DBA8B4B0-8DF7-4DDF-A1D6-FB756147B3E5}" srcOrd="0" destOrd="0" presId="urn:microsoft.com/office/officeart/2016/7/layout/VerticalSolidActionList"/>
     <dgm:cxn modelId="{F1B3DDF2-BD89-439C-A30A-3AD2260F7C94}" type="presParOf" srcId="{EE6106F1-8617-4DD7-9B46-40AB3440AC15}" destId="{69C68159-2C46-4EEC-8757-C75F67D5712A}" srcOrd="1" destOrd="0" presId="urn:microsoft.com/office/officeart/2016/7/layout/VerticalSolidActionList"/>
     <dgm:cxn modelId="{68D0A291-129E-4D2F-981E-A52AB2069EF5}" type="presParOf" srcId="{912BBCDC-25BB-4DF4-A3C9-B9890710A8CA}" destId="{589E0852-C3F3-4FC1-8E8C-C9E4D6AC31F5}" srcOrd="3" destOrd="0" presId="urn:microsoft.com/office/officeart/2016/7/layout/VerticalSolidActionList"/>
-    <dgm:cxn modelId="{36487D56-36F5-4651-B76F-5EA9F9E128CB}" type="presParOf" srcId="{912BBCDC-25BB-4DF4-A3C9-B9890710A8CA}" destId="{68E1A7B4-8DA4-4002-ADC5-6C16CEB782FF}" srcOrd="4" destOrd="0" presId="urn:microsoft.com/office/officeart/2016/7/layout/VerticalSolidActionList"/>
+    <dgm:cxn modelId="{0FFCBBC9-9167-40D9-916A-B443A6441463}" type="presParOf" srcId="{912BBCDC-25BB-4DF4-A3C9-B9890710A8CA}" destId="{B71D2EAB-2945-4D2D-B68B-2A0032AA2CB8}" srcOrd="4" destOrd="0" presId="urn:microsoft.com/office/officeart/2016/7/layout/VerticalSolidActionList"/>
+    <dgm:cxn modelId="{E74C8C3F-B473-4880-BA1B-69E023BBB66E}" type="presParOf" srcId="{B71D2EAB-2945-4D2D-B68B-2A0032AA2CB8}" destId="{C29AB81A-CF0E-4AB0-B892-A2068700D9FA}" srcOrd="0" destOrd="0" presId="urn:microsoft.com/office/officeart/2016/7/layout/VerticalSolidActionList"/>
+    <dgm:cxn modelId="{E67CCA31-D096-436B-916A-48569341DC46}" type="presParOf" srcId="{B71D2EAB-2945-4D2D-B68B-2A0032AA2CB8}" destId="{2E177909-50E7-41F4-948E-1A9791BF86B3}" srcOrd="1" destOrd="0" presId="urn:microsoft.com/office/officeart/2016/7/layout/VerticalSolidActionList"/>
+    <dgm:cxn modelId="{C81D3F82-E937-437E-8E4D-49B289685E03}" type="presParOf" srcId="{912BBCDC-25BB-4DF4-A3C9-B9890710A8CA}" destId="{38C6F6FC-D776-4AFC-B051-638DADF23E3F}" srcOrd="5" destOrd="0" presId="urn:microsoft.com/office/officeart/2016/7/layout/VerticalSolidActionList"/>
+    <dgm:cxn modelId="{36487D56-36F5-4651-B76F-5EA9F9E128CB}" type="presParOf" srcId="{912BBCDC-25BB-4DF4-A3C9-B9890710A8CA}" destId="{68E1A7B4-8DA4-4002-ADC5-6C16CEB782FF}" srcOrd="6" destOrd="0" presId="urn:microsoft.com/office/officeart/2016/7/layout/VerticalSolidActionList"/>
     <dgm:cxn modelId="{E2ACCD4A-71F7-448A-A940-48EF71AB7F6E}" type="presParOf" srcId="{68E1A7B4-8DA4-4002-ADC5-6C16CEB782FF}" destId="{9873EA7E-2D3D-4F71-9CD9-20C470A4DAEA}" srcOrd="0" destOrd="0" presId="urn:microsoft.com/office/officeart/2016/7/layout/VerticalSolidActionList"/>
     <dgm:cxn modelId="{D00AB7F5-D7B8-4B16-B330-D15E3371B4FC}" type="presParOf" srcId="{68E1A7B4-8DA4-4002-ADC5-6C16CEB782FF}" destId="{08BA028B-C671-4394-B48E-FB11B2363700}" srcOrd="1" destOrd="0" presId="urn:microsoft.com/office/officeart/2016/7/layout/VerticalSolidActionList"/>
-    <dgm:cxn modelId="{475ABE6B-B8CB-4E51-B3F3-867D41253CE9}" type="presParOf" srcId="{912BBCDC-25BB-4DF4-A3C9-B9890710A8CA}" destId="{B74D3469-B29F-4BC2-B3F4-8BDB7C5A097B}" srcOrd="5" destOrd="0" presId="urn:microsoft.com/office/officeart/2016/7/layout/VerticalSolidActionList"/>
-    <dgm:cxn modelId="{0AE760AB-9539-4B2B-83C5-78DE24716BED}" type="presParOf" srcId="{912BBCDC-25BB-4DF4-A3C9-B9890710A8CA}" destId="{A42E5D18-544F-466B-B5A2-556388E8B151}" srcOrd="6" destOrd="0" presId="urn:microsoft.com/office/officeart/2016/7/layout/VerticalSolidActionList"/>
+    <dgm:cxn modelId="{475ABE6B-B8CB-4E51-B3F3-867D41253CE9}" type="presParOf" srcId="{912BBCDC-25BB-4DF4-A3C9-B9890710A8CA}" destId="{B74D3469-B29F-4BC2-B3F4-8BDB7C5A097B}" srcOrd="7" destOrd="0" presId="urn:microsoft.com/office/officeart/2016/7/layout/VerticalSolidActionList"/>
+    <dgm:cxn modelId="{0AE760AB-9539-4B2B-83C5-78DE24716BED}" type="presParOf" srcId="{912BBCDC-25BB-4DF4-A3C9-B9890710A8CA}" destId="{A42E5D18-544F-466B-B5A2-556388E8B151}" srcOrd="8" destOrd="0" presId="urn:microsoft.com/office/officeart/2016/7/layout/VerticalSolidActionList"/>
     <dgm:cxn modelId="{62BE62F5-D33D-458C-A4CC-4559D6650A65}" type="presParOf" srcId="{A42E5D18-544F-466B-B5A2-556388E8B151}" destId="{60727E21-3A1C-40F6-B453-09F748BD647B}" srcOrd="0" destOrd="0" presId="urn:microsoft.com/office/officeart/2016/7/layout/VerticalSolidActionList"/>
     <dgm:cxn modelId="{2A59B5A1-BB13-4E41-9153-7E8DD0E445E6}" type="presParOf" srcId="{A42E5D18-544F-466B-B5A2-556388E8B151}" destId="{8FDE6626-9F72-4045-AA10-39EA4CD0FA90}" srcOrd="1" destOrd="0" presId="urn:microsoft.com/office/officeart/2016/7/layout/VerticalSolidActionList"/>
-    <dgm:cxn modelId="{8A4FE432-0EE5-4350-A7E1-D2D99DFA95BE}" type="presParOf" srcId="{912BBCDC-25BB-4DF4-A3C9-B9890710A8CA}" destId="{0B834113-9480-4AE0-8A72-9B3BE062B80B}" srcOrd="7" destOrd="0" presId="urn:microsoft.com/office/officeart/2016/7/layout/VerticalSolidActionList"/>
-    <dgm:cxn modelId="{7603E16A-5EBB-4A20-BCC1-A39B03D4AAED}" type="presParOf" srcId="{912BBCDC-25BB-4DF4-A3C9-B9890710A8CA}" destId="{64193A54-AF70-4390-856E-D74768C76FAB}" srcOrd="8" destOrd="0" presId="urn:microsoft.com/office/officeart/2016/7/layout/VerticalSolidActionList"/>
+    <dgm:cxn modelId="{8A4FE432-0EE5-4350-A7E1-D2D99DFA95BE}" type="presParOf" srcId="{912BBCDC-25BB-4DF4-A3C9-B9890710A8CA}" destId="{0B834113-9480-4AE0-8A72-9B3BE062B80B}" srcOrd="9" destOrd="0" presId="urn:microsoft.com/office/officeart/2016/7/layout/VerticalSolidActionList"/>
+    <dgm:cxn modelId="{7603E16A-5EBB-4A20-BCC1-A39B03D4AAED}" type="presParOf" srcId="{912BBCDC-25BB-4DF4-A3C9-B9890710A8CA}" destId="{64193A54-AF70-4390-856E-D74768C76FAB}" srcOrd="10" destOrd="0" presId="urn:microsoft.com/office/officeart/2016/7/layout/VerticalSolidActionList"/>
     <dgm:cxn modelId="{3DA42596-8111-4F0E-B2FE-F258B99D8EE7}" type="presParOf" srcId="{64193A54-AF70-4390-856E-D74768C76FAB}" destId="{1BD52300-E5AD-41D4-A93F-BCDC85AAF559}" srcOrd="0" destOrd="0" presId="urn:microsoft.com/office/officeart/2016/7/layout/VerticalSolidActionList"/>
     <dgm:cxn modelId="{6B413043-00A9-4CE8-B378-A3F235ADC813}" type="presParOf" srcId="{64193A54-AF70-4390-856E-D74768C76FAB}" destId="{CE9799AB-FFA1-42E8-8348-3E199A442176}" srcOrd="1" destOrd="0" presId="urn:microsoft.com/office/officeart/2016/7/layout/VerticalSolidActionList"/>
   </dgm:cxnLst>
@@ -5950,14 +6895,14 @@
       </dgm:t>
     </dgm:pt>
     <dgm:pt modelId="{F9F13834-3859-4BE5-8F64-E73D61CC3F7C}">
-      <dgm:prSet/>
+      <dgm:prSet custT="1"/>
       <dgm:spPr/>
       <dgm:t>
         <a:bodyPr/>
         <a:lstStyle/>
         <a:p>
           <a:r>
-            <a:rPr lang="vi-VN" b="1" i="0">
+            <a:rPr lang="vi-VN" sz="2400" b="1" i="0" dirty="0">
               <a:solidFill>
                 <a:schemeClr val="bg1">
                   <a:lumMod val="95000"/>
@@ -5966,26 +6911,11 @@
             </a:rPr>
             <a:t>user_id</a:t>
           </a:r>
-          <a:endParaRPr lang="en-US" b="1" i="0">
+          <a:endParaRPr lang="en-US" sz="2400" b="1" i="0" dirty="0">
             <a:solidFill>
               <a:schemeClr val="bg1">
                 <a:lumMod val="95000"/>
               </a:schemeClr>
-            </a:solidFill>
-          </a:endParaRPr>
-        </a:p>
-        <a:p>
-          <a:r>
-            <a:rPr lang="vi-VN" b="0" i="0">
-              <a:solidFill>
-                <a:schemeClr val="tx1"/>
-              </a:solidFill>
-            </a:rPr>
-            <a:t>Khóa chính, định danh duy nhất cho mỗi người dùng.</a:t>
-          </a:r>
-          <a:endParaRPr lang="en-US">
-            <a:solidFill>
-              <a:schemeClr val="tx1"/>
             </a:solidFill>
           </a:endParaRPr>
         </a:p>
@@ -6014,38 +6944,23 @@
       </dgm:t>
     </dgm:pt>
     <dgm:pt modelId="{771A1155-5BAC-41AB-A238-CA52F192493E}">
-      <dgm:prSet/>
+      <dgm:prSet custT="1"/>
       <dgm:spPr/>
       <dgm:t>
         <a:bodyPr/>
         <a:lstStyle/>
         <a:p>
           <a:r>
-            <a:rPr lang="vi-VN" b="1" i="0">
+            <a:rPr lang="vi-VN" sz="2400" b="1" i="0" dirty="0">
               <a:solidFill>
                 <a:schemeClr val="bg1"/>
               </a:solidFill>
             </a:rPr>
             <a:t>username</a:t>
           </a:r>
-          <a:endParaRPr lang="en-US" b="0" i="0">
+          <a:endParaRPr lang="en-US" sz="2400" b="0" i="0" dirty="0">
             <a:solidFill>
               <a:schemeClr val="bg1"/>
-            </a:solidFill>
-          </a:endParaRPr>
-        </a:p>
-        <a:p>
-          <a:r>
-            <a:rPr lang="vi-VN" b="0" i="0">
-              <a:solidFill>
-                <a:schemeClr val="tx1"/>
-              </a:solidFill>
-            </a:rPr>
-            <a:t>Tên đăng nhập của người dùng.</a:t>
-          </a:r>
-          <a:endParaRPr lang="en-US">
-            <a:solidFill>
-              <a:schemeClr val="tx1"/>
             </a:solidFill>
           </a:endParaRPr>
         </a:p>
@@ -6074,38 +6989,23 @@
       </dgm:t>
     </dgm:pt>
     <dgm:pt modelId="{CAAFC9FB-6282-41B7-ABC7-10FE499FA976}">
-      <dgm:prSet/>
+      <dgm:prSet custT="1"/>
       <dgm:spPr/>
       <dgm:t>
         <a:bodyPr/>
         <a:lstStyle/>
         <a:p>
           <a:r>
-            <a:rPr lang="vi-VN" b="1" i="0">
+            <a:rPr lang="vi-VN" sz="2400" b="1" i="0" dirty="0">
               <a:solidFill>
                 <a:schemeClr val="bg1"/>
               </a:solidFill>
             </a:rPr>
             <a:t>email</a:t>
           </a:r>
-          <a:endParaRPr lang="en-US" b="0" i="0">
+          <a:endParaRPr lang="en-US" sz="2400" b="0" i="0" dirty="0">
             <a:solidFill>
               <a:schemeClr val="bg1"/>
-            </a:solidFill>
-          </a:endParaRPr>
-        </a:p>
-        <a:p>
-          <a:r>
-            <a:rPr lang="vi-VN" b="0" i="0">
-              <a:solidFill>
-                <a:schemeClr val="tx1"/>
-              </a:solidFill>
-            </a:rPr>
-            <a:t>Địa chỉ email của người dùng.</a:t>
-          </a:r>
-          <a:endParaRPr lang="en-US">
-            <a:solidFill>
-              <a:schemeClr val="tx1"/>
             </a:solidFill>
           </a:endParaRPr>
         </a:p>
@@ -6134,38 +7034,23 @@
       </dgm:t>
     </dgm:pt>
     <dgm:pt modelId="{C33F9E06-86BB-4768-9AE1-BF5EEEC97703}">
-      <dgm:prSet/>
+      <dgm:prSet custT="1"/>
       <dgm:spPr/>
       <dgm:t>
         <a:bodyPr/>
         <a:lstStyle/>
         <a:p>
           <a:r>
-            <a:rPr lang="vi-VN" b="1" i="0">
+            <a:rPr lang="vi-VN" sz="2400" b="1" i="0" dirty="0">
               <a:solidFill>
                 <a:schemeClr val="bg1"/>
               </a:solidFill>
             </a:rPr>
             <a:t>password</a:t>
           </a:r>
-          <a:endParaRPr lang="en-US" b="0" i="0">
+          <a:endParaRPr lang="en-US" sz="2400" b="0" i="0" dirty="0">
             <a:solidFill>
               <a:schemeClr val="bg1"/>
-            </a:solidFill>
-          </a:endParaRPr>
-        </a:p>
-        <a:p>
-          <a:r>
-            <a:rPr lang="vi-VN" b="0" i="0">
-              <a:solidFill>
-                <a:schemeClr val="tx1"/>
-              </a:solidFill>
-            </a:rPr>
-            <a:t>Mật khẩu đã được mã hóa của người dùng.</a:t>
-          </a:r>
-          <a:endParaRPr lang="en-US">
-            <a:solidFill>
-              <a:schemeClr val="tx1"/>
             </a:solidFill>
           </a:endParaRPr>
         </a:p>
@@ -6194,42 +7079,23 @@
       </dgm:t>
     </dgm:pt>
     <dgm:pt modelId="{2C50498C-9F72-45A0-9F4B-2DD3E86DF810}">
-      <dgm:prSet/>
+      <dgm:prSet custT="1"/>
       <dgm:spPr/>
       <dgm:t>
         <a:bodyPr/>
         <a:lstStyle/>
         <a:p>
           <a:r>
-            <a:rPr lang="vi-VN" b="1" i="0">
+            <a:rPr lang="vi-VN" sz="2400" b="1" i="0" dirty="0">
               <a:solidFill>
                 <a:schemeClr val="bg1"/>
               </a:solidFill>
             </a:rPr>
             <a:t>full_name</a:t>
           </a:r>
-          <a:endParaRPr lang="en-US" b="0" i="0">
+          <a:endParaRPr lang="en-US" sz="2400" b="0" i="0" dirty="0">
             <a:solidFill>
               <a:schemeClr val="bg1"/>
-            </a:solidFill>
-          </a:endParaRPr>
-        </a:p>
-        <a:p>
-          <a:r>
-            <a:rPr lang="vi-VN" b="0" i="0"/>
-            <a:t> </a:t>
-          </a:r>
-          <a:r>
-            <a:rPr lang="vi-VN" b="0" i="0">
-              <a:solidFill>
-                <a:schemeClr val="tx1"/>
-              </a:solidFill>
-            </a:rPr>
-            <a:t>Tên đầy đủ của người dùng.</a:t>
-          </a:r>
-          <a:endParaRPr lang="en-US">
-            <a:solidFill>
-              <a:schemeClr val="tx1"/>
             </a:solidFill>
           </a:endParaRPr>
         </a:p>
@@ -6258,38 +7124,23 @@
       </dgm:t>
     </dgm:pt>
     <dgm:pt modelId="{DD3F8F6C-486E-41BD-A66D-4F31DEBD8535}">
-      <dgm:prSet/>
+      <dgm:prSet custT="1"/>
       <dgm:spPr/>
       <dgm:t>
         <a:bodyPr/>
         <a:lstStyle/>
         <a:p>
           <a:r>
-            <a:rPr lang="vi-VN" b="1" i="0">
+            <a:rPr lang="vi-VN" sz="2400" b="1" i="0" dirty="0">
               <a:solidFill>
                 <a:schemeClr val="bg1"/>
               </a:solidFill>
             </a:rPr>
             <a:t>created_at</a:t>
           </a:r>
-          <a:endParaRPr lang="en-US" b="0" i="0">
+          <a:endParaRPr lang="en-US" sz="2400" b="0" i="0" dirty="0">
             <a:solidFill>
               <a:schemeClr val="bg1"/>
-            </a:solidFill>
-          </a:endParaRPr>
-        </a:p>
-        <a:p>
-          <a:r>
-            <a:rPr lang="vi-VN" b="0" i="0">
-              <a:solidFill>
-                <a:schemeClr val="tx1"/>
-              </a:solidFill>
-            </a:rPr>
-            <a:t>Thời gian tạo tài khoản.</a:t>
-          </a:r>
-          <a:endParaRPr lang="en-US">
-            <a:solidFill>
-              <a:schemeClr val="tx1"/>
             </a:solidFill>
           </a:endParaRPr>
         </a:p>
@@ -6318,23 +7169,23 @@
       </dgm:t>
     </dgm:pt>
     <dgm:pt modelId="{2401B1F5-CE72-4649-921A-55AA5A19341C}">
-      <dgm:prSet/>
+      <dgm:prSet custT="1"/>
       <dgm:spPr/>
       <dgm:t>
         <a:bodyPr/>
         <a:lstStyle/>
         <a:p>
           <a:r>
-            <a:rPr lang="vi-VN" b="0" i="1">
+            <a:rPr lang="vi-VN" sz="2000" b="0" i="1" dirty="0">
               <a:solidFill>
-                <a:schemeClr val="tx1"/>
+                <a:schemeClr val="bg1"/>
               </a:solidFill>
             </a:rPr>
             <a:t>Các trường khác có thể bao gồm thông tin như địa chỉ, số điện thoại, v.v.</a:t>
           </a:r>
-          <a:endParaRPr lang="en-US">
+          <a:endParaRPr lang="en-US" sz="2000" dirty="0">
             <a:solidFill>
-              <a:schemeClr val="tx1"/>
+              <a:schemeClr val="bg1"/>
             </a:solidFill>
           </a:endParaRPr>
         </a:p>
@@ -6468,7 +7319,7 @@
       <dgm:spPr/>
     </dgm:pt>
     <dgm:pt modelId="{8B45B410-CE96-4415-AEB5-3017BC7AABFE}" type="pres">
-      <dgm:prSet presAssocID="{2401B1F5-CE72-4649-921A-55AA5A19341C}" presName="node" presStyleLbl="node1" presStyleIdx="6" presStyleCnt="7">
+      <dgm:prSet presAssocID="{2401B1F5-CE72-4649-921A-55AA5A19341C}" presName="node" presStyleLbl="node1" presStyleIdx="6" presStyleCnt="7" custScaleX="120881">
         <dgm:presLayoutVars>
           <dgm:bulletEnabled val="1"/>
         </dgm:presLayoutVars>
@@ -6556,29 +7407,14 @@
         <a:lstStyle/>
         <a:p>
           <a:r>
-            <a:rPr lang="vi-VN" b="1" i="0"/>
+            <a:rPr lang="vi-VN" b="1" i="0" dirty="0"/>
             <a:t>question_id</a:t>
           </a:r>
           <a:r>
-            <a:rPr lang="vi-VN" b="0" i="0"/>
+            <a:rPr lang="vi-VN" b="0" i="0" dirty="0"/>
             <a:t> </a:t>
           </a:r>
-          <a:endParaRPr lang="en-US" b="0" i="0"/>
-        </a:p>
-        <a:p>
-          <a:r>
-            <a:rPr lang="vi-VN" b="0" i="0">
-              <a:solidFill>
-                <a:schemeClr val="tx1"/>
-              </a:solidFill>
-            </a:rPr>
-            <a:t>Khóa chính, định danh duy nhất cho mỗi câu hỏi.</a:t>
-          </a:r>
-          <a:endParaRPr lang="en-US">
-            <a:solidFill>
-              <a:schemeClr val="tx1"/>
-            </a:solidFill>
-          </a:endParaRPr>
+          <a:endParaRPr lang="en-US" b="0" i="0" dirty="0"/>
         </a:p>
       </dgm:t>
     </dgm:pt>
@@ -6612,25 +7448,14 @@
         <a:lstStyle/>
         <a:p>
           <a:r>
-            <a:rPr lang="vi-VN" b="1" i="0"/>
+            <a:rPr lang="vi-VN" b="1" i="0" dirty="0"/>
             <a:t>user_id</a:t>
           </a:r>
-          <a:endParaRPr lang="en-US" b="1" i="0"/>
-        </a:p>
-        <a:p>
           <a:r>
-            <a:rPr lang="vi-VN" b="0" i="0"/>
+            <a:rPr lang="vi-VN" b="0" i="0" dirty="0"/>
             <a:t> </a:t>
           </a:r>
-          <a:r>
-            <a:rPr lang="vi-VN" b="0" i="0">
-              <a:solidFill>
-                <a:schemeClr val="tx1"/>
-              </a:solidFill>
-            </a:rPr>
-            <a:t>Khóa ngoại tham chiếu đến người dùng đã tạo câu hỏi.</a:t>
-          </a:r>
-          <a:endParaRPr lang="en-US">
+          <a:endParaRPr lang="en-US" dirty="0">
             <a:solidFill>
               <a:schemeClr val="tx1"/>
             </a:solidFill>
@@ -6668,29 +7493,14 @@
         <a:lstStyle/>
         <a:p>
           <a:r>
-            <a:rPr lang="vi-VN" b="1" i="0"/>
-            <a:t>content</a:t>
-          </a:r>
-          <a:endParaRPr lang="en-US" b="0" i="0"/>
-        </a:p>
-        <a:p>
-          <a:r>
-            <a:rPr lang="vi-VN" b="0" i="0"/>
-            <a:t> </a:t>
+            <a:rPr lang="vi-VN" b="1" i="0" dirty="0"/>
+            <a:t>conten</a:t>
           </a:r>
           <a:r>
-            <a:rPr lang="vi-VN" b="0" i="0">
-              <a:solidFill>
-                <a:schemeClr val="tx1"/>
-              </a:solidFill>
-            </a:rPr>
-            <a:t>Nội dung của câu hỏi.</a:t>
+            <a:rPr lang="en-US" b="1" i="0" dirty="0"/>
+            <a:t>t</a:t>
           </a:r>
-          <a:endParaRPr lang="en-US">
-            <a:solidFill>
-              <a:schemeClr val="tx1"/>
-            </a:solidFill>
-          </a:endParaRPr>
+          <a:endParaRPr lang="en-US" b="0" i="0" dirty="0"/>
         </a:p>
       </dgm:t>
     </dgm:pt>
@@ -6724,22 +7534,10 @@
         <a:lstStyle/>
         <a:p>
           <a:r>
-            <a:rPr lang="vi-VN" b="1" i="0"/>
+            <a:rPr lang="vi-VN" b="1" i="0" dirty="0"/>
             <a:t>correct_answer</a:t>
           </a:r>
-          <a:r>
-            <a:rPr lang="vi-VN" b="0" i="0"/>
-            <a:t> </a:t>
-          </a:r>
-          <a:r>
-            <a:rPr lang="vi-VN" b="0" i="0">
-              <a:solidFill>
-                <a:schemeClr val="tx1"/>
-              </a:solidFill>
-            </a:rPr>
-            <a:t>Câu trả lời đúng của câu hỏi.</a:t>
-          </a:r>
-          <a:endParaRPr lang="en-US">
+          <a:endParaRPr lang="en-US" dirty="0">
             <a:solidFill>
               <a:schemeClr val="tx1"/>
             </a:solidFill>
@@ -6777,29 +7575,14 @@
         <a:lstStyle/>
         <a:p>
           <a:r>
-            <a:rPr lang="vi-VN" b="1" i="0"/>
+            <a:rPr lang="vi-VN" b="1" i="0" dirty="0"/>
             <a:t>created_at</a:t>
           </a:r>
           <a:r>
-            <a:rPr lang="vi-VN" b="0" i="0"/>
+            <a:rPr lang="vi-VN" b="0" i="0" dirty="0"/>
             <a:t> </a:t>
           </a:r>
-          <a:endParaRPr lang="en-US" b="0" i="0"/>
-        </a:p>
-        <a:p>
-          <a:r>
-            <a:rPr lang="vi-VN" b="0" i="0">
-              <a:solidFill>
-                <a:schemeClr val="tx1"/>
-              </a:solidFill>
-            </a:rPr>
-            <a:t>Thời gian tạo câu hỏi.</a:t>
-          </a:r>
-          <a:endParaRPr lang="en-US">
-            <a:solidFill>
-              <a:schemeClr val="tx1"/>
-            </a:solidFill>
-          </a:endParaRPr>
+          <a:endParaRPr lang="en-US" b="0" i="0" dirty="0"/>
         </a:p>
       </dgm:t>
     </dgm:pt>
@@ -6966,36 +7749,17 @@
       </dgm:t>
     </dgm:pt>
     <dgm:pt modelId="{5BEC2ED9-5A90-47C2-AC1E-4B8929B66AFC}">
-      <dgm:prSet/>
+      <dgm:prSet custT="1"/>
       <dgm:spPr/>
       <dgm:t>
         <a:bodyPr/>
         <a:lstStyle/>
         <a:p>
           <a:r>
-            <a:rPr lang="vi-VN" b="1" i="0"/>
+            <a:rPr lang="vi-VN" sz="2400" b="1" i="0" dirty="0"/>
             <a:t>set_id</a:t>
           </a:r>
-          <a:endParaRPr lang="en-US" b="1" i="0"/>
-        </a:p>
-        <a:p>
-          <a:r>
-            <a:rPr lang="vi-VN" b="0" i="0"/>
-            <a:t> </a:t>
-          </a:r>
-          <a:r>
-            <a:rPr lang="vi-VN" b="0" i="0">
-              <a:solidFill>
-                <a:schemeClr val="tx1"/>
-              </a:solidFill>
-            </a:rPr>
-            <a:t>Khóa chính, định danh duy nhất cho mỗi bộ câu hỏi.</a:t>
-          </a:r>
-          <a:endParaRPr lang="en-US" b="0">
-            <a:solidFill>
-              <a:schemeClr val="tx1"/>
-            </a:solidFill>
-          </a:endParaRPr>
+          <a:endParaRPr lang="en-US" sz="2400" b="1" i="0" dirty="0"/>
         </a:p>
       </dgm:t>
     </dgm:pt>
@@ -7022,32 +7786,17 @@
       </dgm:t>
     </dgm:pt>
     <dgm:pt modelId="{7D7427E6-3AC6-4461-BFDE-C3BD40A50AB2}">
-      <dgm:prSet/>
+      <dgm:prSet custT="1"/>
       <dgm:spPr/>
       <dgm:t>
         <a:bodyPr/>
         <a:lstStyle/>
         <a:p>
           <a:r>
-            <a:rPr lang="vi-VN" b="1" i="0"/>
+            <a:rPr lang="vi-VN" sz="2400" b="1" i="0" dirty="0"/>
             <a:t>user_id</a:t>
           </a:r>
-          <a:endParaRPr lang="en-US" b="1" i="0"/>
-        </a:p>
-        <a:p>
-          <a:r>
-            <a:rPr lang="vi-VN" b="0" i="0">
-              <a:solidFill>
-                <a:schemeClr val="tx1"/>
-              </a:solidFill>
-            </a:rPr>
-            <a:t> Khóa ngoại tham chiếu đến người dùng đã tạo bộ câu hỏi.</a:t>
-          </a:r>
-          <a:endParaRPr lang="en-US">
-            <a:solidFill>
-              <a:schemeClr val="tx1"/>
-            </a:solidFill>
-          </a:endParaRPr>
+          <a:endParaRPr lang="en-US" sz="2400" b="1" i="0" dirty="0"/>
         </a:p>
       </dgm:t>
     </dgm:pt>
@@ -7074,32 +7823,17 @@
       </dgm:t>
     </dgm:pt>
     <dgm:pt modelId="{95FDC0AB-9FEE-4F85-A615-6C4C22D9C24A}">
-      <dgm:prSet/>
+      <dgm:prSet custT="1"/>
       <dgm:spPr/>
       <dgm:t>
         <a:bodyPr/>
         <a:lstStyle/>
         <a:p>
           <a:r>
-            <a:rPr lang="vi-VN" b="1" i="0"/>
+            <a:rPr lang="vi-VN" sz="2400" b="1" i="0" dirty="0"/>
             <a:t>Title</a:t>
           </a:r>
-          <a:endParaRPr lang="en-US" b="1" i="0"/>
-        </a:p>
-        <a:p>
-          <a:r>
-            <a:rPr lang="vi-VN" b="0" i="0">
-              <a:solidFill>
-                <a:schemeClr val="tx1"/>
-              </a:solidFill>
-            </a:rPr>
-            <a:t>Tiêu đề hoặc mô tả của bộ câu hỏi.</a:t>
-          </a:r>
-          <a:endParaRPr lang="en-US">
-            <a:solidFill>
-              <a:schemeClr val="tx1"/>
-            </a:solidFill>
-          </a:endParaRPr>
+          <a:endParaRPr lang="en-US" sz="2400" b="1" i="0" dirty="0"/>
         </a:p>
       </dgm:t>
     </dgm:pt>
@@ -7126,36 +7860,17 @@
       </dgm:t>
     </dgm:pt>
     <dgm:pt modelId="{64DF9FDF-A5A5-4CAC-B2A8-F336C43E29FB}">
-      <dgm:prSet/>
+      <dgm:prSet custT="1"/>
       <dgm:spPr/>
       <dgm:t>
         <a:bodyPr/>
         <a:lstStyle/>
         <a:p>
           <a:r>
-            <a:rPr lang="vi-VN" b="1" i="0"/>
+            <a:rPr lang="vi-VN" sz="2400" b="1" i="0" dirty="0"/>
             <a:t>created_at</a:t>
           </a:r>
-          <a:endParaRPr lang="en-US" b="1" i="0"/>
-        </a:p>
-        <a:p>
-          <a:r>
-            <a:rPr lang="vi-VN" b="0" i="0"/>
-            <a:t> </a:t>
-          </a:r>
-          <a:r>
-            <a:rPr lang="vi-VN" b="0" i="0">
-              <a:solidFill>
-                <a:schemeClr val="tx1"/>
-              </a:solidFill>
-            </a:rPr>
-            <a:t>Thời gian tạo bộ câu hỏi.</a:t>
-          </a:r>
-          <a:endParaRPr lang="en-US">
-            <a:solidFill>
-              <a:schemeClr val="tx1"/>
-            </a:solidFill>
-          </a:endParaRPr>
+          <a:endParaRPr lang="en-US" sz="2400" b="1" i="0" dirty="0"/>
         </a:p>
       </dgm:t>
     </dgm:pt>
@@ -7182,42 +7897,17 @@
       </dgm:t>
     </dgm:pt>
     <dgm:pt modelId="{F9E1D670-3EE8-4A7F-8858-91801845E67A}">
-      <dgm:prSet/>
+      <dgm:prSet custT="1"/>
       <dgm:spPr/>
       <dgm:t>
         <a:bodyPr/>
         <a:lstStyle/>
         <a:p>
           <a:r>
-            <a:rPr lang="en-US" b="1"/>
-            <a:t>Total_ques</a:t>
+            <a:rPr lang="en-US" sz="2400" b="1" dirty="0" err="1"/>
+            <a:t>Total_queston</a:t>
           </a:r>
-        </a:p>
-        <a:p>
-          <a:r>
-            <a:rPr lang="en-US" b="1">
-              <a:solidFill>
-                <a:schemeClr val="tx1"/>
-              </a:solidFill>
-            </a:rPr>
-            <a:t> </a:t>
-          </a:r>
-          <a:r>
-            <a:rPr lang="en-US" b="0">
-              <a:solidFill>
-                <a:schemeClr val="tx1"/>
-              </a:solidFill>
-            </a:rPr>
-            <a:t>S</a:t>
-          </a:r>
-          <a:r>
-            <a:rPr lang="en-US">
-              <a:solidFill>
-                <a:schemeClr val="tx1"/>
-              </a:solidFill>
-            </a:rPr>
-            <a:t>ố lượng câu hỏi trong bộ câu hỏi</a:t>
-          </a:r>
+          <a:endParaRPr lang="en-US" sz="2400" b="1" dirty="0"/>
         </a:p>
       </dgm:t>
     </dgm:pt>
@@ -8829,8 +9519,8 @@
       </dsp:nvSpPr>
       <dsp:spPr>
         <a:xfrm>
-          <a:off x="2138238" y="2127"/>
-          <a:ext cx="8552952" cy="933660"/>
+          <a:off x="2138238" y="597"/>
+          <a:ext cx="8552952" cy="777054"/>
         </a:xfrm>
         <a:prstGeom prst="rect">
           <a:avLst/>
@@ -8874,14 +9564,14 @@
         <a:fontRef idx="minor"/>
       </dsp:style>
       <dsp:txBody>
-        <a:bodyPr spcFirstLastPara="0" vert="horz" wrap="square" lIns="165951" tIns="237150" rIns="165951" bIns="237150" numCol="1" spcCol="1270" anchor="ctr" anchorCtr="0">
+        <a:bodyPr spcFirstLastPara="0" vert="horz" wrap="square" lIns="165951" tIns="197372" rIns="165951" bIns="197372" numCol="1" spcCol="1270" anchor="ctr" anchorCtr="0">
           <a:noAutofit/>
         </a:bodyPr>
         <a:lstStyle/>
         <a:p>
           <a:pPr marL="0" lvl="0" indent="0" algn="l" defTabSz="711200">
             <a:lnSpc>
-              <a:spcPct val="90000"/>
+              <a:spcPct val="100000"/>
             </a:lnSpc>
             <a:spcBef>
               <a:spcPct val="0"/>
@@ -8892,15 +9582,15 @@
             <a:buNone/>
           </a:pPr>
           <a:r>
-            <a:rPr lang="vi-VN" sz="1600" b="0" i="0" kern="1200"/>
+            <a:rPr lang="vi-VN" sz="1600" b="0" i="0" kern="1200" dirty="0"/>
             <a:t>Cho phép người dùng tạo câu hỏi trắc nghiệm với nhiều loại câu hỏi khác nhau (đa lựa chọn, điền từ, kéo và thả, v.v.).</a:t>
           </a:r>
-          <a:endParaRPr lang="en-US" sz="1600" kern="1200"/>
+          <a:endParaRPr lang="en-US" sz="1600" kern="1200" dirty="0"/>
         </a:p>
         <a:p>
           <a:pPr marL="0" lvl="0" indent="0" algn="l" defTabSz="711200">
             <a:lnSpc>
-              <a:spcPct val="90000"/>
+              <a:spcPct val="100000"/>
             </a:lnSpc>
             <a:spcBef>
               <a:spcPct val="0"/>
@@ -8911,15 +9601,15 @@
             <a:buNone/>
           </a:pPr>
           <a:r>
-            <a:rPr lang="vi-VN" sz="1600" b="0" i="0" kern="1200"/>
+            <a:rPr lang="vi-VN" sz="1600" b="0" i="0" kern="1200" dirty="0"/>
             <a:t>Hỗ trợ nhập các đáp án và chọn câu trả lời đúng.</a:t>
           </a:r>
-          <a:endParaRPr lang="en-US" sz="1600" kern="1200"/>
+          <a:endParaRPr lang="en-US" sz="1600" kern="1200" dirty="0"/>
         </a:p>
       </dsp:txBody>
       <dsp:txXfrm>
-        <a:off x="2138238" y="2127"/>
-        <a:ext cx="8552952" cy="933660"/>
+        <a:off x="2138238" y="597"/>
+        <a:ext cx="8552952" cy="777054"/>
       </dsp:txXfrm>
     </dsp:sp>
     <dsp:sp modelId="{9DC2E5AC-B8F5-48DB-AC56-D85657230F8C}">
@@ -8929,8 +9619,8 @@
       </dsp:nvSpPr>
       <dsp:spPr>
         <a:xfrm>
-          <a:off x="0" y="2127"/>
-          <a:ext cx="2138238" cy="933660"/>
+          <a:off x="0" y="597"/>
+          <a:ext cx="2138238" cy="777054"/>
         </a:xfrm>
         <a:prstGeom prst="rect">
           <a:avLst/>
@@ -8972,12 +9662,12 @@
         </a:fontRef>
       </dsp:style>
       <dsp:txBody>
-        <a:bodyPr spcFirstLastPara="0" vert="horz" wrap="square" lIns="113148" tIns="92225" rIns="113148" bIns="92225" numCol="1" spcCol="1270" anchor="ctr" anchorCtr="0">
+        <a:bodyPr spcFirstLastPara="0" vert="horz" wrap="square" lIns="113148" tIns="76756" rIns="113148" bIns="76756" numCol="1" spcCol="1270" anchor="ctr" anchorCtr="0">
           <a:noAutofit/>
         </a:bodyPr>
         <a:lstStyle/>
         <a:p>
-          <a:pPr marL="0" lvl="0" indent="0" algn="ctr" defTabSz="977900">
+          <a:pPr marL="0" lvl="0" indent="0" algn="ctr" defTabSz="800100">
             <a:lnSpc>
               <a:spcPct val="90000"/>
             </a:lnSpc>
@@ -8990,7 +9680,7 @@
             <a:buNone/>
           </a:pPr>
           <a:r>
-            <a:rPr lang="vi-VN" sz="2200" b="1" i="0" kern="1200">
+            <a:rPr lang="vi-VN" sz="1800" b="1" i="0" kern="1200" dirty="0">
               <a:solidFill>
                 <a:prstClr val="white"/>
               </a:solidFill>
@@ -9000,7 +9690,7 @@
             </a:rPr>
             <a:t>Tạo Câu Hỏi:</a:t>
           </a:r>
-          <a:endParaRPr lang="en-US" sz="2200" b="1" i="0" kern="1200">
+          <a:endParaRPr lang="en-US" sz="1800" b="1" i="0" kern="1200" dirty="0">
             <a:solidFill>
               <a:prstClr val="white"/>
             </a:solidFill>
@@ -9011,8 +9701,8 @@
         </a:p>
       </dsp:txBody>
       <dsp:txXfrm>
-        <a:off x="0" y="2127"/>
-        <a:ext cx="2138238" cy="933660"/>
+        <a:off x="0" y="597"/>
+        <a:ext cx="2138238" cy="777054"/>
       </dsp:txXfrm>
     </dsp:sp>
     <dsp:sp modelId="{69C68159-2C46-4EEC-8757-C75F67D5712A}">
@@ -9022,8 +9712,8 @@
       </dsp:nvSpPr>
       <dsp:spPr>
         <a:xfrm>
-          <a:off x="2138238" y="991808"/>
-          <a:ext cx="8552952" cy="933660"/>
+          <a:off x="2138238" y="824275"/>
+          <a:ext cx="8552952" cy="777054"/>
         </a:xfrm>
         <a:prstGeom prst="rect">
           <a:avLst/>
@@ -9032,9 +9722,9 @@
           <a:schemeClr val="accent2">
             <a:tint val="40000"/>
             <a:alpha val="90000"/>
-            <a:hueOff val="1683680"/>
-            <a:satOff val="-15558"/>
-            <a:lumOff val="-1754"/>
+            <a:hueOff val="1346944"/>
+            <a:satOff val="-12446"/>
+            <a:lumOff val="-1403"/>
             <a:alphaOff val="0"/>
           </a:schemeClr>
         </a:solidFill>
@@ -9043,9 +9733,9 @@
             <a:schemeClr val="accent2">
               <a:tint val="40000"/>
               <a:alpha val="90000"/>
-              <a:hueOff val="1683680"/>
-              <a:satOff val="-15558"/>
-              <a:lumOff val="-1754"/>
+              <a:hueOff val="1346944"/>
+              <a:satOff val="-12446"/>
+              <a:lumOff val="-1403"/>
               <a:alphaOff val="0"/>
             </a:schemeClr>
           </a:solidFill>
@@ -9067,7 +9757,7 @@
         <a:fontRef idx="minor"/>
       </dsp:style>
       <dsp:txBody>
-        <a:bodyPr spcFirstLastPara="0" vert="horz" wrap="square" lIns="165951" tIns="237150" rIns="165951" bIns="237150" numCol="1" spcCol="1270" anchor="ctr" anchorCtr="0">
+        <a:bodyPr spcFirstLastPara="0" vert="horz" wrap="square" lIns="165951" tIns="197372" rIns="165951" bIns="197372" numCol="1" spcCol="1270" anchor="ctr" anchorCtr="0">
           <a:noAutofit/>
         </a:bodyPr>
         <a:lstStyle/>
@@ -9085,15 +9775,15 @@
             <a:buNone/>
           </a:pPr>
           <a:r>
-            <a:rPr lang="vi-VN" sz="1600" b="0" i="0" kern="1200"/>
+            <a:rPr lang="vi-VN" sz="1600" b="0" i="0" kern="1200" dirty="0"/>
             <a:t>Cho phép người dùng quản lý các bộ câu hỏi đã tạo, sửa đổi hoặc xóa chúng.</a:t>
           </a:r>
-          <a:endParaRPr lang="en-US" sz="1600" kern="1200"/>
+          <a:endParaRPr lang="en-US" sz="1600" kern="1200" dirty="0"/>
         </a:p>
       </dsp:txBody>
       <dsp:txXfrm>
-        <a:off x="2138238" y="991808"/>
-        <a:ext cx="8552952" cy="933660"/>
+        <a:off x="2138238" y="824275"/>
+        <a:ext cx="8552952" cy="777054"/>
       </dsp:txXfrm>
     </dsp:sp>
     <dsp:sp modelId="{DBA8B4B0-8DF7-4DDF-A1D6-FB756147B3E5}">
@@ -9103,26 +9793,26 @@
       </dsp:nvSpPr>
       <dsp:spPr>
         <a:xfrm>
-          <a:off x="0" y="991808"/>
-          <a:ext cx="2138238" cy="933660"/>
+          <a:off x="0" y="824275"/>
+          <a:ext cx="2138238" cy="777054"/>
         </a:xfrm>
         <a:prstGeom prst="rect">
           <a:avLst/>
         </a:prstGeom>
         <a:solidFill>
           <a:schemeClr val="accent2">
-            <a:hueOff val="1610903"/>
-            <a:satOff val="-4623"/>
-            <a:lumOff val="-7402"/>
+            <a:hueOff val="1288723"/>
+            <a:satOff val="-3699"/>
+            <a:lumOff val="-5922"/>
             <a:alphaOff val="0"/>
           </a:schemeClr>
         </a:solidFill>
         <a:ln w="19050" cap="flat" cmpd="sng" algn="ctr">
           <a:solidFill>
             <a:schemeClr val="accent2">
-              <a:hueOff val="1610903"/>
-              <a:satOff val="-4623"/>
-              <a:lumOff val="-7402"/>
+              <a:hueOff val="1288723"/>
+              <a:satOff val="-3699"/>
+              <a:lumOff val="-5922"/>
               <a:alphaOff val="0"/>
             </a:schemeClr>
           </a:solidFill>
@@ -9146,12 +9836,12 @@
         </a:fontRef>
       </dsp:style>
       <dsp:txBody>
-        <a:bodyPr spcFirstLastPara="0" vert="horz" wrap="square" lIns="113148" tIns="92225" rIns="113148" bIns="92225" numCol="1" spcCol="1270" anchor="ctr" anchorCtr="0">
+        <a:bodyPr spcFirstLastPara="0" vert="horz" wrap="square" lIns="113148" tIns="76756" rIns="113148" bIns="76756" numCol="1" spcCol="1270" anchor="ctr" anchorCtr="0">
           <a:noAutofit/>
         </a:bodyPr>
         <a:lstStyle/>
         <a:p>
-          <a:pPr marL="0" lvl="0" indent="0" algn="ctr" defTabSz="977900">
+          <a:pPr marL="0" lvl="0" indent="0" algn="ctr" defTabSz="800100">
             <a:lnSpc>
               <a:spcPct val="90000"/>
             </a:lnSpc>
@@ -9164,13 +9854,13 @@
             <a:buNone/>
           </a:pPr>
           <a:r>
-            <a:rPr lang="vi-VN" sz="2200" b="1" i="0" kern="1200"/>
+            <a:rPr lang="vi-VN" sz="1800" b="1" i="0" kern="1200" dirty="0"/>
             <a:t>Quản Lý Bộ </a:t>
           </a:r>
-          <a:endParaRPr lang="en-US" sz="2200" b="1" i="0" kern="1200"/>
+          <a:endParaRPr lang="en-US" sz="1800" b="1" i="0" kern="1200" dirty="0"/>
         </a:p>
         <a:p>
-          <a:pPr marL="0" lvl="0" indent="0" algn="ctr" defTabSz="977900">
+          <a:pPr marL="0" lvl="0" indent="0" algn="ctr" defTabSz="800100">
             <a:lnSpc>
               <a:spcPct val="90000"/>
             </a:lnSpc>
@@ -9183,26 +9873,26 @@
             <a:buNone/>
           </a:pPr>
           <a:r>
-            <a:rPr lang="vi-VN" sz="2200" b="1" i="0" kern="1200"/>
+            <a:rPr lang="vi-VN" sz="1800" b="1" i="0" kern="1200" dirty="0"/>
             <a:t>Câu Hỏi:</a:t>
           </a:r>
-          <a:endParaRPr lang="en-US" sz="2200" kern="1200"/>
+          <a:endParaRPr lang="en-US" sz="1800" kern="1200" dirty="0"/>
         </a:p>
       </dsp:txBody>
       <dsp:txXfrm>
-        <a:off x="0" y="991808"/>
-        <a:ext cx="2138238" cy="933660"/>
+        <a:off x="0" y="824275"/>
+        <a:ext cx="2138238" cy="777054"/>
       </dsp:txXfrm>
     </dsp:sp>
-    <dsp:sp modelId="{08BA028B-C671-4394-B48E-FB11B2363700}">
+    <dsp:sp modelId="{2E177909-50E7-41F4-948E-1A9791BF86B3}">
       <dsp:nvSpPr>
         <dsp:cNvPr id="0" name=""/>
         <dsp:cNvSpPr/>
       </dsp:nvSpPr>
       <dsp:spPr>
         <a:xfrm>
-          <a:off x="2138238" y="1981489"/>
-          <a:ext cx="8552952" cy="933660"/>
+          <a:off x="2138238" y="1647953"/>
+          <a:ext cx="8552952" cy="777054"/>
         </a:xfrm>
         <a:prstGeom prst="rect">
           <a:avLst/>
@@ -9211,9 +9901,9 @@
           <a:schemeClr val="accent2">
             <a:tint val="40000"/>
             <a:alpha val="90000"/>
-            <a:hueOff val="3367359"/>
-            <a:satOff val="-31116"/>
-            <a:lumOff val="-3508"/>
+            <a:hueOff val="2693887"/>
+            <a:satOff val="-24893"/>
+            <a:lumOff val="-2806"/>
             <a:alphaOff val="0"/>
           </a:schemeClr>
         </a:solidFill>
@@ -9222,9 +9912,9 @@
             <a:schemeClr val="accent2">
               <a:tint val="40000"/>
               <a:alpha val="90000"/>
-              <a:hueOff val="3367359"/>
-              <a:satOff val="-31116"/>
-              <a:lumOff val="-3508"/>
+              <a:hueOff val="2693887"/>
+              <a:satOff val="-24893"/>
+              <a:lumOff val="-2806"/>
               <a:alphaOff val="0"/>
             </a:schemeClr>
           </a:solidFill>
@@ -9246,14 +9936,14 @@
         <a:fontRef idx="minor"/>
       </dsp:style>
       <dsp:txBody>
-        <a:bodyPr spcFirstLastPara="0" vert="horz" wrap="square" lIns="165951" tIns="237150" rIns="165951" bIns="237150" numCol="1" spcCol="1270" anchor="ctr" anchorCtr="0">
+        <a:bodyPr spcFirstLastPara="0" vert="horz" wrap="square" lIns="165951" tIns="197372" rIns="165951" bIns="197372" numCol="1" spcCol="1270" anchor="ctr" anchorCtr="0">
           <a:noAutofit/>
         </a:bodyPr>
         <a:lstStyle/>
         <a:p>
           <a:pPr marL="0" lvl="0" indent="0" algn="l" defTabSz="711200">
             <a:lnSpc>
-              <a:spcPct val="90000"/>
+              <a:spcPct val="100000"/>
             </a:lnSpc>
             <a:spcBef>
               <a:spcPct val="0"/>
@@ -9264,44 +9954,791 @@
             <a:buNone/>
           </a:pPr>
           <a:r>
-            <a:rPr lang="vi-VN" sz="1600" b="0" i="0" kern="1200"/>
-            <a:t>Cung cấp chức năng tìm kiếm và khám phá các bộ câu hỏi được chia sẻ bởi cộng đồng người dùng.</a:t>
+            <a:rPr lang="en-US" sz="1600" b="0" i="0" kern="1200" dirty="0">
+              <a:solidFill>
+                <a:prstClr val="black">
+                  <a:hueOff val="0"/>
+                  <a:satOff val="0"/>
+                  <a:lumOff val="0"/>
+                  <a:alphaOff val="0"/>
+                </a:prstClr>
+              </a:solidFill>
+              <a:latin typeface="Arial" panose="020B0604020202020204" pitchFamily="34" charset="0"/>
+              <a:ea typeface="+mn-ea"/>
+              <a:cs typeface="+mn-cs"/>
+            </a:rPr>
+            <a:t>Cho </a:t>
           </a:r>
-          <a:endParaRPr lang="en-US" sz="1600" kern="1200"/>
+          <a:r>
+            <a:rPr lang="en-US" sz="1600" b="0" i="0" kern="1200" dirty="0" err="1">
+              <a:solidFill>
+                <a:prstClr val="black">
+                  <a:hueOff val="0"/>
+                  <a:satOff val="0"/>
+                  <a:lumOff val="0"/>
+                  <a:alphaOff val="0"/>
+                </a:prstClr>
+              </a:solidFill>
+              <a:latin typeface="Arial" panose="020B0604020202020204" pitchFamily="34" charset="0"/>
+              <a:ea typeface="+mn-ea"/>
+              <a:cs typeface="+mn-cs"/>
+            </a:rPr>
+            <a:t>phép</a:t>
+          </a:r>
+          <a:r>
+            <a:rPr lang="en-US" sz="1600" b="0" i="0" kern="1200" dirty="0">
+              <a:solidFill>
+                <a:prstClr val="black">
+                  <a:hueOff val="0"/>
+                  <a:satOff val="0"/>
+                  <a:lumOff val="0"/>
+                  <a:alphaOff val="0"/>
+                </a:prstClr>
+              </a:solidFill>
+              <a:latin typeface="Arial" panose="020B0604020202020204" pitchFamily="34" charset="0"/>
+              <a:ea typeface="+mn-ea"/>
+              <a:cs typeface="+mn-cs"/>
+            </a:rPr>
+            <a:t> </a:t>
+          </a:r>
+          <a:r>
+            <a:rPr lang="en-US" sz="1600" b="0" i="0" kern="1200" dirty="0" err="1">
+              <a:solidFill>
+                <a:prstClr val="black">
+                  <a:hueOff val="0"/>
+                  <a:satOff val="0"/>
+                  <a:lumOff val="0"/>
+                  <a:alphaOff val="0"/>
+                </a:prstClr>
+              </a:solidFill>
+              <a:latin typeface="Arial" panose="020B0604020202020204" pitchFamily="34" charset="0"/>
+              <a:ea typeface="+mn-ea"/>
+              <a:cs typeface="+mn-cs"/>
+            </a:rPr>
+            <a:t>người</a:t>
+          </a:r>
+          <a:r>
+            <a:rPr lang="en-US" sz="1600" b="0" i="0" kern="1200" dirty="0">
+              <a:solidFill>
+                <a:prstClr val="black">
+                  <a:hueOff val="0"/>
+                  <a:satOff val="0"/>
+                  <a:lumOff val="0"/>
+                  <a:alphaOff val="0"/>
+                </a:prstClr>
+              </a:solidFill>
+              <a:latin typeface="Arial" panose="020B0604020202020204" pitchFamily="34" charset="0"/>
+              <a:ea typeface="+mn-ea"/>
+              <a:cs typeface="+mn-cs"/>
+            </a:rPr>
+            <a:t> </a:t>
+          </a:r>
+          <a:r>
+            <a:rPr lang="en-US" sz="1600" b="0" i="0" kern="1200" dirty="0" err="1">
+              <a:solidFill>
+                <a:prstClr val="black">
+                  <a:hueOff val="0"/>
+                  <a:satOff val="0"/>
+                  <a:lumOff val="0"/>
+                  <a:alphaOff val="0"/>
+                </a:prstClr>
+              </a:solidFill>
+              <a:latin typeface="Arial" panose="020B0604020202020204" pitchFamily="34" charset="0"/>
+              <a:ea typeface="+mn-ea"/>
+              <a:cs typeface="+mn-cs"/>
+            </a:rPr>
+            <a:t>dùng</a:t>
+          </a:r>
+          <a:r>
+            <a:rPr lang="en-US" sz="1600" b="0" i="0" kern="1200" dirty="0">
+              <a:solidFill>
+                <a:prstClr val="black">
+                  <a:hueOff val="0"/>
+                  <a:satOff val="0"/>
+                  <a:lumOff val="0"/>
+                  <a:alphaOff val="0"/>
+                </a:prstClr>
+              </a:solidFill>
+              <a:latin typeface="Arial" panose="020B0604020202020204" pitchFamily="34" charset="0"/>
+              <a:ea typeface="+mn-ea"/>
+              <a:cs typeface="+mn-cs"/>
+            </a:rPr>
+            <a:t> </a:t>
+          </a:r>
+          <a:r>
+            <a:rPr lang="en-US" sz="1600" b="0" i="0" kern="1200" dirty="0" err="1">
+              <a:solidFill>
+                <a:prstClr val="black">
+                  <a:hueOff val="0"/>
+                  <a:satOff val="0"/>
+                  <a:lumOff val="0"/>
+                  <a:alphaOff val="0"/>
+                </a:prstClr>
+              </a:solidFill>
+              <a:latin typeface="Arial" panose="020B0604020202020204" pitchFamily="34" charset="0"/>
+              <a:ea typeface="+mn-ea"/>
+              <a:cs typeface="+mn-cs"/>
+            </a:rPr>
+            <a:t>cài</a:t>
+          </a:r>
+          <a:r>
+            <a:rPr lang="en-US" sz="1600" b="0" i="0" kern="1200" dirty="0">
+              <a:solidFill>
+                <a:prstClr val="black">
+                  <a:hueOff val="0"/>
+                  <a:satOff val="0"/>
+                  <a:lumOff val="0"/>
+                  <a:alphaOff val="0"/>
+                </a:prstClr>
+              </a:solidFill>
+              <a:latin typeface="Arial" panose="020B0604020202020204" pitchFamily="34" charset="0"/>
+              <a:ea typeface="+mn-ea"/>
+              <a:cs typeface="+mn-cs"/>
+            </a:rPr>
+            <a:t> </a:t>
+          </a:r>
+          <a:r>
+            <a:rPr lang="en-US" sz="1600" b="0" i="0" kern="1200" dirty="0" err="1">
+              <a:solidFill>
+                <a:prstClr val="black">
+                  <a:hueOff val="0"/>
+                  <a:satOff val="0"/>
+                  <a:lumOff val="0"/>
+                  <a:alphaOff val="0"/>
+                </a:prstClr>
+              </a:solidFill>
+              <a:latin typeface="Arial" panose="020B0604020202020204" pitchFamily="34" charset="0"/>
+              <a:ea typeface="+mn-ea"/>
+              <a:cs typeface="+mn-cs"/>
+            </a:rPr>
+            <a:t>đặt</a:t>
+          </a:r>
+          <a:r>
+            <a:rPr lang="en-US" sz="1600" b="0" i="0" kern="1200" dirty="0">
+              <a:solidFill>
+                <a:prstClr val="black">
+                  <a:hueOff val="0"/>
+                  <a:satOff val="0"/>
+                  <a:lumOff val="0"/>
+                  <a:alphaOff val="0"/>
+                </a:prstClr>
+              </a:solidFill>
+              <a:latin typeface="Arial" panose="020B0604020202020204" pitchFamily="34" charset="0"/>
+              <a:ea typeface="+mn-ea"/>
+              <a:cs typeface="+mn-cs"/>
+            </a:rPr>
+            <a:t> ở </a:t>
+          </a:r>
+          <a:r>
+            <a:rPr lang="en-US" sz="1600" b="0" i="0" kern="1200" dirty="0" err="1">
+              <a:solidFill>
+                <a:prstClr val="black">
+                  <a:hueOff val="0"/>
+                  <a:satOff val="0"/>
+                  <a:lumOff val="0"/>
+                  <a:alphaOff val="0"/>
+                </a:prstClr>
+              </a:solidFill>
+              <a:latin typeface="Arial" panose="020B0604020202020204" pitchFamily="34" charset="0"/>
+              <a:ea typeface="+mn-ea"/>
+              <a:cs typeface="+mn-cs"/>
+            </a:rPr>
+            <a:t>chế</a:t>
+          </a:r>
+          <a:r>
+            <a:rPr lang="en-US" sz="1600" b="0" i="0" kern="1200" dirty="0">
+              <a:solidFill>
+                <a:prstClr val="black">
+                  <a:hueOff val="0"/>
+                  <a:satOff val="0"/>
+                  <a:lumOff val="0"/>
+                  <a:alphaOff val="0"/>
+                </a:prstClr>
+              </a:solidFill>
+              <a:latin typeface="Arial" panose="020B0604020202020204" pitchFamily="34" charset="0"/>
+              <a:ea typeface="+mn-ea"/>
+              <a:cs typeface="+mn-cs"/>
+            </a:rPr>
+            <a:t> </a:t>
+          </a:r>
+          <a:r>
+            <a:rPr lang="en-US" sz="1600" b="0" i="0" kern="1200" dirty="0" err="1">
+              <a:solidFill>
+                <a:prstClr val="black">
+                  <a:hueOff val="0"/>
+                  <a:satOff val="0"/>
+                  <a:lumOff val="0"/>
+                  <a:alphaOff val="0"/>
+                </a:prstClr>
+              </a:solidFill>
+              <a:latin typeface="Arial" panose="020B0604020202020204" pitchFamily="34" charset="0"/>
+              <a:ea typeface="+mn-ea"/>
+              <a:cs typeface="+mn-cs"/>
+            </a:rPr>
+            <a:t>độ</a:t>
+          </a:r>
+          <a:r>
+            <a:rPr lang="en-US" sz="1600" b="0" i="0" kern="1200" dirty="0">
+              <a:solidFill>
+                <a:prstClr val="black">
+                  <a:hueOff val="0"/>
+                  <a:satOff val="0"/>
+                  <a:lumOff val="0"/>
+                  <a:alphaOff val="0"/>
+                </a:prstClr>
+              </a:solidFill>
+              <a:latin typeface="Arial" panose="020B0604020202020204" pitchFamily="34" charset="0"/>
+              <a:ea typeface="+mn-ea"/>
+              <a:cs typeface="+mn-cs"/>
+            </a:rPr>
+            <a:t> public </a:t>
+          </a:r>
+          <a:r>
+            <a:rPr lang="en-US" sz="1600" b="0" i="0" kern="1200" dirty="0" err="1">
+              <a:solidFill>
+                <a:prstClr val="black">
+                  <a:hueOff val="0"/>
+                  <a:satOff val="0"/>
+                  <a:lumOff val="0"/>
+                  <a:alphaOff val="0"/>
+                </a:prstClr>
+              </a:solidFill>
+              <a:latin typeface="Arial" panose="020B0604020202020204" pitchFamily="34" charset="0"/>
+              <a:ea typeface="+mn-ea"/>
+              <a:cs typeface="+mn-cs"/>
+            </a:rPr>
+            <a:t>hoặc</a:t>
+          </a:r>
+          <a:r>
+            <a:rPr lang="en-US" sz="1600" b="0" i="0" kern="1200" dirty="0">
+              <a:solidFill>
+                <a:prstClr val="black">
+                  <a:hueOff val="0"/>
+                  <a:satOff val="0"/>
+                  <a:lumOff val="0"/>
+                  <a:alphaOff val="0"/>
+                </a:prstClr>
+              </a:solidFill>
+              <a:latin typeface="Arial" panose="020B0604020202020204" pitchFamily="34" charset="0"/>
+              <a:ea typeface="+mn-ea"/>
+              <a:cs typeface="+mn-cs"/>
+            </a:rPr>
+            <a:t> private, </a:t>
+          </a:r>
+          <a:r>
+            <a:rPr lang="en-US" sz="1600" b="0" i="0" kern="1200" dirty="0" err="1">
+              <a:solidFill>
+                <a:prstClr val="black">
+                  <a:hueOff val="0"/>
+                  <a:satOff val="0"/>
+                  <a:lumOff val="0"/>
+                  <a:alphaOff val="0"/>
+                </a:prstClr>
+              </a:solidFill>
+              <a:latin typeface="Arial" panose="020B0604020202020204" pitchFamily="34" charset="0"/>
+              <a:ea typeface="+mn-ea"/>
+              <a:cs typeface="+mn-cs"/>
+            </a:rPr>
+            <a:t>tạo</a:t>
+          </a:r>
+          <a:r>
+            <a:rPr lang="en-US" sz="1600" b="0" i="0" kern="1200" dirty="0">
+              <a:solidFill>
+                <a:prstClr val="black">
+                  <a:hueOff val="0"/>
+                  <a:satOff val="0"/>
+                  <a:lumOff val="0"/>
+                  <a:alphaOff val="0"/>
+                </a:prstClr>
+              </a:solidFill>
+              <a:latin typeface="Arial" panose="020B0604020202020204" pitchFamily="34" charset="0"/>
+              <a:ea typeface="+mn-ea"/>
+              <a:cs typeface="+mn-cs"/>
+            </a:rPr>
+            <a:t> </a:t>
+          </a:r>
+          <a:r>
+            <a:rPr lang="en-US" sz="1600" b="0" i="0" kern="1200" dirty="0" err="1">
+              <a:solidFill>
+                <a:prstClr val="black">
+                  <a:hueOff val="0"/>
+                  <a:satOff val="0"/>
+                  <a:lumOff val="0"/>
+                  <a:alphaOff val="0"/>
+                </a:prstClr>
+              </a:solidFill>
+              <a:latin typeface="Arial" panose="020B0604020202020204" pitchFamily="34" charset="0"/>
+              <a:ea typeface="+mn-ea"/>
+              <a:cs typeface="+mn-cs"/>
+            </a:rPr>
+            <a:t>các</a:t>
+          </a:r>
+          <a:r>
+            <a:rPr lang="en-US" sz="1600" b="0" i="0" kern="1200" dirty="0">
+              <a:solidFill>
+                <a:prstClr val="black">
+                  <a:hueOff val="0"/>
+                  <a:satOff val="0"/>
+                  <a:lumOff val="0"/>
+                  <a:alphaOff val="0"/>
+                </a:prstClr>
+              </a:solidFill>
+              <a:latin typeface="Arial" panose="020B0604020202020204" pitchFamily="34" charset="0"/>
+              <a:ea typeface="+mn-ea"/>
+              <a:cs typeface="+mn-cs"/>
+            </a:rPr>
+            <a:t> </a:t>
+          </a:r>
+          <a:r>
+            <a:rPr lang="en-US" sz="1600" b="0" i="0" kern="1200" dirty="0" err="1">
+              <a:solidFill>
+                <a:prstClr val="black">
+                  <a:hueOff val="0"/>
+                  <a:satOff val="0"/>
+                  <a:lumOff val="0"/>
+                  <a:alphaOff val="0"/>
+                </a:prstClr>
+              </a:solidFill>
+              <a:latin typeface="Arial" panose="020B0604020202020204" pitchFamily="34" charset="0"/>
+              <a:ea typeface="+mn-ea"/>
+              <a:cs typeface="+mn-cs"/>
+            </a:rPr>
+            <a:t>nhóm</a:t>
+          </a:r>
+          <a:r>
+            <a:rPr lang="en-US" sz="1600" b="0" i="0" kern="1200" dirty="0">
+              <a:solidFill>
+                <a:prstClr val="black">
+                  <a:hueOff val="0"/>
+                  <a:satOff val="0"/>
+                  <a:lumOff val="0"/>
+                  <a:alphaOff val="0"/>
+                </a:prstClr>
+              </a:solidFill>
+              <a:latin typeface="Arial" panose="020B0604020202020204" pitchFamily="34" charset="0"/>
+              <a:ea typeface="+mn-ea"/>
+              <a:cs typeface="+mn-cs"/>
+            </a:rPr>
+            <a:t> </a:t>
+          </a:r>
+          <a:r>
+            <a:rPr lang="en-US" sz="1600" b="0" i="0" kern="1200" dirty="0" err="1">
+              <a:solidFill>
+                <a:prstClr val="black">
+                  <a:hueOff val="0"/>
+                  <a:satOff val="0"/>
+                  <a:lumOff val="0"/>
+                  <a:alphaOff val="0"/>
+                </a:prstClr>
+              </a:solidFill>
+              <a:latin typeface="Arial" panose="020B0604020202020204" pitchFamily="34" charset="0"/>
+              <a:ea typeface="+mn-ea"/>
+              <a:cs typeface="+mn-cs"/>
+            </a:rPr>
+            <a:t>và</a:t>
+          </a:r>
+          <a:r>
+            <a:rPr lang="en-US" sz="1600" b="0" i="0" kern="1200" dirty="0">
+              <a:solidFill>
+                <a:prstClr val="black">
+                  <a:hueOff val="0"/>
+                  <a:satOff val="0"/>
+                  <a:lumOff val="0"/>
+                  <a:alphaOff val="0"/>
+                </a:prstClr>
+              </a:solidFill>
+              <a:latin typeface="Arial" panose="020B0604020202020204" pitchFamily="34" charset="0"/>
+              <a:ea typeface="+mn-ea"/>
+              <a:cs typeface="+mn-cs"/>
+            </a:rPr>
+            <a:t> </a:t>
+          </a:r>
+          <a:r>
+            <a:rPr lang="en-US" sz="1600" b="0" i="0" kern="1200" dirty="0" err="1">
+              <a:solidFill>
+                <a:prstClr val="black">
+                  <a:hueOff val="0"/>
+                  <a:satOff val="0"/>
+                  <a:lumOff val="0"/>
+                  <a:alphaOff val="0"/>
+                </a:prstClr>
+              </a:solidFill>
+              <a:latin typeface="Arial" panose="020B0604020202020204" pitchFamily="34" charset="0"/>
+              <a:ea typeface="+mn-ea"/>
+              <a:cs typeface="+mn-cs"/>
+            </a:rPr>
+            <a:t>phân</a:t>
+          </a:r>
+          <a:r>
+            <a:rPr lang="en-US" sz="1600" b="0" i="0" kern="1200" dirty="0">
+              <a:solidFill>
+                <a:prstClr val="black">
+                  <a:hueOff val="0"/>
+                  <a:satOff val="0"/>
+                  <a:lumOff val="0"/>
+                  <a:alphaOff val="0"/>
+                </a:prstClr>
+              </a:solidFill>
+              <a:latin typeface="Arial" panose="020B0604020202020204" pitchFamily="34" charset="0"/>
+              <a:ea typeface="+mn-ea"/>
+              <a:cs typeface="+mn-cs"/>
+            </a:rPr>
+            <a:t> </a:t>
+          </a:r>
+          <a:r>
+            <a:rPr lang="en-US" sz="1600" b="0" i="0" kern="1200" dirty="0" err="1">
+              <a:solidFill>
+                <a:prstClr val="black">
+                  <a:hueOff val="0"/>
+                  <a:satOff val="0"/>
+                  <a:lumOff val="0"/>
+                  <a:alphaOff val="0"/>
+                </a:prstClr>
+              </a:solidFill>
+              <a:latin typeface="Arial" panose="020B0604020202020204" pitchFamily="34" charset="0"/>
+              <a:ea typeface="+mn-ea"/>
+              <a:cs typeface="+mn-cs"/>
+            </a:rPr>
+            <a:t>quyền</a:t>
+          </a:r>
+          <a:r>
+            <a:rPr lang="en-US" sz="1600" b="0" i="0" kern="1200" dirty="0">
+              <a:solidFill>
+                <a:prstClr val="black">
+                  <a:hueOff val="0"/>
+                  <a:satOff val="0"/>
+                  <a:lumOff val="0"/>
+                  <a:alphaOff val="0"/>
+                </a:prstClr>
+              </a:solidFill>
+              <a:latin typeface="Arial" panose="020B0604020202020204" pitchFamily="34" charset="0"/>
+              <a:ea typeface="+mn-ea"/>
+              <a:cs typeface="+mn-cs"/>
+            </a:rPr>
+            <a:t> </a:t>
+          </a:r>
+          <a:r>
+            <a:rPr lang="en-US" sz="1600" b="0" i="0" kern="1200" dirty="0" err="1">
+              <a:solidFill>
+                <a:prstClr val="black">
+                  <a:hueOff val="0"/>
+                  <a:satOff val="0"/>
+                  <a:lumOff val="0"/>
+                  <a:alphaOff val="0"/>
+                </a:prstClr>
+              </a:solidFill>
+              <a:latin typeface="Arial" panose="020B0604020202020204" pitchFamily="34" charset="0"/>
+              <a:ea typeface="+mn-ea"/>
+              <a:cs typeface="+mn-cs"/>
+            </a:rPr>
+            <a:t>cho</a:t>
+          </a:r>
+          <a:r>
+            <a:rPr lang="en-US" sz="1600" b="0" i="0" kern="1200" dirty="0">
+              <a:solidFill>
+                <a:prstClr val="black">
+                  <a:hueOff val="0"/>
+                  <a:satOff val="0"/>
+                  <a:lumOff val="0"/>
+                  <a:alphaOff val="0"/>
+                </a:prstClr>
+              </a:solidFill>
+              <a:latin typeface="Arial" panose="020B0604020202020204" pitchFamily="34" charset="0"/>
+              <a:ea typeface="+mn-ea"/>
+              <a:cs typeface="+mn-cs"/>
+            </a:rPr>
+            <a:t> </a:t>
+          </a:r>
+          <a:r>
+            <a:rPr lang="en-US" sz="1600" b="0" i="0" kern="1200" dirty="0" err="1">
+              <a:solidFill>
+                <a:prstClr val="black">
+                  <a:hueOff val="0"/>
+                  <a:satOff val="0"/>
+                  <a:lumOff val="0"/>
+                  <a:alphaOff val="0"/>
+                </a:prstClr>
+              </a:solidFill>
+              <a:latin typeface="Arial" panose="020B0604020202020204" pitchFamily="34" charset="0"/>
+              <a:ea typeface="+mn-ea"/>
+              <a:cs typeface="+mn-cs"/>
+            </a:rPr>
+            <a:t>các</a:t>
+          </a:r>
+          <a:r>
+            <a:rPr lang="en-US" sz="1600" b="0" i="0" kern="1200" dirty="0">
+              <a:solidFill>
+                <a:prstClr val="black">
+                  <a:hueOff val="0"/>
+                  <a:satOff val="0"/>
+                  <a:lumOff val="0"/>
+                  <a:alphaOff val="0"/>
+                </a:prstClr>
+              </a:solidFill>
+              <a:latin typeface="Arial" panose="020B0604020202020204" pitchFamily="34" charset="0"/>
+              <a:ea typeface="+mn-ea"/>
+              <a:cs typeface="+mn-cs"/>
+            </a:rPr>
+            <a:t> </a:t>
+          </a:r>
+          <a:r>
+            <a:rPr lang="en-US" sz="1600" b="0" i="0" kern="1200" dirty="0" err="1">
+              <a:solidFill>
+                <a:prstClr val="black">
+                  <a:hueOff val="0"/>
+                  <a:satOff val="0"/>
+                  <a:lumOff val="0"/>
+                  <a:alphaOff val="0"/>
+                </a:prstClr>
+              </a:solidFill>
+              <a:latin typeface="Arial" panose="020B0604020202020204" pitchFamily="34" charset="0"/>
+              <a:ea typeface="+mn-ea"/>
+              <a:cs typeface="+mn-cs"/>
+            </a:rPr>
+            <a:t>thành</a:t>
+          </a:r>
+          <a:r>
+            <a:rPr lang="en-US" sz="1600" b="0" i="0" kern="1200" dirty="0">
+              <a:solidFill>
+                <a:prstClr val="black">
+                  <a:hueOff val="0"/>
+                  <a:satOff val="0"/>
+                  <a:lumOff val="0"/>
+                  <a:alphaOff val="0"/>
+                </a:prstClr>
+              </a:solidFill>
+              <a:latin typeface="Arial" panose="020B0604020202020204" pitchFamily="34" charset="0"/>
+              <a:ea typeface="+mn-ea"/>
+              <a:cs typeface="+mn-cs"/>
+            </a:rPr>
+            <a:t> </a:t>
+          </a:r>
+          <a:r>
+            <a:rPr lang="en-US" sz="1600" b="0" i="0" kern="1200" dirty="0" err="1">
+              <a:solidFill>
+                <a:prstClr val="black">
+                  <a:hueOff val="0"/>
+                  <a:satOff val="0"/>
+                  <a:lumOff val="0"/>
+                  <a:alphaOff val="0"/>
+                </a:prstClr>
+              </a:solidFill>
+              <a:latin typeface="Arial" panose="020B0604020202020204" pitchFamily="34" charset="0"/>
+              <a:ea typeface="+mn-ea"/>
+              <a:cs typeface="+mn-cs"/>
+            </a:rPr>
+            <a:t>viên</a:t>
+          </a:r>
+          <a:r>
+            <a:rPr lang="en-US" sz="1600" b="0" i="0" kern="1200" dirty="0">
+              <a:solidFill>
+                <a:prstClr val="black">
+                  <a:hueOff val="0"/>
+                  <a:satOff val="0"/>
+                  <a:lumOff val="0"/>
+                  <a:alphaOff val="0"/>
+                </a:prstClr>
+              </a:solidFill>
+              <a:latin typeface="Arial" panose="020B0604020202020204" pitchFamily="34" charset="0"/>
+              <a:ea typeface="+mn-ea"/>
+              <a:cs typeface="+mn-cs"/>
+            </a:rPr>
+            <a:t> </a:t>
+          </a:r>
+          <a:r>
+            <a:rPr lang="en-US" sz="1600" b="0" i="0" kern="1200" dirty="0" err="1">
+              <a:solidFill>
+                <a:prstClr val="black">
+                  <a:hueOff val="0"/>
+                  <a:satOff val="0"/>
+                  <a:lumOff val="0"/>
+                  <a:alphaOff val="0"/>
+                </a:prstClr>
+              </a:solidFill>
+              <a:latin typeface="Arial" panose="020B0604020202020204" pitchFamily="34" charset="0"/>
+              <a:ea typeface="+mn-ea"/>
+              <a:cs typeface="+mn-cs"/>
+            </a:rPr>
+            <a:t>và</a:t>
+          </a:r>
+          <a:r>
+            <a:rPr lang="en-US" sz="1600" b="0" i="0" kern="1200" dirty="0">
+              <a:solidFill>
+                <a:prstClr val="black">
+                  <a:hueOff val="0"/>
+                  <a:satOff val="0"/>
+                  <a:lumOff val="0"/>
+                  <a:alphaOff val="0"/>
+                </a:prstClr>
+              </a:solidFill>
+              <a:latin typeface="Arial" panose="020B0604020202020204" pitchFamily="34" charset="0"/>
+              <a:ea typeface="+mn-ea"/>
+              <a:cs typeface="+mn-cs"/>
+            </a:rPr>
+            <a:t> </a:t>
+          </a:r>
+          <a:r>
+            <a:rPr lang="en-US" sz="1600" b="0" i="0" kern="1200" dirty="0" err="1">
+              <a:solidFill>
+                <a:prstClr val="black">
+                  <a:hueOff val="0"/>
+                  <a:satOff val="0"/>
+                  <a:lumOff val="0"/>
+                  <a:alphaOff val="0"/>
+                </a:prstClr>
+              </a:solidFill>
+              <a:latin typeface="Arial" panose="020B0604020202020204" pitchFamily="34" charset="0"/>
+              <a:ea typeface="+mn-ea"/>
+              <a:cs typeface="+mn-cs"/>
+            </a:rPr>
+            <a:t>lịch</a:t>
+          </a:r>
+          <a:r>
+            <a:rPr lang="en-US" sz="1600" b="0" i="0" kern="1200" dirty="0">
+              <a:solidFill>
+                <a:prstClr val="black">
+                  <a:hueOff val="0"/>
+                  <a:satOff val="0"/>
+                  <a:lumOff val="0"/>
+                  <a:alphaOff val="0"/>
+                </a:prstClr>
+              </a:solidFill>
+              <a:latin typeface="Arial" panose="020B0604020202020204" pitchFamily="34" charset="0"/>
+              <a:ea typeface="+mn-ea"/>
+              <a:cs typeface="+mn-cs"/>
+            </a:rPr>
+            <a:t> </a:t>
+          </a:r>
+          <a:r>
+            <a:rPr lang="en-US" sz="1600" b="0" i="0" kern="1200" dirty="0" err="1">
+              <a:solidFill>
+                <a:prstClr val="black">
+                  <a:hueOff val="0"/>
+                  <a:satOff val="0"/>
+                  <a:lumOff val="0"/>
+                  <a:alphaOff val="0"/>
+                </a:prstClr>
+              </a:solidFill>
+              <a:latin typeface="Arial" panose="020B0604020202020204" pitchFamily="34" charset="0"/>
+              <a:ea typeface="+mn-ea"/>
+              <a:cs typeface="+mn-cs"/>
+            </a:rPr>
+            <a:t>sử</a:t>
+          </a:r>
+          <a:r>
+            <a:rPr lang="en-US" sz="1600" b="0" i="0" kern="1200" dirty="0">
+              <a:solidFill>
+                <a:prstClr val="black">
+                  <a:hueOff val="0"/>
+                  <a:satOff val="0"/>
+                  <a:lumOff val="0"/>
+                  <a:alphaOff val="0"/>
+                </a:prstClr>
+              </a:solidFill>
+              <a:latin typeface="Arial" panose="020B0604020202020204" pitchFamily="34" charset="0"/>
+              <a:ea typeface="+mn-ea"/>
+              <a:cs typeface="+mn-cs"/>
+            </a:rPr>
+            <a:t> </a:t>
+          </a:r>
+          <a:r>
+            <a:rPr lang="en-US" sz="1600" b="0" i="0" kern="1200" dirty="0" err="1">
+              <a:solidFill>
+                <a:prstClr val="black">
+                  <a:hueOff val="0"/>
+                  <a:satOff val="0"/>
+                  <a:lumOff val="0"/>
+                  <a:alphaOff val="0"/>
+                </a:prstClr>
+              </a:solidFill>
+              <a:latin typeface="Arial" panose="020B0604020202020204" pitchFamily="34" charset="0"/>
+              <a:ea typeface="+mn-ea"/>
+              <a:cs typeface="+mn-cs"/>
+            </a:rPr>
+            <a:t>trong</a:t>
+          </a:r>
+          <a:r>
+            <a:rPr lang="en-US" sz="1600" b="0" i="0" kern="1200" dirty="0">
+              <a:solidFill>
+                <a:prstClr val="black">
+                  <a:hueOff val="0"/>
+                  <a:satOff val="0"/>
+                  <a:lumOff val="0"/>
+                  <a:alphaOff val="0"/>
+                </a:prstClr>
+              </a:solidFill>
+              <a:latin typeface="Arial" panose="020B0604020202020204" pitchFamily="34" charset="0"/>
+              <a:ea typeface="+mn-ea"/>
+              <a:cs typeface="+mn-cs"/>
+            </a:rPr>
+            <a:t> </a:t>
+          </a:r>
+          <a:r>
+            <a:rPr lang="en-US" sz="1600" b="0" i="0" kern="1200" dirty="0" err="1">
+              <a:solidFill>
+                <a:prstClr val="black">
+                  <a:hueOff val="0"/>
+                  <a:satOff val="0"/>
+                  <a:lumOff val="0"/>
+                  <a:alphaOff val="0"/>
+                </a:prstClr>
+              </a:solidFill>
+              <a:latin typeface="Arial" panose="020B0604020202020204" pitchFamily="34" charset="0"/>
+              <a:ea typeface="+mn-ea"/>
+              <a:cs typeface="+mn-cs"/>
+            </a:rPr>
+            <a:t>đó</a:t>
+          </a:r>
+          <a:r>
+            <a:rPr lang="en-US" sz="1600" b="0" i="0" kern="1200" dirty="0">
+              <a:solidFill>
+                <a:prstClr val="black">
+                  <a:hueOff val="0"/>
+                  <a:satOff val="0"/>
+                  <a:lumOff val="0"/>
+                  <a:alphaOff val="0"/>
+                </a:prstClr>
+              </a:solidFill>
+              <a:latin typeface="Arial" panose="020B0604020202020204" pitchFamily="34" charset="0"/>
+              <a:ea typeface="+mn-ea"/>
+              <a:cs typeface="+mn-cs"/>
+            </a:rPr>
+            <a:t>.</a:t>
+          </a:r>
         </a:p>
       </dsp:txBody>
       <dsp:txXfrm>
-        <a:off x="2138238" y="1981489"/>
-        <a:ext cx="8552952" cy="933660"/>
+        <a:off x="2138238" y="1647953"/>
+        <a:ext cx="8552952" cy="777054"/>
       </dsp:txXfrm>
     </dsp:sp>
-    <dsp:sp modelId="{9873EA7E-2D3D-4F71-9CD9-20C470A4DAEA}">
+    <dsp:sp modelId="{C29AB81A-CF0E-4AB0-B892-A2068700D9FA}">
       <dsp:nvSpPr>
         <dsp:cNvPr id="0" name=""/>
         <dsp:cNvSpPr/>
       </dsp:nvSpPr>
       <dsp:spPr>
         <a:xfrm>
-          <a:off x="0" y="1981489"/>
-          <a:ext cx="2138238" cy="933660"/>
+          <a:off x="0" y="1647953"/>
+          <a:ext cx="2138238" cy="777054"/>
         </a:xfrm>
         <a:prstGeom prst="rect">
           <a:avLst/>
         </a:prstGeom>
         <a:solidFill>
           <a:schemeClr val="accent2">
-            <a:hueOff val="3221807"/>
-            <a:satOff val="-9246"/>
-            <a:lumOff val="-14805"/>
+            <a:hueOff val="2577445"/>
+            <a:satOff val="-7397"/>
+            <a:lumOff val="-11844"/>
             <a:alphaOff val="0"/>
           </a:schemeClr>
         </a:solidFill>
         <a:ln w="19050" cap="flat" cmpd="sng" algn="ctr">
           <a:solidFill>
             <a:schemeClr val="accent2">
-              <a:hueOff val="3221807"/>
-              <a:satOff val="-9246"/>
-              <a:lumOff val="-14805"/>
+              <a:hueOff val="2577445"/>
+              <a:satOff val="-7397"/>
+              <a:lumOff val="-11844"/>
               <a:alphaOff val="0"/>
             </a:schemeClr>
           </a:solidFill>
@@ -9325,12 +10762,12 @@
         </a:fontRef>
       </dsp:style>
       <dsp:txBody>
-        <a:bodyPr spcFirstLastPara="0" vert="horz" wrap="square" lIns="113148" tIns="92225" rIns="113148" bIns="92225" numCol="1" spcCol="1270" anchor="ctr" anchorCtr="0">
+        <a:bodyPr spcFirstLastPara="0" vert="horz" wrap="square" lIns="113148" tIns="76756" rIns="113148" bIns="76756" numCol="1" spcCol="1270" anchor="ctr" anchorCtr="0">
           <a:noAutofit/>
         </a:bodyPr>
         <a:lstStyle/>
         <a:p>
-          <a:pPr marL="0" lvl="0" indent="0" algn="ctr" defTabSz="977900">
+          <a:pPr marL="0" lvl="0" indent="0" algn="ctr" defTabSz="800100">
             <a:lnSpc>
               <a:spcPct val="90000"/>
             </a:lnSpc>
@@ -9343,45 +10780,65 @@
             <a:buNone/>
           </a:pPr>
           <a:r>
-            <a:rPr lang="vi-VN" sz="2200" b="1" i="0" kern="1200"/>
-            <a:t>Tìm Kiếm và </a:t>
+            <a:rPr lang="en-US" sz="1800" b="1" i="0" kern="1200" dirty="0" err="1">
+              <a:solidFill>
+                <a:prstClr val="white"/>
+              </a:solidFill>
+              <a:latin typeface="Arial" panose="020B0604020202020204" pitchFamily="34" charset="0"/>
+              <a:ea typeface="+mn-ea"/>
+              <a:cs typeface="+mn-cs"/>
+            </a:rPr>
+            <a:t>Phân</a:t>
           </a:r>
-          <a:endParaRPr lang="en-US" sz="2200" b="1" i="0" kern="1200"/>
-        </a:p>
-        <a:p>
-          <a:pPr marL="0" lvl="0" indent="0" algn="ctr" defTabSz="977900">
-            <a:lnSpc>
-              <a:spcPct val="90000"/>
-            </a:lnSpc>
-            <a:spcBef>
-              <a:spcPct val="0"/>
-            </a:spcBef>
-            <a:spcAft>
-              <a:spcPct val="35000"/>
-            </a:spcAft>
-            <a:buNone/>
-          </a:pPr>
           <a:r>
-            <a:rPr lang="vi-VN" sz="2200" b="1" i="0" kern="1200"/>
-            <a:t>Khám Phá:</a:t>
+            <a:rPr lang="en-US" sz="1800" b="1" i="0" kern="1200" dirty="0">
+              <a:solidFill>
+                <a:prstClr val="white"/>
+              </a:solidFill>
+              <a:latin typeface="Arial" panose="020B0604020202020204" pitchFamily="34" charset="0"/>
+              <a:ea typeface="+mn-ea"/>
+              <a:cs typeface="+mn-cs"/>
+            </a:rPr>
+            <a:t> </a:t>
           </a:r>
-          <a:endParaRPr lang="en-US" sz="2200" kern="1200"/>
+          <a:r>
+            <a:rPr lang="en-US" sz="1800" b="1" i="0" kern="1200" dirty="0" err="1">
+              <a:solidFill>
+                <a:prstClr val="white"/>
+              </a:solidFill>
+              <a:latin typeface="Arial" panose="020B0604020202020204" pitchFamily="34" charset="0"/>
+              <a:ea typeface="+mn-ea"/>
+              <a:cs typeface="+mn-cs"/>
+            </a:rPr>
+            <a:t>Quyền</a:t>
+          </a:r>
+          <a:r>
+            <a:rPr lang="en-US" sz="1800" b="1" i="0" kern="1200" dirty="0">
+              <a:solidFill>
+                <a:prstClr val="white"/>
+              </a:solidFill>
+              <a:latin typeface="Arial" panose="020B0604020202020204" pitchFamily="34" charset="0"/>
+              <a:ea typeface="+mn-ea"/>
+              <a:cs typeface="+mn-cs"/>
+            </a:rPr>
+            <a:t>:</a:t>
+          </a:r>
         </a:p>
       </dsp:txBody>
       <dsp:txXfrm>
-        <a:off x="0" y="1981489"/>
-        <a:ext cx="2138238" cy="933660"/>
+        <a:off x="0" y="1647953"/>
+        <a:ext cx="2138238" cy="777054"/>
       </dsp:txXfrm>
     </dsp:sp>
-    <dsp:sp modelId="{8FDE6626-9F72-4045-AA10-39EA4CD0FA90}">
+    <dsp:sp modelId="{08BA028B-C671-4394-B48E-FB11B2363700}">
       <dsp:nvSpPr>
         <dsp:cNvPr id="0" name=""/>
         <dsp:cNvSpPr/>
       </dsp:nvSpPr>
       <dsp:spPr>
         <a:xfrm>
-          <a:off x="2138238" y="2971169"/>
-          <a:ext cx="8552952" cy="933660"/>
+          <a:off x="2138238" y="2471631"/>
+          <a:ext cx="8552952" cy="777054"/>
         </a:xfrm>
         <a:prstGeom prst="rect">
           <a:avLst/>
@@ -9390,9 +10847,9 @@
           <a:schemeClr val="accent2">
             <a:tint val="40000"/>
             <a:alpha val="90000"/>
-            <a:hueOff val="5051039"/>
-            <a:satOff val="-46674"/>
-            <a:lumOff val="-5261"/>
+            <a:hueOff val="4040831"/>
+            <a:satOff val="-37339"/>
+            <a:lumOff val="-4209"/>
             <a:alphaOff val="0"/>
           </a:schemeClr>
         </a:solidFill>
@@ -9401,9 +10858,9 @@
             <a:schemeClr val="accent2">
               <a:tint val="40000"/>
               <a:alpha val="90000"/>
-              <a:hueOff val="5051039"/>
-              <a:satOff val="-46674"/>
-              <a:lumOff val="-5261"/>
+              <a:hueOff val="4040831"/>
+              <a:satOff val="-37339"/>
+              <a:lumOff val="-4209"/>
               <a:alphaOff val="0"/>
             </a:schemeClr>
           </a:solidFill>
@@ -9425,14 +10882,14 @@
         <a:fontRef idx="minor"/>
       </dsp:style>
       <dsp:txBody>
-        <a:bodyPr spcFirstLastPara="0" vert="horz" wrap="square" lIns="165951" tIns="237150" rIns="165951" bIns="237150" numCol="1" spcCol="1270" anchor="ctr" anchorCtr="0">
+        <a:bodyPr spcFirstLastPara="0" vert="horz" wrap="square" lIns="165951" tIns="197372" rIns="165951" bIns="197372" numCol="1" spcCol="1270" anchor="ctr" anchorCtr="0">
           <a:noAutofit/>
         </a:bodyPr>
         <a:lstStyle/>
         <a:p>
           <a:pPr marL="0" lvl="0" indent="0" algn="l" defTabSz="711200">
             <a:lnSpc>
-              <a:spcPct val="90000"/>
+              <a:spcPct val="100000"/>
             </a:lnSpc>
             <a:spcBef>
               <a:spcPct val="0"/>
@@ -9443,63 +10900,44 @@
             <a:buNone/>
           </a:pPr>
           <a:r>
-            <a:rPr lang="vi-VN" sz="1600" b="0" i="0" kern="1200"/>
-            <a:t>Cho phép người dùng chia sẻ bộ câu hỏi của mình với người khác thông qua liên kết hoặc mạng xã hội.</a:t>
+            <a:rPr lang="vi-VN" sz="1600" b="0" i="0" kern="1200" dirty="0"/>
+            <a:t>Cung cấp chức năng tìm kiếm và khám phá các bộ câu hỏi được chia sẻ bởi cộng đồng người dùng.</a:t>
           </a:r>
-          <a:endParaRPr lang="en-US" sz="1600" kern="1200"/>
-        </a:p>
-        <a:p>
-          <a:pPr marL="0" lvl="0" indent="0" algn="l" defTabSz="711200">
-            <a:lnSpc>
-              <a:spcPct val="90000"/>
-            </a:lnSpc>
-            <a:spcBef>
-              <a:spcPct val="0"/>
-            </a:spcBef>
-            <a:spcAft>
-              <a:spcPct val="35000"/>
-            </a:spcAft>
-            <a:buNone/>
-          </a:pPr>
-          <a:r>
-            <a:rPr lang="vi-VN" sz="1600" b="0" i="0" kern="1200"/>
-            <a:t>Hỗ trợ việc đánh giá và phản hồi từ người dùng khác.</a:t>
-          </a:r>
-          <a:endParaRPr lang="en-US" sz="1600" kern="1200"/>
+          <a:endParaRPr lang="en-US" sz="1600" kern="1200" dirty="0"/>
         </a:p>
       </dsp:txBody>
       <dsp:txXfrm>
-        <a:off x="2138238" y="2971169"/>
-        <a:ext cx="8552952" cy="933660"/>
+        <a:off x="2138238" y="2471631"/>
+        <a:ext cx="8552952" cy="777054"/>
       </dsp:txXfrm>
     </dsp:sp>
-    <dsp:sp modelId="{60727E21-3A1C-40F6-B453-09F748BD647B}">
+    <dsp:sp modelId="{9873EA7E-2D3D-4F71-9CD9-20C470A4DAEA}">
       <dsp:nvSpPr>
         <dsp:cNvPr id="0" name=""/>
         <dsp:cNvSpPr/>
       </dsp:nvSpPr>
       <dsp:spPr>
         <a:xfrm>
-          <a:off x="0" y="2971169"/>
-          <a:ext cx="2138238" cy="933660"/>
+          <a:off x="0" y="2471631"/>
+          <a:ext cx="2138238" cy="777054"/>
         </a:xfrm>
         <a:prstGeom prst="rect">
           <a:avLst/>
         </a:prstGeom>
         <a:solidFill>
           <a:schemeClr val="accent2">
-            <a:hueOff val="4832710"/>
-            <a:satOff val="-13870"/>
-            <a:lumOff val="-22207"/>
+            <a:hueOff val="3866169"/>
+            <a:satOff val="-11096"/>
+            <a:lumOff val="-17765"/>
             <a:alphaOff val="0"/>
           </a:schemeClr>
         </a:solidFill>
         <a:ln w="19050" cap="flat" cmpd="sng" algn="ctr">
           <a:solidFill>
             <a:schemeClr val="accent2">
-              <a:hueOff val="4832710"/>
-              <a:satOff val="-13870"/>
-              <a:lumOff val="-22207"/>
+              <a:hueOff val="3866169"/>
+              <a:satOff val="-11096"/>
+              <a:lumOff val="-17765"/>
               <a:alphaOff val="0"/>
             </a:schemeClr>
           </a:solidFill>
@@ -9523,12 +10961,12 @@
         </a:fontRef>
       </dsp:style>
       <dsp:txBody>
-        <a:bodyPr spcFirstLastPara="0" vert="horz" wrap="square" lIns="113148" tIns="92225" rIns="113148" bIns="92225" numCol="1" spcCol="1270" anchor="ctr" anchorCtr="0">
+        <a:bodyPr spcFirstLastPara="0" vert="horz" wrap="square" lIns="113148" tIns="76756" rIns="113148" bIns="76756" numCol="1" spcCol="1270" anchor="ctr" anchorCtr="0">
           <a:noAutofit/>
         </a:bodyPr>
         <a:lstStyle/>
         <a:p>
-          <a:pPr marL="0" lvl="0" indent="0" algn="ctr" defTabSz="977900">
+          <a:pPr marL="0" lvl="0" indent="0" algn="ctr" defTabSz="800100">
             <a:lnSpc>
               <a:spcPct val="90000"/>
             </a:lnSpc>
@@ -9541,13 +10979,13 @@
             <a:buNone/>
           </a:pPr>
           <a:r>
-            <a:rPr lang="vi-VN" sz="2200" b="1" i="0" kern="1200"/>
-            <a:t>Chia Sẻ và </a:t>
+            <a:rPr lang="vi-VN" sz="1800" b="1" i="0" kern="1200" dirty="0"/>
+            <a:t>Tìm Kiếm và </a:t>
           </a:r>
-          <a:endParaRPr lang="en-US" sz="2200" b="1" i="0" kern="1200"/>
+          <a:endParaRPr lang="en-US" sz="1800" b="1" i="0" kern="1200" dirty="0"/>
         </a:p>
         <a:p>
-          <a:pPr marL="0" lvl="0" indent="0" algn="ctr" defTabSz="977900">
+          <a:pPr marL="0" lvl="0" indent="0" algn="ctr" defTabSz="800100">
             <a:lnSpc>
               <a:spcPct val="90000"/>
             </a:lnSpc>
@@ -9560,15 +10998,213 @@
             <a:buNone/>
           </a:pPr>
           <a:r>
-            <a:rPr lang="vi-VN" sz="2200" b="1" i="0" kern="1200"/>
-            <a:t>Tương Tác:</a:t>
+            <a:rPr lang="vi-VN" sz="1800" b="1" i="0" kern="1200" dirty="0"/>
+            <a:t>Khám Phá:</a:t>
           </a:r>
-          <a:endParaRPr lang="en-US" sz="2200" kern="1200"/>
+          <a:endParaRPr lang="en-US" sz="1800" kern="1200" dirty="0"/>
         </a:p>
       </dsp:txBody>
       <dsp:txXfrm>
-        <a:off x="0" y="2971169"/>
-        <a:ext cx="2138238" cy="933660"/>
+        <a:off x="0" y="2471631"/>
+        <a:ext cx="2138238" cy="777054"/>
+      </dsp:txXfrm>
+    </dsp:sp>
+    <dsp:sp modelId="{8FDE6626-9F72-4045-AA10-39EA4CD0FA90}">
+      <dsp:nvSpPr>
+        <dsp:cNvPr id="0" name=""/>
+        <dsp:cNvSpPr/>
+      </dsp:nvSpPr>
+      <dsp:spPr>
+        <a:xfrm>
+          <a:off x="2138238" y="3295308"/>
+          <a:ext cx="8552952" cy="777054"/>
+        </a:xfrm>
+        <a:prstGeom prst="rect">
+          <a:avLst/>
+        </a:prstGeom>
+        <a:solidFill>
+          <a:schemeClr val="accent2">
+            <a:tint val="40000"/>
+            <a:alpha val="90000"/>
+            <a:hueOff val="5387775"/>
+            <a:satOff val="-49786"/>
+            <a:lumOff val="-5612"/>
+            <a:alphaOff val="0"/>
+          </a:schemeClr>
+        </a:solidFill>
+        <a:ln w="19050" cap="flat" cmpd="sng" algn="ctr">
+          <a:solidFill>
+            <a:schemeClr val="accent2">
+              <a:tint val="40000"/>
+              <a:alpha val="90000"/>
+              <a:hueOff val="5387775"/>
+              <a:satOff val="-49786"/>
+              <a:lumOff val="-5612"/>
+              <a:alphaOff val="0"/>
+            </a:schemeClr>
+          </a:solidFill>
+          <a:prstDash val="solid"/>
+          <a:miter lim="800000"/>
+        </a:ln>
+        <a:effectLst/>
+      </dsp:spPr>
+      <dsp:style>
+        <a:lnRef idx="2">
+          <a:scrgbClr r="0" g="0" b="0"/>
+        </a:lnRef>
+        <a:fillRef idx="1">
+          <a:scrgbClr r="0" g="0" b="0"/>
+        </a:fillRef>
+        <a:effectRef idx="0">
+          <a:scrgbClr r="0" g="0" b="0"/>
+        </a:effectRef>
+        <a:fontRef idx="minor"/>
+      </dsp:style>
+      <dsp:txBody>
+        <a:bodyPr spcFirstLastPara="0" vert="horz" wrap="square" lIns="165951" tIns="197372" rIns="165951" bIns="197372" numCol="1" spcCol="1270" anchor="ctr" anchorCtr="0">
+          <a:noAutofit/>
+        </a:bodyPr>
+        <a:lstStyle/>
+        <a:p>
+          <a:pPr marL="0" lvl="0" indent="0" algn="l" defTabSz="711200">
+            <a:lnSpc>
+              <a:spcPct val="100000"/>
+            </a:lnSpc>
+            <a:spcBef>
+              <a:spcPct val="0"/>
+            </a:spcBef>
+            <a:spcAft>
+              <a:spcPct val="35000"/>
+            </a:spcAft>
+            <a:buNone/>
+          </a:pPr>
+          <a:r>
+            <a:rPr lang="vi-VN" sz="1600" b="0" i="0" kern="1200" dirty="0"/>
+            <a:t>Cho phép người dùng chia sẻ bộ câu hỏi của mình với người khác thông qua liên kết hoặc mạng xã hội.</a:t>
+          </a:r>
+          <a:endParaRPr lang="en-US" sz="1600" kern="1200" dirty="0"/>
+        </a:p>
+        <a:p>
+          <a:pPr marL="0" lvl="0" indent="0" algn="l" defTabSz="711200">
+            <a:lnSpc>
+              <a:spcPct val="100000"/>
+            </a:lnSpc>
+            <a:spcBef>
+              <a:spcPct val="0"/>
+            </a:spcBef>
+            <a:spcAft>
+              <a:spcPct val="35000"/>
+            </a:spcAft>
+            <a:buNone/>
+          </a:pPr>
+          <a:r>
+            <a:rPr lang="vi-VN" sz="1600" b="0" i="0" kern="1200" dirty="0"/>
+            <a:t>Hỗ trợ việc đánh giá và phản hồi từ người dùng khác.</a:t>
+          </a:r>
+          <a:endParaRPr lang="en-US" sz="1600" kern="1200" dirty="0"/>
+        </a:p>
+      </dsp:txBody>
+      <dsp:txXfrm>
+        <a:off x="2138238" y="3295308"/>
+        <a:ext cx="8552952" cy="777054"/>
+      </dsp:txXfrm>
+    </dsp:sp>
+    <dsp:sp modelId="{60727E21-3A1C-40F6-B453-09F748BD647B}">
+      <dsp:nvSpPr>
+        <dsp:cNvPr id="0" name=""/>
+        <dsp:cNvSpPr/>
+      </dsp:nvSpPr>
+      <dsp:spPr>
+        <a:xfrm>
+          <a:off x="0" y="3295308"/>
+          <a:ext cx="2138238" cy="777054"/>
+        </a:xfrm>
+        <a:prstGeom prst="rect">
+          <a:avLst/>
+        </a:prstGeom>
+        <a:solidFill>
+          <a:schemeClr val="accent2">
+            <a:hueOff val="5154891"/>
+            <a:satOff val="-14794"/>
+            <a:lumOff val="-23687"/>
+            <a:alphaOff val="0"/>
+          </a:schemeClr>
+        </a:solidFill>
+        <a:ln w="19050" cap="flat" cmpd="sng" algn="ctr">
+          <a:solidFill>
+            <a:schemeClr val="accent2">
+              <a:hueOff val="5154891"/>
+              <a:satOff val="-14794"/>
+              <a:lumOff val="-23687"/>
+              <a:alphaOff val="0"/>
+            </a:schemeClr>
+          </a:solidFill>
+          <a:prstDash val="solid"/>
+          <a:miter lim="800000"/>
+        </a:ln>
+        <a:effectLst/>
+      </dsp:spPr>
+      <dsp:style>
+        <a:lnRef idx="2">
+          <a:scrgbClr r="0" g="0" b="0"/>
+        </a:lnRef>
+        <a:fillRef idx="1">
+          <a:scrgbClr r="0" g="0" b="0"/>
+        </a:fillRef>
+        <a:effectRef idx="0">
+          <a:scrgbClr r="0" g="0" b="0"/>
+        </a:effectRef>
+        <a:fontRef idx="minor">
+          <a:schemeClr val="lt1"/>
+        </a:fontRef>
+      </dsp:style>
+      <dsp:txBody>
+        <a:bodyPr spcFirstLastPara="0" vert="horz" wrap="square" lIns="113148" tIns="76756" rIns="113148" bIns="76756" numCol="1" spcCol="1270" anchor="ctr" anchorCtr="0">
+          <a:noAutofit/>
+        </a:bodyPr>
+        <a:lstStyle/>
+        <a:p>
+          <a:pPr marL="0" lvl="0" indent="0" algn="ctr" defTabSz="800100">
+            <a:lnSpc>
+              <a:spcPct val="90000"/>
+            </a:lnSpc>
+            <a:spcBef>
+              <a:spcPct val="0"/>
+            </a:spcBef>
+            <a:spcAft>
+              <a:spcPct val="35000"/>
+            </a:spcAft>
+            <a:buNone/>
+          </a:pPr>
+          <a:r>
+            <a:rPr lang="vi-VN" sz="1800" b="1" i="0" kern="1200" dirty="0"/>
+            <a:t>Chia Sẻ và </a:t>
+          </a:r>
+          <a:endParaRPr lang="en-US" sz="1800" b="1" i="0" kern="1200" dirty="0"/>
+        </a:p>
+        <a:p>
+          <a:pPr marL="0" lvl="0" indent="0" algn="ctr" defTabSz="800100">
+            <a:lnSpc>
+              <a:spcPct val="90000"/>
+            </a:lnSpc>
+            <a:spcBef>
+              <a:spcPct val="0"/>
+            </a:spcBef>
+            <a:spcAft>
+              <a:spcPct val="35000"/>
+            </a:spcAft>
+            <a:buNone/>
+          </a:pPr>
+          <a:r>
+            <a:rPr lang="vi-VN" sz="1800" b="1" i="0" kern="1200" dirty="0"/>
+            <a:t>Tương Tác:</a:t>
+          </a:r>
+          <a:endParaRPr lang="en-US" sz="1800" kern="1200" dirty="0"/>
+        </a:p>
+      </dsp:txBody>
+      <dsp:txXfrm>
+        <a:off x="0" y="3295308"/>
+        <a:ext cx="2138238" cy="777054"/>
       </dsp:txXfrm>
     </dsp:sp>
     <dsp:sp modelId="{CE9799AB-FFA1-42E8-8348-3E199A442176}">
@@ -9578,8 +11214,8 @@
       </dsp:nvSpPr>
       <dsp:spPr>
         <a:xfrm>
-          <a:off x="2138238" y="3960850"/>
-          <a:ext cx="8552952" cy="933660"/>
+          <a:off x="2138238" y="4118986"/>
+          <a:ext cx="8552952" cy="777054"/>
         </a:xfrm>
         <a:prstGeom prst="rect">
           <a:avLst/>
@@ -9623,14 +11259,14 @@
         <a:fontRef idx="minor"/>
       </dsp:style>
       <dsp:txBody>
-        <a:bodyPr spcFirstLastPara="0" vert="horz" wrap="square" lIns="165951" tIns="237150" rIns="165951" bIns="237150" numCol="1" spcCol="1270" anchor="ctr" anchorCtr="0">
+        <a:bodyPr spcFirstLastPara="0" vert="horz" wrap="square" lIns="165951" tIns="197372" rIns="165951" bIns="197372" numCol="1" spcCol="1270" anchor="ctr" anchorCtr="0">
           <a:noAutofit/>
         </a:bodyPr>
         <a:lstStyle/>
         <a:p>
           <a:pPr marL="0" lvl="0" indent="0" algn="l" defTabSz="711200">
             <a:lnSpc>
-              <a:spcPct val="90000"/>
+              <a:spcPct val="100000"/>
             </a:lnSpc>
             <a:spcBef>
               <a:spcPct val="0"/>
@@ -9641,15 +11277,15 @@
             <a:buNone/>
           </a:pPr>
           <a:r>
-            <a:rPr lang="vi-VN" sz="1600" b="0" i="0" kern="1200"/>
+            <a:rPr lang="vi-VN" sz="1600" b="0" i="0" kern="1200" dirty="0"/>
             <a:t>Cung cấp tính năng thi online với các bộ câu hỏi được chọn.</a:t>
           </a:r>
-          <a:endParaRPr lang="en-US" sz="1600" kern="1200"/>
+          <a:endParaRPr lang="en-US" sz="1600" kern="1200" dirty="0"/>
         </a:p>
         <a:p>
           <a:pPr marL="0" lvl="0" indent="0" algn="l" defTabSz="711200">
             <a:lnSpc>
-              <a:spcPct val="90000"/>
+              <a:spcPct val="100000"/>
             </a:lnSpc>
             <a:spcBef>
               <a:spcPct val="0"/>
@@ -9660,15 +11296,15 @@
             <a:buNone/>
           </a:pPr>
           <a:r>
-            <a:rPr lang="vi-VN" sz="1600" b="0" i="0" kern="1200"/>
+            <a:rPr lang="vi-VN" sz="1600" b="0" i="0" kern="1200" dirty="0"/>
             <a:t>Tính điểm tự động và hiển thị kết quả sau khi kết thúc bài kiểm tra.</a:t>
           </a:r>
-          <a:endParaRPr lang="en-US" sz="1600" kern="1200"/>
+          <a:endParaRPr lang="en-US" sz="1600" kern="1200" dirty="0"/>
         </a:p>
       </dsp:txBody>
       <dsp:txXfrm>
-        <a:off x="2138238" y="3960850"/>
-        <a:ext cx="8552952" cy="933660"/>
+        <a:off x="2138238" y="4118986"/>
+        <a:ext cx="8552952" cy="777054"/>
       </dsp:txXfrm>
     </dsp:sp>
     <dsp:sp modelId="{1BD52300-E5AD-41D4-A93F-BCDC85AAF559}">
@@ -9678,8 +11314,8 @@
       </dsp:nvSpPr>
       <dsp:spPr>
         <a:xfrm>
-          <a:off x="0" y="3960850"/>
-          <a:ext cx="2138238" cy="933660"/>
+          <a:off x="0" y="4118986"/>
+          <a:ext cx="2138238" cy="777054"/>
         </a:xfrm>
         <a:prstGeom prst="rect">
           <a:avLst/>
@@ -9721,12 +11357,12 @@
         </a:fontRef>
       </dsp:style>
       <dsp:txBody>
-        <a:bodyPr spcFirstLastPara="0" vert="horz" wrap="square" lIns="113148" tIns="92225" rIns="113148" bIns="92225" numCol="1" spcCol="1270" anchor="ctr" anchorCtr="0">
+        <a:bodyPr spcFirstLastPara="0" vert="horz" wrap="square" lIns="113148" tIns="76756" rIns="113148" bIns="76756" numCol="1" spcCol="1270" anchor="ctr" anchorCtr="0">
           <a:noAutofit/>
         </a:bodyPr>
         <a:lstStyle/>
         <a:p>
-          <a:pPr marL="0" lvl="0" indent="0" algn="ctr" defTabSz="977900">
+          <a:pPr marL="0" lvl="0" indent="0" algn="ctr" defTabSz="800100">
             <a:lnSpc>
               <a:spcPct val="90000"/>
             </a:lnSpc>
@@ -9739,15 +11375,15 @@
             <a:buNone/>
           </a:pPr>
           <a:r>
-            <a:rPr lang="vi-VN" sz="2200" b="1" i="0" kern="1200"/>
+            <a:rPr lang="vi-VN" sz="1800" b="1" i="0" kern="1200" dirty="0"/>
             <a:t>Thi Online:</a:t>
           </a:r>
-          <a:endParaRPr lang="en-US" sz="2200" kern="1200"/>
+          <a:endParaRPr lang="en-US" sz="1800" kern="1200" dirty="0"/>
         </a:p>
       </dsp:txBody>
       <dsp:txXfrm>
-        <a:off x="0" y="3960850"/>
-        <a:ext cx="2138238" cy="933660"/>
+        <a:off x="0" y="4118986"/>
+        <a:ext cx="2138238" cy="777054"/>
       </dsp:txXfrm>
     </dsp:sp>
   </dsp:spTree>
@@ -9769,8 +11405,8 @@
       </dsp:nvSpPr>
       <dsp:spPr>
         <a:xfrm>
-          <a:off x="2241532" y="998603"/>
-          <a:ext cx="484885" cy="91440"/>
+          <a:off x="2244476" y="999511"/>
+          <a:ext cx="484381" cy="91440"/>
         </a:xfrm>
         <a:custGeom>
           <a:avLst/>
@@ -9784,7 +11420,7 @@
                 <a:pt x="0" y="45720"/>
               </a:moveTo>
               <a:lnTo>
-                <a:pt x="484885" y="45720"/>
+                <a:pt x="484381" y="45720"/>
               </a:lnTo>
             </a:path>
           </a:pathLst>
@@ -9839,8 +11475,8 @@
         </a:p>
       </dsp:txBody>
       <dsp:txXfrm>
-        <a:off x="2471087" y="1041745"/>
-        <a:ext cx="25774" cy="5154"/>
+        <a:off x="2473792" y="1042654"/>
+        <a:ext cx="25749" cy="5154"/>
       </dsp:txXfrm>
     </dsp:sp>
     <dsp:sp modelId="{C608A8CA-A2E2-430E-B408-509AF8105712}">
@@ -9850,8 +11486,8 @@
       </dsp:nvSpPr>
       <dsp:spPr>
         <a:xfrm>
-          <a:off x="2092" y="371951"/>
-          <a:ext cx="2241239" cy="1344743"/>
+          <a:off x="7224" y="373516"/>
+          <a:ext cx="2239051" cy="1343430"/>
         </a:xfrm>
         <a:prstGeom prst="rect">
           <a:avLst/>
@@ -9893,12 +11529,12 @@
         </a:fontRef>
       </dsp:style>
       <dsp:txBody>
-        <a:bodyPr spcFirstLastPara="0" vert="horz" wrap="square" lIns="109823" tIns="115278" rIns="109823" bIns="115278" numCol="1" spcCol="1270" anchor="ctr" anchorCtr="0">
+        <a:bodyPr spcFirstLastPara="0" vert="horz" wrap="square" lIns="109715" tIns="115166" rIns="109715" bIns="115166" numCol="1" spcCol="1270" anchor="ctr" anchorCtr="0">
           <a:noAutofit/>
         </a:bodyPr>
         <a:lstStyle/>
         <a:p>
-          <a:pPr marL="0" lvl="0" indent="0" algn="ctr" defTabSz="800100">
+          <a:pPr marL="0" lvl="0" indent="0" algn="ctr" defTabSz="1066800">
             <a:lnSpc>
               <a:spcPct val="90000"/>
             </a:lnSpc>
@@ -9911,7 +11547,7 @@
             <a:buNone/>
           </a:pPr>
           <a:r>
-            <a:rPr lang="vi-VN" sz="1800" b="1" i="0" kern="1200">
+            <a:rPr lang="vi-VN" sz="2400" b="1" i="0" kern="1200" dirty="0">
               <a:solidFill>
                 <a:schemeClr val="bg1">
                   <a:lumMod val="95000"/>
@@ -9920,7 +11556,7 @@
             </a:rPr>
             <a:t>user_id</a:t>
           </a:r>
-          <a:endParaRPr lang="en-US" sz="1800" b="1" i="0" kern="1200">
+          <a:endParaRPr lang="en-US" sz="2400" b="1" i="0" kern="1200" dirty="0">
             <a:solidFill>
               <a:schemeClr val="bg1">
                 <a:lumMod val="95000"/>
@@ -9928,37 +11564,10 @@
             </a:solidFill>
           </a:endParaRPr>
         </a:p>
-        <a:p>
-          <a:pPr marL="0" lvl="0" indent="0" algn="ctr" defTabSz="800100">
-            <a:lnSpc>
-              <a:spcPct val="90000"/>
-            </a:lnSpc>
-            <a:spcBef>
-              <a:spcPct val="0"/>
-            </a:spcBef>
-            <a:spcAft>
-              <a:spcPct val="35000"/>
-            </a:spcAft>
-            <a:buNone/>
-          </a:pPr>
-          <a:r>
-            <a:rPr lang="vi-VN" sz="1800" b="0" i="0" kern="1200">
-              <a:solidFill>
-                <a:schemeClr val="tx1"/>
-              </a:solidFill>
-            </a:rPr>
-            <a:t>Khóa chính, định danh duy nhất cho mỗi người dùng.</a:t>
-          </a:r>
-          <a:endParaRPr lang="en-US" sz="1800" kern="1200">
-            <a:solidFill>
-              <a:schemeClr val="tx1"/>
-            </a:solidFill>
-          </a:endParaRPr>
-        </a:p>
       </dsp:txBody>
       <dsp:txXfrm>
-        <a:off x="2092" y="371951"/>
-        <a:ext cx="2241239" cy="1344743"/>
+        <a:off x="7224" y="373516"/>
+        <a:ext cx="2239051" cy="1343430"/>
       </dsp:txXfrm>
     </dsp:sp>
     <dsp:sp modelId="{B8A851CF-1DE0-47CC-8921-D8564D57E0E6}">
@@ -9968,8 +11577,8 @@
       </dsp:nvSpPr>
       <dsp:spPr>
         <a:xfrm>
-          <a:off x="4998257" y="998603"/>
-          <a:ext cx="484885" cy="91440"/>
+          <a:off x="4998509" y="999511"/>
+          <a:ext cx="484381" cy="91440"/>
         </a:xfrm>
         <a:custGeom>
           <a:avLst/>
@@ -9983,7 +11592,7 @@
                 <a:pt x="0" y="45720"/>
               </a:moveTo>
               <a:lnTo>
-                <a:pt x="484885" y="45720"/>
+                <a:pt x="484381" y="45720"/>
               </a:lnTo>
             </a:path>
           </a:pathLst>
@@ -10038,8 +11647,8 @@
         </a:p>
       </dsp:txBody>
       <dsp:txXfrm>
-        <a:off x="5227812" y="1041745"/>
-        <a:ext cx="25774" cy="5154"/>
+        <a:off x="5227825" y="1042654"/>
+        <a:ext cx="25749" cy="5154"/>
       </dsp:txXfrm>
     </dsp:sp>
     <dsp:sp modelId="{F78579D9-333A-403A-93E1-4B8880E7D685}">
@@ -10049,8 +11658,8 @@
       </dsp:nvSpPr>
       <dsp:spPr>
         <a:xfrm>
-          <a:off x="2758817" y="371951"/>
-          <a:ext cx="2241239" cy="1344743"/>
+          <a:off x="2761257" y="373516"/>
+          <a:ext cx="2239051" cy="1343430"/>
         </a:xfrm>
         <a:prstGeom prst="rect">
           <a:avLst/>
@@ -10092,12 +11701,12 @@
         </a:fontRef>
       </dsp:style>
       <dsp:txBody>
-        <a:bodyPr spcFirstLastPara="0" vert="horz" wrap="square" lIns="109823" tIns="115278" rIns="109823" bIns="115278" numCol="1" spcCol="1270" anchor="ctr" anchorCtr="0">
+        <a:bodyPr spcFirstLastPara="0" vert="horz" wrap="square" lIns="109715" tIns="115166" rIns="109715" bIns="115166" numCol="1" spcCol="1270" anchor="ctr" anchorCtr="0">
           <a:noAutofit/>
         </a:bodyPr>
         <a:lstStyle/>
         <a:p>
-          <a:pPr marL="0" lvl="0" indent="0" algn="ctr" defTabSz="800100">
+          <a:pPr marL="0" lvl="0" indent="0" algn="ctr" defTabSz="1066800">
             <a:lnSpc>
               <a:spcPct val="90000"/>
             </a:lnSpc>
@@ -10110,50 +11719,23 @@
             <a:buNone/>
           </a:pPr>
           <a:r>
-            <a:rPr lang="vi-VN" sz="1800" b="1" i="0" kern="1200">
+            <a:rPr lang="vi-VN" sz="2400" b="1" i="0" kern="1200" dirty="0">
               <a:solidFill>
                 <a:schemeClr val="bg1"/>
               </a:solidFill>
             </a:rPr>
             <a:t>username</a:t>
           </a:r>
-          <a:endParaRPr lang="en-US" sz="1800" b="0" i="0" kern="1200">
+          <a:endParaRPr lang="en-US" sz="2400" b="0" i="0" kern="1200" dirty="0">
             <a:solidFill>
               <a:schemeClr val="bg1"/>
             </a:solidFill>
           </a:endParaRPr>
         </a:p>
-        <a:p>
-          <a:pPr marL="0" lvl="0" indent="0" algn="ctr" defTabSz="800100">
-            <a:lnSpc>
-              <a:spcPct val="90000"/>
-            </a:lnSpc>
-            <a:spcBef>
-              <a:spcPct val="0"/>
-            </a:spcBef>
-            <a:spcAft>
-              <a:spcPct val="35000"/>
-            </a:spcAft>
-            <a:buNone/>
-          </a:pPr>
-          <a:r>
-            <a:rPr lang="vi-VN" sz="1800" b="0" i="0" kern="1200">
-              <a:solidFill>
-                <a:schemeClr val="tx1"/>
-              </a:solidFill>
-            </a:rPr>
-            <a:t>Tên đăng nhập của người dùng.</a:t>
-          </a:r>
-          <a:endParaRPr lang="en-US" sz="1800" kern="1200">
-            <a:solidFill>
-              <a:schemeClr val="tx1"/>
-            </a:solidFill>
-          </a:endParaRPr>
-        </a:p>
       </dsp:txBody>
       <dsp:txXfrm>
-        <a:off x="2758817" y="371951"/>
-        <a:ext cx="2241239" cy="1344743"/>
+        <a:off x="2761257" y="373516"/>
+        <a:ext cx="2239051" cy="1343430"/>
       </dsp:txXfrm>
     </dsp:sp>
     <dsp:sp modelId="{A18F0A66-CE57-4B72-B859-2ED3817F9792}">
@@ -10163,8 +11745,8 @@
       </dsp:nvSpPr>
       <dsp:spPr>
         <a:xfrm>
-          <a:off x="7754982" y="998603"/>
-          <a:ext cx="484885" cy="91440"/>
+          <a:off x="7752542" y="999511"/>
+          <a:ext cx="484381" cy="91440"/>
         </a:xfrm>
         <a:custGeom>
           <a:avLst/>
@@ -10178,7 +11760,7 @@
                 <a:pt x="0" y="45720"/>
               </a:moveTo>
               <a:lnTo>
-                <a:pt x="484885" y="45720"/>
+                <a:pt x="484381" y="45720"/>
               </a:lnTo>
             </a:path>
           </a:pathLst>
@@ -10233,8 +11815,8 @@
         </a:p>
       </dsp:txBody>
       <dsp:txXfrm>
-        <a:off x="7984537" y="1041745"/>
-        <a:ext cx="25774" cy="5154"/>
+        <a:off x="7981858" y="1042654"/>
+        <a:ext cx="25749" cy="5154"/>
       </dsp:txXfrm>
     </dsp:sp>
     <dsp:sp modelId="{9AD82BB0-F205-4175-9802-B9FD447A1ADE}">
@@ -10244,8 +11826,8 @@
       </dsp:nvSpPr>
       <dsp:spPr>
         <a:xfrm>
-          <a:off x="5515542" y="371951"/>
-          <a:ext cx="2241239" cy="1344743"/>
+          <a:off x="5515290" y="373516"/>
+          <a:ext cx="2239051" cy="1343430"/>
         </a:xfrm>
         <a:prstGeom prst="rect">
           <a:avLst/>
@@ -10287,12 +11869,12 @@
         </a:fontRef>
       </dsp:style>
       <dsp:txBody>
-        <a:bodyPr spcFirstLastPara="0" vert="horz" wrap="square" lIns="109823" tIns="115278" rIns="109823" bIns="115278" numCol="1" spcCol="1270" anchor="ctr" anchorCtr="0">
+        <a:bodyPr spcFirstLastPara="0" vert="horz" wrap="square" lIns="109715" tIns="115166" rIns="109715" bIns="115166" numCol="1" spcCol="1270" anchor="ctr" anchorCtr="0">
           <a:noAutofit/>
         </a:bodyPr>
         <a:lstStyle/>
         <a:p>
-          <a:pPr marL="0" lvl="0" indent="0" algn="ctr" defTabSz="800100">
+          <a:pPr marL="0" lvl="0" indent="0" algn="ctr" defTabSz="1066800">
             <a:lnSpc>
               <a:spcPct val="90000"/>
             </a:lnSpc>
@@ -10305,50 +11887,23 @@
             <a:buNone/>
           </a:pPr>
           <a:r>
-            <a:rPr lang="vi-VN" sz="1800" b="1" i="0" kern="1200">
+            <a:rPr lang="vi-VN" sz="2400" b="1" i="0" kern="1200" dirty="0">
               <a:solidFill>
                 <a:schemeClr val="bg1"/>
               </a:solidFill>
             </a:rPr>
             <a:t>email</a:t>
           </a:r>
-          <a:endParaRPr lang="en-US" sz="1800" b="0" i="0" kern="1200">
+          <a:endParaRPr lang="en-US" sz="2400" b="0" i="0" kern="1200" dirty="0">
             <a:solidFill>
               <a:schemeClr val="bg1"/>
             </a:solidFill>
           </a:endParaRPr>
         </a:p>
-        <a:p>
-          <a:pPr marL="0" lvl="0" indent="0" algn="ctr" defTabSz="800100">
-            <a:lnSpc>
-              <a:spcPct val="90000"/>
-            </a:lnSpc>
-            <a:spcBef>
-              <a:spcPct val="0"/>
-            </a:spcBef>
-            <a:spcAft>
-              <a:spcPct val="35000"/>
-            </a:spcAft>
-            <a:buNone/>
-          </a:pPr>
-          <a:r>
-            <a:rPr lang="vi-VN" sz="1800" b="0" i="0" kern="1200">
-              <a:solidFill>
-                <a:schemeClr val="tx1"/>
-              </a:solidFill>
-            </a:rPr>
-            <a:t>Địa chỉ email của người dùng.</a:t>
-          </a:r>
-          <a:endParaRPr lang="en-US" sz="1800" kern="1200">
-            <a:solidFill>
-              <a:schemeClr val="tx1"/>
-            </a:solidFill>
-          </a:endParaRPr>
-        </a:p>
       </dsp:txBody>
       <dsp:txXfrm>
-        <a:off x="5515542" y="371951"/>
-        <a:ext cx="2241239" cy="1344743"/>
+        <a:off x="5515290" y="373516"/>
+        <a:ext cx="2239051" cy="1343430"/>
       </dsp:txXfrm>
     </dsp:sp>
     <dsp:sp modelId="{1DC7BFD4-3600-4F9F-9738-BA41D37C45C9}">
@@ -10358,8 +11913,8 @@
       </dsp:nvSpPr>
       <dsp:spPr>
         <a:xfrm>
-          <a:off x="1122712" y="1714895"/>
-          <a:ext cx="8270175" cy="484885"/>
+          <a:off x="1126750" y="1715147"/>
+          <a:ext cx="8262099" cy="484381"/>
         </a:xfrm>
         <a:custGeom>
           <a:avLst/>
@@ -10370,16 +11925,16 @@
           <a:pathLst>
             <a:path>
               <a:moveTo>
-                <a:pt x="8270175" y="0"/>
+                <a:pt x="8262099" y="0"/>
               </a:moveTo>
               <a:lnTo>
-                <a:pt x="8270175" y="259542"/>
+                <a:pt x="8262099" y="259290"/>
               </a:lnTo>
               <a:lnTo>
-                <a:pt x="0" y="259542"/>
+                <a:pt x="0" y="259290"/>
               </a:lnTo>
               <a:lnTo>
-                <a:pt x="0" y="484885"/>
+                <a:pt x="0" y="484381"/>
               </a:lnTo>
             </a:path>
           </a:pathLst>
@@ -10434,8 +11989,8 @@
         </a:p>
       </dsp:txBody>
       <dsp:txXfrm>
-        <a:off x="5050644" y="1954760"/>
-        <a:ext cx="414311" cy="5154"/>
+        <a:off x="5050846" y="1954760"/>
+        <a:ext cx="413906" cy="5154"/>
       </dsp:txXfrm>
     </dsp:sp>
     <dsp:sp modelId="{F51C20C9-5CA8-4E0E-B529-B3B01367E8F7}">
@@ -10445,8 +12000,8 @@
       </dsp:nvSpPr>
       <dsp:spPr>
         <a:xfrm>
-          <a:off x="8272267" y="371951"/>
-          <a:ext cx="2241239" cy="1344743"/>
+          <a:off x="8269323" y="373516"/>
+          <a:ext cx="2239051" cy="1343430"/>
         </a:xfrm>
         <a:prstGeom prst="rect">
           <a:avLst/>
@@ -10488,12 +12043,12 @@
         </a:fontRef>
       </dsp:style>
       <dsp:txBody>
-        <a:bodyPr spcFirstLastPara="0" vert="horz" wrap="square" lIns="109823" tIns="115278" rIns="109823" bIns="115278" numCol="1" spcCol="1270" anchor="ctr" anchorCtr="0">
+        <a:bodyPr spcFirstLastPara="0" vert="horz" wrap="square" lIns="109715" tIns="115166" rIns="109715" bIns="115166" numCol="1" spcCol="1270" anchor="ctr" anchorCtr="0">
           <a:noAutofit/>
         </a:bodyPr>
         <a:lstStyle/>
         <a:p>
-          <a:pPr marL="0" lvl="0" indent="0" algn="ctr" defTabSz="800100">
+          <a:pPr marL="0" lvl="0" indent="0" algn="ctr" defTabSz="1066800">
             <a:lnSpc>
               <a:spcPct val="90000"/>
             </a:lnSpc>
@@ -10506,50 +12061,23 @@
             <a:buNone/>
           </a:pPr>
           <a:r>
-            <a:rPr lang="vi-VN" sz="1800" b="1" i="0" kern="1200">
+            <a:rPr lang="vi-VN" sz="2400" b="1" i="0" kern="1200" dirty="0">
               <a:solidFill>
                 <a:schemeClr val="bg1"/>
               </a:solidFill>
             </a:rPr>
             <a:t>password</a:t>
           </a:r>
-          <a:endParaRPr lang="en-US" sz="1800" b="0" i="0" kern="1200">
+          <a:endParaRPr lang="en-US" sz="2400" b="0" i="0" kern="1200" dirty="0">
             <a:solidFill>
               <a:schemeClr val="bg1"/>
             </a:solidFill>
           </a:endParaRPr>
         </a:p>
-        <a:p>
-          <a:pPr marL="0" lvl="0" indent="0" algn="ctr" defTabSz="800100">
-            <a:lnSpc>
-              <a:spcPct val="90000"/>
-            </a:lnSpc>
-            <a:spcBef>
-              <a:spcPct val="0"/>
-            </a:spcBef>
-            <a:spcAft>
-              <a:spcPct val="35000"/>
-            </a:spcAft>
-            <a:buNone/>
-          </a:pPr>
-          <a:r>
-            <a:rPr lang="vi-VN" sz="1800" b="0" i="0" kern="1200">
-              <a:solidFill>
-                <a:schemeClr val="tx1"/>
-              </a:solidFill>
-            </a:rPr>
-            <a:t>Mật khẩu đã được mã hóa của người dùng.</a:t>
-          </a:r>
-          <a:endParaRPr lang="en-US" sz="1800" kern="1200">
-            <a:solidFill>
-              <a:schemeClr val="tx1"/>
-            </a:solidFill>
-          </a:endParaRPr>
-        </a:p>
       </dsp:txBody>
       <dsp:txXfrm>
-        <a:off x="8272267" y="371951"/>
-        <a:ext cx="2241239" cy="1344743"/>
+        <a:off x="8269323" y="373516"/>
+        <a:ext cx="2239051" cy="1343430"/>
       </dsp:txXfrm>
     </dsp:sp>
     <dsp:sp modelId="{3913068A-3BA1-4829-BDA6-30F85465416F}">
@@ -10559,8 +12087,8 @@
       </dsp:nvSpPr>
       <dsp:spPr>
         <a:xfrm>
-          <a:off x="2241532" y="2858832"/>
-          <a:ext cx="484885" cy="91440"/>
+          <a:off x="2244476" y="2857924"/>
+          <a:ext cx="484381" cy="91440"/>
         </a:xfrm>
         <a:custGeom>
           <a:avLst/>
@@ -10574,7 +12102,7 @@
                 <a:pt x="0" y="45720"/>
               </a:moveTo>
               <a:lnTo>
-                <a:pt x="484885" y="45720"/>
+                <a:pt x="484381" y="45720"/>
               </a:lnTo>
             </a:path>
           </a:pathLst>
@@ -10629,8 +12157,8 @@
         </a:p>
       </dsp:txBody>
       <dsp:txXfrm>
-        <a:off x="2471087" y="2901975"/>
-        <a:ext cx="25774" cy="5154"/>
+        <a:off x="2473792" y="2901066"/>
+        <a:ext cx="25749" cy="5154"/>
       </dsp:txXfrm>
     </dsp:sp>
     <dsp:sp modelId="{6533D65F-411C-4C37-B170-9CA85C2DF9DF}">
@@ -10640,8 +12168,8 @@
       </dsp:nvSpPr>
       <dsp:spPr>
         <a:xfrm>
-          <a:off x="2092" y="2232180"/>
-          <a:ext cx="2241239" cy="1344743"/>
+          <a:off x="7224" y="2231928"/>
+          <a:ext cx="2239051" cy="1343430"/>
         </a:xfrm>
         <a:prstGeom prst="rect">
           <a:avLst/>
@@ -10683,12 +12211,12 @@
         </a:fontRef>
       </dsp:style>
       <dsp:txBody>
-        <a:bodyPr spcFirstLastPara="0" vert="horz" wrap="square" lIns="109823" tIns="115278" rIns="109823" bIns="115278" numCol="1" spcCol="1270" anchor="ctr" anchorCtr="0">
+        <a:bodyPr spcFirstLastPara="0" vert="horz" wrap="square" lIns="109715" tIns="115166" rIns="109715" bIns="115166" numCol="1" spcCol="1270" anchor="ctr" anchorCtr="0">
           <a:noAutofit/>
         </a:bodyPr>
         <a:lstStyle/>
         <a:p>
-          <a:pPr marL="0" lvl="0" indent="0" algn="ctr" defTabSz="800100">
+          <a:pPr marL="0" lvl="0" indent="0" algn="ctr" defTabSz="1066800">
             <a:lnSpc>
               <a:spcPct val="90000"/>
             </a:lnSpc>
@@ -10701,54 +12229,23 @@
             <a:buNone/>
           </a:pPr>
           <a:r>
-            <a:rPr lang="vi-VN" sz="1800" b="1" i="0" kern="1200">
+            <a:rPr lang="vi-VN" sz="2400" b="1" i="0" kern="1200" dirty="0">
               <a:solidFill>
                 <a:schemeClr val="bg1"/>
               </a:solidFill>
             </a:rPr>
             <a:t>full_name</a:t>
           </a:r>
-          <a:endParaRPr lang="en-US" sz="1800" b="0" i="0" kern="1200">
+          <a:endParaRPr lang="en-US" sz="2400" b="0" i="0" kern="1200" dirty="0">
             <a:solidFill>
               <a:schemeClr val="bg1"/>
             </a:solidFill>
           </a:endParaRPr>
         </a:p>
-        <a:p>
-          <a:pPr marL="0" lvl="0" indent="0" algn="ctr" defTabSz="800100">
-            <a:lnSpc>
-              <a:spcPct val="90000"/>
-            </a:lnSpc>
-            <a:spcBef>
-              <a:spcPct val="0"/>
-            </a:spcBef>
-            <a:spcAft>
-              <a:spcPct val="35000"/>
-            </a:spcAft>
-            <a:buNone/>
-          </a:pPr>
-          <a:r>
-            <a:rPr lang="vi-VN" sz="1800" b="0" i="0" kern="1200"/>
-            <a:t> </a:t>
-          </a:r>
-          <a:r>
-            <a:rPr lang="vi-VN" sz="1800" b="0" i="0" kern="1200">
-              <a:solidFill>
-                <a:schemeClr val="tx1"/>
-              </a:solidFill>
-            </a:rPr>
-            <a:t>Tên đầy đủ của người dùng.</a:t>
-          </a:r>
-          <a:endParaRPr lang="en-US" sz="1800" kern="1200">
-            <a:solidFill>
-              <a:schemeClr val="tx1"/>
-            </a:solidFill>
-          </a:endParaRPr>
-        </a:p>
       </dsp:txBody>
       <dsp:txXfrm>
-        <a:off x="2092" y="2232180"/>
-        <a:ext cx="2241239" cy="1344743"/>
+        <a:off x="7224" y="2231928"/>
+        <a:ext cx="2239051" cy="1343430"/>
       </dsp:txXfrm>
     </dsp:sp>
     <dsp:sp modelId="{46336C89-2251-4098-AE66-B3DE4A8A0290}">
@@ -10758,8 +12255,8 @@
       </dsp:nvSpPr>
       <dsp:spPr>
         <a:xfrm>
-          <a:off x="4998257" y="2858832"/>
-          <a:ext cx="484885" cy="91440"/>
+          <a:off x="4998509" y="2857924"/>
+          <a:ext cx="484381" cy="91440"/>
         </a:xfrm>
         <a:custGeom>
           <a:avLst/>
@@ -10773,7 +12270,7 @@
                 <a:pt x="0" y="45720"/>
               </a:moveTo>
               <a:lnTo>
-                <a:pt x="484885" y="45720"/>
+                <a:pt x="484381" y="45720"/>
               </a:lnTo>
             </a:path>
           </a:pathLst>
@@ -10828,8 +12325,8 @@
         </a:p>
       </dsp:txBody>
       <dsp:txXfrm>
-        <a:off x="5227812" y="2901975"/>
-        <a:ext cx="25774" cy="5154"/>
+        <a:off x="5227825" y="2901066"/>
+        <a:ext cx="25749" cy="5154"/>
       </dsp:txXfrm>
     </dsp:sp>
     <dsp:sp modelId="{161AC946-0454-4CBA-AD96-A41361D16E1D}">
@@ -10839,8 +12336,8 @@
       </dsp:nvSpPr>
       <dsp:spPr>
         <a:xfrm>
-          <a:off x="2758817" y="2232180"/>
-          <a:ext cx="2241239" cy="1344743"/>
+          <a:off x="2761257" y="2231928"/>
+          <a:ext cx="2239051" cy="1343430"/>
         </a:xfrm>
         <a:prstGeom prst="rect">
           <a:avLst/>
@@ -10882,12 +12379,12 @@
         </a:fontRef>
       </dsp:style>
       <dsp:txBody>
-        <a:bodyPr spcFirstLastPara="0" vert="horz" wrap="square" lIns="109823" tIns="115278" rIns="109823" bIns="115278" numCol="1" spcCol="1270" anchor="ctr" anchorCtr="0">
+        <a:bodyPr spcFirstLastPara="0" vert="horz" wrap="square" lIns="109715" tIns="115166" rIns="109715" bIns="115166" numCol="1" spcCol="1270" anchor="ctr" anchorCtr="0">
           <a:noAutofit/>
         </a:bodyPr>
         <a:lstStyle/>
         <a:p>
-          <a:pPr marL="0" lvl="0" indent="0" algn="ctr" defTabSz="800100">
+          <a:pPr marL="0" lvl="0" indent="0" algn="ctr" defTabSz="1066800">
             <a:lnSpc>
               <a:spcPct val="90000"/>
             </a:lnSpc>
@@ -10900,50 +12397,23 @@
             <a:buNone/>
           </a:pPr>
           <a:r>
-            <a:rPr lang="vi-VN" sz="1800" b="1" i="0" kern="1200">
+            <a:rPr lang="vi-VN" sz="2400" b="1" i="0" kern="1200" dirty="0">
               <a:solidFill>
                 <a:schemeClr val="bg1"/>
               </a:solidFill>
             </a:rPr>
             <a:t>created_at</a:t>
           </a:r>
-          <a:endParaRPr lang="en-US" sz="1800" b="0" i="0" kern="1200">
+          <a:endParaRPr lang="en-US" sz="2400" b="0" i="0" kern="1200" dirty="0">
             <a:solidFill>
               <a:schemeClr val="bg1"/>
             </a:solidFill>
           </a:endParaRPr>
         </a:p>
-        <a:p>
-          <a:pPr marL="0" lvl="0" indent="0" algn="ctr" defTabSz="800100">
-            <a:lnSpc>
-              <a:spcPct val="90000"/>
-            </a:lnSpc>
-            <a:spcBef>
-              <a:spcPct val="0"/>
-            </a:spcBef>
-            <a:spcAft>
-              <a:spcPct val="35000"/>
-            </a:spcAft>
-            <a:buNone/>
-          </a:pPr>
-          <a:r>
-            <a:rPr lang="vi-VN" sz="1800" b="0" i="0" kern="1200">
-              <a:solidFill>
-                <a:schemeClr val="tx1"/>
-              </a:solidFill>
-            </a:rPr>
-            <a:t>Thời gian tạo tài khoản.</a:t>
-          </a:r>
-          <a:endParaRPr lang="en-US" sz="1800" kern="1200">
-            <a:solidFill>
-              <a:schemeClr val="tx1"/>
-            </a:solidFill>
-          </a:endParaRPr>
-        </a:p>
       </dsp:txBody>
       <dsp:txXfrm>
-        <a:off x="2758817" y="2232180"/>
-        <a:ext cx="2241239" cy="1344743"/>
+        <a:off x="2761257" y="2231928"/>
+        <a:ext cx="2239051" cy="1343430"/>
       </dsp:txXfrm>
     </dsp:sp>
     <dsp:sp modelId="{8B45B410-CE96-4415-AEB5-3017BC7AABFE}">
@@ -10953,8 +12423,8 @@
       </dsp:nvSpPr>
       <dsp:spPr>
         <a:xfrm>
-          <a:off x="5515542" y="2232180"/>
-          <a:ext cx="2241239" cy="1344743"/>
+          <a:off x="5515290" y="2231928"/>
+          <a:ext cx="2706587" cy="1343430"/>
         </a:xfrm>
         <a:prstGeom prst="rect">
           <a:avLst/>
@@ -10996,12 +12466,12 @@
         </a:fontRef>
       </dsp:style>
       <dsp:txBody>
-        <a:bodyPr spcFirstLastPara="0" vert="horz" wrap="square" lIns="109823" tIns="115278" rIns="109823" bIns="115278" numCol="1" spcCol="1270" anchor="ctr" anchorCtr="0">
+        <a:bodyPr spcFirstLastPara="0" vert="horz" wrap="square" lIns="109715" tIns="115166" rIns="109715" bIns="115166" numCol="1" spcCol="1270" anchor="ctr" anchorCtr="0">
           <a:noAutofit/>
         </a:bodyPr>
         <a:lstStyle/>
         <a:p>
-          <a:pPr marL="0" lvl="0" indent="0" algn="ctr" defTabSz="800100">
+          <a:pPr marL="0" lvl="0" indent="0" algn="ctr" defTabSz="889000">
             <a:lnSpc>
               <a:spcPct val="90000"/>
             </a:lnSpc>
@@ -11014,23 +12484,23 @@
             <a:buNone/>
           </a:pPr>
           <a:r>
-            <a:rPr lang="vi-VN" sz="1800" b="0" i="1" kern="1200">
+            <a:rPr lang="vi-VN" sz="2000" b="0" i="1" kern="1200" dirty="0">
               <a:solidFill>
-                <a:schemeClr val="tx1"/>
+                <a:schemeClr val="bg1"/>
               </a:solidFill>
             </a:rPr>
             <a:t>Các trường khác có thể bao gồm thông tin như địa chỉ, số điện thoại, v.v.</a:t>
           </a:r>
-          <a:endParaRPr lang="en-US" sz="1800" kern="1200">
+          <a:endParaRPr lang="en-US" sz="2000" kern="1200" dirty="0">
             <a:solidFill>
-              <a:schemeClr val="tx1"/>
+              <a:schemeClr val="bg1"/>
             </a:solidFill>
           </a:endParaRPr>
         </a:p>
       </dsp:txBody>
       <dsp:txXfrm>
-        <a:off x="5515542" y="2232180"/>
-        <a:ext cx="2241239" cy="1344743"/>
+        <a:off x="5515290" y="2231928"/>
+        <a:ext cx="2706587" cy="1343430"/>
       </dsp:txXfrm>
     </dsp:sp>
   </dsp:spTree>
@@ -11181,7 +12651,7 @@
         </a:bodyPr>
         <a:lstStyle/>
         <a:p>
-          <a:pPr marL="0" lvl="0" indent="0" algn="ctr" defTabSz="889000">
+          <a:pPr marL="0" lvl="0" indent="0" algn="ctr" defTabSz="1066800">
             <a:lnSpc>
               <a:spcPct val="90000"/>
             </a:lnSpc>
@@ -11194,41 +12664,14 @@
             <a:buNone/>
           </a:pPr>
           <a:r>
-            <a:rPr lang="vi-VN" sz="2000" b="1" i="0" kern="1200"/>
+            <a:rPr lang="vi-VN" sz="2400" b="1" i="0" kern="1200" dirty="0"/>
             <a:t>question_id</a:t>
           </a:r>
           <a:r>
-            <a:rPr lang="vi-VN" sz="2000" b="0" i="0" kern="1200"/>
+            <a:rPr lang="vi-VN" sz="2400" b="0" i="0" kern="1200" dirty="0"/>
             <a:t> </a:t>
           </a:r>
-          <a:endParaRPr lang="en-US" sz="2000" b="0" i="0" kern="1200"/>
-        </a:p>
-        <a:p>
-          <a:pPr marL="0" lvl="0" indent="0" algn="ctr" defTabSz="889000">
-            <a:lnSpc>
-              <a:spcPct val="90000"/>
-            </a:lnSpc>
-            <a:spcBef>
-              <a:spcPct val="0"/>
-            </a:spcBef>
-            <a:spcAft>
-              <a:spcPct val="35000"/>
-            </a:spcAft>
-            <a:buNone/>
-          </a:pPr>
-          <a:r>
-            <a:rPr lang="vi-VN" sz="2000" b="0" i="0" kern="1200">
-              <a:solidFill>
-                <a:schemeClr val="tx1"/>
-              </a:solidFill>
-            </a:rPr>
-            <a:t>Khóa chính, định danh duy nhất cho mỗi câu hỏi.</a:t>
-          </a:r>
-          <a:endParaRPr lang="en-US" sz="2000" kern="1200">
-            <a:solidFill>
-              <a:schemeClr val="tx1"/>
-            </a:solidFill>
-          </a:endParaRPr>
+          <a:endParaRPr lang="en-US" sz="2400" b="0" i="0" kern="1200" dirty="0"/>
         </a:p>
       </dsp:txBody>
       <dsp:txXfrm>
@@ -11372,7 +12815,7 @@
         </a:bodyPr>
         <a:lstStyle/>
         <a:p>
-          <a:pPr marL="0" lvl="0" indent="0" algn="ctr" defTabSz="889000">
+          <a:pPr marL="0" lvl="0" indent="0" algn="ctr" defTabSz="1066800">
             <a:lnSpc>
               <a:spcPct val="90000"/>
             </a:lnSpc>
@@ -11385,37 +12828,14 @@
             <a:buNone/>
           </a:pPr>
           <a:r>
-            <a:rPr lang="vi-VN" sz="2000" b="1" i="0" kern="1200"/>
+            <a:rPr lang="vi-VN" sz="2400" b="1" i="0" kern="1200" dirty="0"/>
             <a:t>user_id</a:t>
           </a:r>
-          <a:endParaRPr lang="en-US" sz="2000" b="1" i="0" kern="1200"/>
-        </a:p>
-        <a:p>
-          <a:pPr marL="0" lvl="0" indent="0" algn="ctr" defTabSz="889000">
-            <a:lnSpc>
-              <a:spcPct val="90000"/>
-            </a:lnSpc>
-            <a:spcBef>
-              <a:spcPct val="0"/>
-            </a:spcBef>
-            <a:spcAft>
-              <a:spcPct val="35000"/>
-            </a:spcAft>
-            <a:buNone/>
-          </a:pPr>
           <a:r>
-            <a:rPr lang="vi-VN" sz="2000" b="0" i="0" kern="1200"/>
+            <a:rPr lang="vi-VN" sz="2400" b="0" i="0" kern="1200" dirty="0"/>
             <a:t> </a:t>
           </a:r>
-          <a:r>
-            <a:rPr lang="vi-VN" sz="2000" b="0" i="0" kern="1200">
-              <a:solidFill>
-                <a:schemeClr val="tx1"/>
-              </a:solidFill>
-            </a:rPr>
-            <a:t>Khóa ngoại tham chiếu đến người dùng đã tạo câu hỏi.</a:t>
-          </a:r>
-          <a:endParaRPr lang="en-US" sz="2000" kern="1200">
+          <a:endParaRPr lang="en-US" sz="2400" kern="1200" dirty="0">
             <a:solidFill>
               <a:schemeClr val="tx1"/>
             </a:solidFill>
@@ -11569,7 +12989,7 @@
         </a:bodyPr>
         <a:lstStyle/>
         <a:p>
-          <a:pPr marL="0" lvl="0" indent="0" algn="ctr" defTabSz="889000">
+          <a:pPr marL="0" lvl="0" indent="0" algn="ctr" defTabSz="1066800">
             <a:lnSpc>
               <a:spcPct val="90000"/>
             </a:lnSpc>
@@ -11582,41 +13002,14 @@
             <a:buNone/>
           </a:pPr>
           <a:r>
-            <a:rPr lang="vi-VN" sz="2000" b="1" i="0" kern="1200"/>
-            <a:t>content</a:t>
-          </a:r>
-          <a:endParaRPr lang="en-US" sz="2000" b="0" i="0" kern="1200"/>
-        </a:p>
-        <a:p>
-          <a:pPr marL="0" lvl="0" indent="0" algn="ctr" defTabSz="889000">
-            <a:lnSpc>
-              <a:spcPct val="90000"/>
-            </a:lnSpc>
-            <a:spcBef>
-              <a:spcPct val="0"/>
-            </a:spcBef>
-            <a:spcAft>
-              <a:spcPct val="35000"/>
-            </a:spcAft>
-            <a:buNone/>
-          </a:pPr>
-          <a:r>
-            <a:rPr lang="vi-VN" sz="2000" b="0" i="0" kern="1200"/>
-            <a:t> </a:t>
+            <a:rPr lang="vi-VN" sz="2400" b="1" i="0" kern="1200" dirty="0"/>
+            <a:t>conten</a:t>
           </a:r>
           <a:r>
-            <a:rPr lang="vi-VN" sz="2000" b="0" i="0" kern="1200">
-              <a:solidFill>
-                <a:schemeClr val="tx1"/>
-              </a:solidFill>
-            </a:rPr>
-            <a:t>Nội dung của câu hỏi.</a:t>
+            <a:rPr lang="en-US" sz="2400" b="1" i="0" kern="1200" dirty="0"/>
+            <a:t>t</a:t>
           </a:r>
-          <a:endParaRPr lang="en-US" sz="2000" kern="1200">
-            <a:solidFill>
-              <a:schemeClr val="tx1"/>
-            </a:solidFill>
-          </a:endParaRPr>
+          <a:endParaRPr lang="en-US" sz="2400" b="0" i="0" kern="1200" dirty="0"/>
         </a:p>
       </dsp:txBody>
       <dsp:txXfrm>
@@ -11760,7 +13153,7 @@
         </a:bodyPr>
         <a:lstStyle/>
         <a:p>
-          <a:pPr marL="0" lvl="0" indent="0" algn="ctr" defTabSz="889000">
+          <a:pPr marL="0" lvl="0" indent="0" algn="ctr" defTabSz="1066800">
             <a:lnSpc>
               <a:spcPct val="90000"/>
             </a:lnSpc>
@@ -11773,22 +13166,10 @@
             <a:buNone/>
           </a:pPr>
           <a:r>
-            <a:rPr lang="vi-VN" sz="2000" b="1" i="0" kern="1200"/>
+            <a:rPr lang="vi-VN" sz="2400" b="1" i="0" kern="1200" dirty="0"/>
             <a:t>correct_answer</a:t>
           </a:r>
-          <a:r>
-            <a:rPr lang="vi-VN" sz="2000" b="0" i="0" kern="1200"/>
-            <a:t> </a:t>
-          </a:r>
-          <a:r>
-            <a:rPr lang="vi-VN" sz="2000" b="0" i="0" kern="1200">
-              <a:solidFill>
-                <a:schemeClr val="tx1"/>
-              </a:solidFill>
-            </a:rPr>
-            <a:t>Câu trả lời đúng của câu hỏi.</a:t>
-          </a:r>
-          <a:endParaRPr lang="en-US" sz="2000" kern="1200">
+          <a:endParaRPr lang="en-US" sz="2400" kern="1200" dirty="0">
             <a:solidFill>
               <a:schemeClr val="tx1"/>
             </a:solidFill>
@@ -11855,7 +13236,7 @@
         </a:bodyPr>
         <a:lstStyle/>
         <a:p>
-          <a:pPr marL="0" lvl="0" indent="0" algn="ctr" defTabSz="889000">
+          <a:pPr marL="0" lvl="0" indent="0" algn="ctr" defTabSz="1066800">
             <a:lnSpc>
               <a:spcPct val="90000"/>
             </a:lnSpc>
@@ -11868,41 +13249,14 @@
             <a:buNone/>
           </a:pPr>
           <a:r>
-            <a:rPr lang="vi-VN" sz="2000" b="1" i="0" kern="1200"/>
+            <a:rPr lang="vi-VN" sz="2400" b="1" i="0" kern="1200" dirty="0"/>
             <a:t>created_at</a:t>
           </a:r>
           <a:r>
-            <a:rPr lang="vi-VN" sz="2000" b="0" i="0" kern="1200"/>
+            <a:rPr lang="vi-VN" sz="2400" b="0" i="0" kern="1200" dirty="0"/>
             <a:t> </a:t>
           </a:r>
-          <a:endParaRPr lang="en-US" sz="2000" b="0" i="0" kern="1200"/>
-        </a:p>
-        <a:p>
-          <a:pPr marL="0" lvl="0" indent="0" algn="ctr" defTabSz="889000">
-            <a:lnSpc>
-              <a:spcPct val="90000"/>
-            </a:lnSpc>
-            <a:spcBef>
-              <a:spcPct val="0"/>
-            </a:spcBef>
-            <a:spcAft>
-              <a:spcPct val="35000"/>
-            </a:spcAft>
-            <a:buNone/>
-          </a:pPr>
-          <a:r>
-            <a:rPr lang="vi-VN" sz="2000" b="0" i="0" kern="1200">
-              <a:solidFill>
-                <a:schemeClr val="tx1"/>
-              </a:solidFill>
-            </a:rPr>
-            <a:t>Thời gian tạo câu hỏi.</a:t>
-          </a:r>
-          <a:endParaRPr lang="en-US" sz="2000" kern="1200">
-            <a:solidFill>
-              <a:schemeClr val="tx1"/>
-            </a:solidFill>
-          </a:endParaRPr>
+          <a:endParaRPr lang="en-US" sz="2400" b="0" i="0" kern="1200" dirty="0"/>
         </a:p>
       </dsp:txBody>
       <dsp:txXfrm>
@@ -11929,8 +13283,8 @@
       </dsp:nvSpPr>
       <dsp:spPr>
         <a:xfrm>
-          <a:off x="3067210" y="823590"/>
-          <a:ext cx="633222" cy="91440"/>
+          <a:off x="2954823" y="708449"/>
+          <a:ext cx="547213" cy="91440"/>
         </a:xfrm>
         <a:custGeom>
           <a:avLst/>
@@ -11944,7 +13298,7 @@
                 <a:pt x="0" y="45720"/>
               </a:moveTo>
               <a:lnTo>
-                <a:pt x="633222" y="45720"/>
+                <a:pt x="547213" y="45720"/>
               </a:lnTo>
             </a:path>
           </a:pathLst>
@@ -11999,8 +13353,8 @@
         </a:p>
       </dsp:txBody>
       <dsp:txXfrm>
-        <a:off x="3367226" y="865991"/>
-        <a:ext cx="33191" cy="6638"/>
+        <a:off x="3213984" y="751280"/>
+        <a:ext cx="28890" cy="5778"/>
       </dsp:txXfrm>
     </dsp:sp>
     <dsp:sp modelId="{EF44DAF1-5165-45A1-8392-F0E22D7BBCA9}">
@@ -12010,8 +13364,8 @@
       </dsp:nvSpPr>
       <dsp:spPr>
         <a:xfrm>
-          <a:off x="182825" y="3454"/>
-          <a:ext cx="2886185" cy="1731711"/>
+          <a:off x="444389" y="499"/>
+          <a:ext cx="2512233" cy="1507340"/>
         </a:xfrm>
         <a:prstGeom prst="rect">
           <a:avLst/>
@@ -12053,12 +13407,12 @@
         </a:fontRef>
       </dsp:style>
       <dsp:txBody>
-        <a:bodyPr spcFirstLastPara="0" vert="horz" wrap="square" lIns="141425" tIns="148451" rIns="141425" bIns="148451" numCol="1" spcCol="1270" anchor="ctr" anchorCtr="0">
+        <a:bodyPr spcFirstLastPara="0" vert="horz" wrap="square" lIns="123102" tIns="129217" rIns="123102" bIns="129217" numCol="1" spcCol="1270" anchor="ctr" anchorCtr="0">
           <a:noAutofit/>
         </a:bodyPr>
         <a:lstStyle/>
         <a:p>
-          <a:pPr marL="0" lvl="0" indent="0" algn="ctr" defTabSz="889000">
+          <a:pPr marL="0" lvl="0" indent="0" algn="ctr" defTabSz="1066800">
             <a:lnSpc>
               <a:spcPct val="90000"/>
             </a:lnSpc>
@@ -12071,46 +13425,15 @@
             <a:buNone/>
           </a:pPr>
           <a:r>
-            <a:rPr lang="vi-VN" sz="2000" b="1" i="0" kern="1200"/>
+            <a:rPr lang="vi-VN" sz="2400" b="1" i="0" kern="1200" dirty="0"/>
             <a:t>set_id</a:t>
           </a:r>
-          <a:endParaRPr lang="en-US" sz="2000" b="1" i="0" kern="1200"/>
-        </a:p>
-        <a:p>
-          <a:pPr marL="0" lvl="0" indent="0" algn="ctr" defTabSz="889000">
-            <a:lnSpc>
-              <a:spcPct val="90000"/>
-            </a:lnSpc>
-            <a:spcBef>
-              <a:spcPct val="0"/>
-            </a:spcBef>
-            <a:spcAft>
-              <a:spcPct val="35000"/>
-            </a:spcAft>
-            <a:buNone/>
-          </a:pPr>
-          <a:r>
-            <a:rPr lang="vi-VN" sz="2000" b="0" i="0" kern="1200"/>
-            <a:t> </a:t>
-          </a:r>
-          <a:r>
-            <a:rPr lang="vi-VN" sz="2000" b="0" i="0" kern="1200">
-              <a:solidFill>
-                <a:schemeClr val="tx1"/>
-              </a:solidFill>
-            </a:rPr>
-            <a:t>Khóa chính, định danh duy nhất cho mỗi bộ câu hỏi.</a:t>
-          </a:r>
-          <a:endParaRPr lang="en-US" sz="2000" b="0" kern="1200">
-            <a:solidFill>
-              <a:schemeClr val="tx1"/>
-            </a:solidFill>
-          </a:endParaRPr>
+          <a:endParaRPr lang="en-US" sz="2400" b="1" i="0" kern="1200" dirty="0"/>
         </a:p>
       </dsp:txBody>
       <dsp:txXfrm>
-        <a:off x="182825" y="3454"/>
-        <a:ext cx="2886185" cy="1731711"/>
+        <a:off x="444389" y="499"/>
+        <a:ext cx="2512233" cy="1507340"/>
       </dsp:txXfrm>
     </dsp:sp>
     <dsp:sp modelId="{C37AEFF6-FF76-4581-84BC-B5BC5B6CC1CA}">
@@ -12120,8 +13443,8 @@
       </dsp:nvSpPr>
       <dsp:spPr>
         <a:xfrm>
-          <a:off x="6617218" y="823590"/>
-          <a:ext cx="633222" cy="91440"/>
+          <a:off x="6044870" y="708449"/>
+          <a:ext cx="547213" cy="91440"/>
         </a:xfrm>
         <a:custGeom>
           <a:avLst/>
@@ -12135,7 +13458,7 @@
                 <a:pt x="0" y="45720"/>
               </a:moveTo>
               <a:lnTo>
-                <a:pt x="633222" y="45720"/>
+                <a:pt x="547213" y="45720"/>
               </a:lnTo>
             </a:path>
           </a:pathLst>
@@ -12190,8 +13513,8 @@
         </a:p>
       </dsp:txBody>
       <dsp:txXfrm>
-        <a:off x="6917233" y="865991"/>
-        <a:ext cx="33191" cy="6638"/>
+        <a:off x="6304032" y="751280"/>
+        <a:ext cx="28890" cy="5778"/>
       </dsp:txXfrm>
     </dsp:sp>
     <dsp:sp modelId="{8F398C0B-83CC-42C9-9AE3-99A7EA37E111}">
@@ -12201,8 +13524,8 @@
       </dsp:nvSpPr>
       <dsp:spPr>
         <a:xfrm>
-          <a:off x="3732832" y="3454"/>
-          <a:ext cx="2886185" cy="1731711"/>
+          <a:off x="3534437" y="499"/>
+          <a:ext cx="2512233" cy="1507340"/>
         </a:xfrm>
         <a:prstGeom prst="rect">
           <a:avLst/>
@@ -12244,12 +13567,12 @@
         </a:fontRef>
       </dsp:style>
       <dsp:txBody>
-        <a:bodyPr spcFirstLastPara="0" vert="horz" wrap="square" lIns="141425" tIns="148451" rIns="141425" bIns="148451" numCol="1" spcCol="1270" anchor="ctr" anchorCtr="0">
+        <a:bodyPr spcFirstLastPara="0" vert="horz" wrap="square" lIns="123102" tIns="129217" rIns="123102" bIns="129217" numCol="1" spcCol="1270" anchor="ctr" anchorCtr="0">
           <a:noAutofit/>
         </a:bodyPr>
         <a:lstStyle/>
         <a:p>
-          <a:pPr marL="0" lvl="0" indent="0" algn="ctr" defTabSz="889000">
+          <a:pPr marL="0" lvl="0" indent="0" algn="ctr" defTabSz="1066800">
             <a:lnSpc>
               <a:spcPct val="90000"/>
             </a:lnSpc>
@@ -12262,42 +13585,15 @@
             <a:buNone/>
           </a:pPr>
           <a:r>
-            <a:rPr lang="vi-VN" sz="2000" b="1" i="0" kern="1200"/>
+            <a:rPr lang="vi-VN" sz="2400" b="1" i="0" kern="1200" dirty="0"/>
             <a:t>user_id</a:t>
           </a:r>
-          <a:endParaRPr lang="en-US" sz="2000" b="1" i="0" kern="1200"/>
-        </a:p>
-        <a:p>
-          <a:pPr marL="0" lvl="0" indent="0" algn="ctr" defTabSz="889000">
-            <a:lnSpc>
-              <a:spcPct val="90000"/>
-            </a:lnSpc>
-            <a:spcBef>
-              <a:spcPct val="0"/>
-            </a:spcBef>
-            <a:spcAft>
-              <a:spcPct val="35000"/>
-            </a:spcAft>
-            <a:buNone/>
-          </a:pPr>
-          <a:r>
-            <a:rPr lang="vi-VN" sz="2000" b="0" i="0" kern="1200">
-              <a:solidFill>
-                <a:schemeClr val="tx1"/>
-              </a:solidFill>
-            </a:rPr>
-            <a:t> Khóa ngoại tham chiếu đến người dùng đã tạo bộ câu hỏi.</a:t>
-          </a:r>
-          <a:endParaRPr lang="en-US" sz="2000" kern="1200">
-            <a:solidFill>
-              <a:schemeClr val="tx1"/>
-            </a:solidFill>
-          </a:endParaRPr>
+          <a:endParaRPr lang="en-US" sz="2400" b="1" i="0" kern="1200" dirty="0"/>
         </a:p>
       </dsp:txBody>
       <dsp:txXfrm>
-        <a:off x="3732832" y="3454"/>
-        <a:ext cx="2886185" cy="1731711"/>
+        <a:off x="3534437" y="499"/>
+        <a:ext cx="2512233" cy="1507340"/>
       </dsp:txXfrm>
     </dsp:sp>
     <dsp:sp modelId="{3D4FA813-F7E3-4D6A-9235-4555194A66BD}">
@@ -12307,8 +13603,8 @@
       </dsp:nvSpPr>
       <dsp:spPr>
         <a:xfrm>
-          <a:off x="1655097" y="1733365"/>
-          <a:ext cx="7070835" cy="636677"/>
+          <a:off x="1725905" y="1506039"/>
+          <a:ext cx="6154696" cy="547713"/>
         </a:xfrm>
         <a:custGeom>
           <a:avLst/>
@@ -12319,16 +13615,16 @@
           <a:pathLst>
             <a:path>
               <a:moveTo>
-                <a:pt x="7070835" y="0"/>
+                <a:pt x="6154696" y="0"/>
               </a:moveTo>
               <a:lnTo>
-                <a:pt x="7070835" y="335438"/>
+                <a:pt x="6154696" y="290956"/>
               </a:lnTo>
               <a:lnTo>
-                <a:pt x="0" y="335438"/>
+                <a:pt x="0" y="290956"/>
               </a:lnTo>
               <a:lnTo>
-                <a:pt x="0" y="636677"/>
+                <a:pt x="0" y="547713"/>
               </a:lnTo>
             </a:path>
           </a:pathLst>
@@ -12383,8 +13679,8 @@
         </a:p>
       </dsp:txBody>
       <dsp:txXfrm>
-        <a:off x="5012958" y="2048385"/>
-        <a:ext cx="355112" cy="6638"/>
+        <a:off x="4648708" y="1777007"/>
+        <a:ext cx="309090" cy="5778"/>
       </dsp:txXfrm>
     </dsp:sp>
     <dsp:sp modelId="{3C333620-F92A-4D8E-A790-F289FAED774B}">
@@ -12394,8 +13690,8 @@
       </dsp:nvSpPr>
       <dsp:spPr>
         <a:xfrm>
-          <a:off x="7282840" y="3454"/>
-          <a:ext cx="2886185" cy="1731711"/>
+          <a:off x="6624484" y="499"/>
+          <a:ext cx="2512233" cy="1507340"/>
         </a:xfrm>
         <a:prstGeom prst="rect">
           <a:avLst/>
@@ -12437,12 +13733,12 @@
         </a:fontRef>
       </dsp:style>
       <dsp:txBody>
-        <a:bodyPr spcFirstLastPara="0" vert="horz" wrap="square" lIns="141425" tIns="148451" rIns="141425" bIns="148451" numCol="1" spcCol="1270" anchor="ctr" anchorCtr="0">
+        <a:bodyPr spcFirstLastPara="0" vert="horz" wrap="square" lIns="123102" tIns="129217" rIns="123102" bIns="129217" numCol="1" spcCol="1270" anchor="ctr" anchorCtr="0">
           <a:noAutofit/>
         </a:bodyPr>
         <a:lstStyle/>
         <a:p>
-          <a:pPr marL="0" lvl="0" indent="0" algn="ctr" defTabSz="889000">
+          <a:pPr marL="0" lvl="0" indent="0" algn="ctr" defTabSz="1066800">
             <a:lnSpc>
               <a:spcPct val="90000"/>
             </a:lnSpc>
@@ -12455,42 +13751,15 @@
             <a:buNone/>
           </a:pPr>
           <a:r>
-            <a:rPr lang="vi-VN" sz="2000" b="1" i="0" kern="1200"/>
+            <a:rPr lang="vi-VN" sz="2400" b="1" i="0" kern="1200" dirty="0"/>
             <a:t>Title</a:t>
           </a:r>
-          <a:endParaRPr lang="en-US" sz="2000" b="1" i="0" kern="1200"/>
-        </a:p>
-        <a:p>
-          <a:pPr marL="0" lvl="0" indent="0" algn="ctr" defTabSz="889000">
-            <a:lnSpc>
-              <a:spcPct val="90000"/>
-            </a:lnSpc>
-            <a:spcBef>
-              <a:spcPct val="0"/>
-            </a:spcBef>
-            <a:spcAft>
-              <a:spcPct val="35000"/>
-            </a:spcAft>
-            <a:buNone/>
-          </a:pPr>
-          <a:r>
-            <a:rPr lang="vi-VN" sz="2000" b="0" i="0" kern="1200">
-              <a:solidFill>
-                <a:schemeClr val="tx1"/>
-              </a:solidFill>
-            </a:rPr>
-            <a:t>Tiêu đề hoặc mô tả của bộ câu hỏi.</a:t>
-          </a:r>
-          <a:endParaRPr lang="en-US" sz="2000" kern="1200">
-            <a:solidFill>
-              <a:schemeClr val="tx1"/>
-            </a:solidFill>
-          </a:endParaRPr>
+          <a:endParaRPr lang="en-US" sz="2400" b="1" i="0" kern="1200" dirty="0"/>
         </a:p>
       </dsp:txBody>
       <dsp:txXfrm>
-        <a:off x="7282840" y="3454"/>
-        <a:ext cx="2886185" cy="1731711"/>
+        <a:off x="6624484" y="499"/>
+        <a:ext cx="2512233" cy="1507340"/>
       </dsp:txXfrm>
     </dsp:sp>
     <dsp:sp modelId="{AF2D835C-0D09-45CA-9829-1D6206C42117}">
@@ -12500,8 +13769,8 @@
       </dsp:nvSpPr>
       <dsp:spPr>
         <a:xfrm>
-          <a:off x="3096389" y="3219123"/>
-          <a:ext cx="604043" cy="91440"/>
+          <a:off x="2980221" y="2793603"/>
+          <a:ext cx="521815" cy="91440"/>
         </a:xfrm>
         <a:custGeom>
           <a:avLst/>
@@ -12512,16 +13781,16 @@
           <a:pathLst>
             <a:path>
               <a:moveTo>
-                <a:pt x="0" y="49174"/>
+                <a:pt x="0" y="46219"/>
               </a:moveTo>
               <a:lnTo>
-                <a:pt x="319121" y="49174"/>
+                <a:pt x="278007" y="46219"/>
               </a:lnTo>
               <a:lnTo>
-                <a:pt x="319121" y="45720"/>
+                <a:pt x="278007" y="45720"/>
               </a:lnTo>
               <a:lnTo>
-                <a:pt x="604043" y="45720"/>
+                <a:pt x="521815" y="45720"/>
               </a:lnTo>
             </a:path>
           </a:pathLst>
@@ -12576,8 +13845,8 @@
         </a:p>
       </dsp:txBody>
       <dsp:txXfrm>
-        <a:off x="3382545" y="3261524"/>
-        <a:ext cx="31732" cy="6638"/>
+        <a:off x="3227319" y="2836434"/>
+        <a:ext cx="27620" cy="5778"/>
       </dsp:txXfrm>
     </dsp:sp>
     <dsp:sp modelId="{BF933D12-90DB-43C8-8772-D6217C315356}">
@@ -12587,8 +13856,8 @@
       </dsp:nvSpPr>
       <dsp:spPr>
         <a:xfrm>
-          <a:off x="212004" y="2402442"/>
-          <a:ext cx="2886185" cy="1731711"/>
+          <a:off x="469788" y="2086152"/>
+          <a:ext cx="2512233" cy="1507340"/>
         </a:xfrm>
         <a:prstGeom prst="rect">
           <a:avLst/>
@@ -12630,12 +13899,12 @@
         </a:fontRef>
       </dsp:style>
       <dsp:txBody>
-        <a:bodyPr spcFirstLastPara="0" vert="horz" wrap="square" lIns="141425" tIns="148451" rIns="141425" bIns="148451" numCol="1" spcCol="1270" anchor="ctr" anchorCtr="0">
+        <a:bodyPr spcFirstLastPara="0" vert="horz" wrap="square" lIns="123102" tIns="129217" rIns="123102" bIns="129217" numCol="1" spcCol="1270" anchor="ctr" anchorCtr="0">
           <a:noAutofit/>
         </a:bodyPr>
         <a:lstStyle/>
         <a:p>
-          <a:pPr marL="0" lvl="0" indent="0" algn="ctr" defTabSz="889000">
+          <a:pPr marL="0" lvl="0" indent="0" algn="ctr" defTabSz="1066800">
             <a:lnSpc>
               <a:spcPct val="90000"/>
             </a:lnSpc>
@@ -12648,46 +13917,15 @@
             <a:buNone/>
           </a:pPr>
           <a:r>
-            <a:rPr lang="vi-VN" sz="2000" b="1" i="0" kern="1200"/>
+            <a:rPr lang="vi-VN" sz="2400" b="1" i="0" kern="1200" dirty="0"/>
             <a:t>created_at</a:t>
           </a:r>
-          <a:endParaRPr lang="en-US" sz="2000" b="1" i="0" kern="1200"/>
-        </a:p>
-        <a:p>
-          <a:pPr marL="0" lvl="0" indent="0" algn="ctr" defTabSz="889000">
-            <a:lnSpc>
-              <a:spcPct val="90000"/>
-            </a:lnSpc>
-            <a:spcBef>
-              <a:spcPct val="0"/>
-            </a:spcBef>
-            <a:spcAft>
-              <a:spcPct val="35000"/>
-            </a:spcAft>
-            <a:buNone/>
-          </a:pPr>
-          <a:r>
-            <a:rPr lang="vi-VN" sz="2000" b="0" i="0" kern="1200"/>
-            <a:t> </a:t>
-          </a:r>
-          <a:r>
-            <a:rPr lang="vi-VN" sz="2000" b="0" i="0" kern="1200">
-              <a:solidFill>
-                <a:schemeClr val="tx1"/>
-              </a:solidFill>
-            </a:rPr>
-            <a:t>Thời gian tạo bộ câu hỏi.</a:t>
-          </a:r>
-          <a:endParaRPr lang="en-US" sz="2000" kern="1200">
-            <a:solidFill>
-              <a:schemeClr val="tx1"/>
-            </a:solidFill>
-          </a:endParaRPr>
+          <a:endParaRPr lang="en-US" sz="2400" b="1" i="0" kern="1200" dirty="0"/>
         </a:p>
       </dsp:txBody>
       <dsp:txXfrm>
-        <a:off x="212004" y="2402442"/>
-        <a:ext cx="2886185" cy="1731711"/>
+        <a:off x="469788" y="2086152"/>
+        <a:ext cx="2512233" cy="1507340"/>
       </dsp:txXfrm>
     </dsp:sp>
     <dsp:sp modelId="{A500A9B0-A5F2-4BB4-AC5B-AA90A103DC6E}">
@@ -12697,8 +13935,8 @@
       </dsp:nvSpPr>
       <dsp:spPr>
         <a:xfrm>
-          <a:off x="3732832" y="2398988"/>
-          <a:ext cx="2886185" cy="1731711"/>
+          <a:off x="3534437" y="2085653"/>
+          <a:ext cx="2512233" cy="1507340"/>
         </a:xfrm>
         <a:prstGeom prst="rect">
           <a:avLst/>
@@ -12740,12 +13978,12 @@
         </a:fontRef>
       </dsp:style>
       <dsp:txBody>
-        <a:bodyPr spcFirstLastPara="0" vert="horz" wrap="square" lIns="141425" tIns="148451" rIns="141425" bIns="148451" numCol="1" spcCol="1270" anchor="ctr" anchorCtr="0">
+        <a:bodyPr spcFirstLastPara="0" vert="horz" wrap="square" lIns="123102" tIns="129217" rIns="123102" bIns="129217" numCol="1" spcCol="1270" anchor="ctr" anchorCtr="0">
           <a:noAutofit/>
         </a:bodyPr>
         <a:lstStyle/>
         <a:p>
-          <a:pPr marL="0" lvl="0" indent="0" algn="ctr" defTabSz="889000">
+          <a:pPr marL="0" lvl="0" indent="0" algn="ctr" defTabSz="1066800">
             <a:lnSpc>
               <a:spcPct val="90000"/>
             </a:lnSpc>
@@ -12758,52 +13996,15 @@
             <a:buNone/>
           </a:pPr>
           <a:r>
-            <a:rPr lang="en-US" sz="2000" b="1" kern="1200"/>
-            <a:t>Total_ques</a:t>
+            <a:rPr lang="en-US" sz="2400" b="1" kern="1200" dirty="0" err="1"/>
+            <a:t>Total_queston</a:t>
           </a:r>
-        </a:p>
-        <a:p>
-          <a:pPr marL="0" lvl="0" indent="0" algn="ctr" defTabSz="889000">
-            <a:lnSpc>
-              <a:spcPct val="90000"/>
-            </a:lnSpc>
-            <a:spcBef>
-              <a:spcPct val="0"/>
-            </a:spcBef>
-            <a:spcAft>
-              <a:spcPct val="35000"/>
-            </a:spcAft>
-            <a:buNone/>
-          </a:pPr>
-          <a:r>
-            <a:rPr lang="en-US" sz="2000" b="1" kern="1200">
-              <a:solidFill>
-                <a:schemeClr val="tx1"/>
-              </a:solidFill>
-            </a:rPr>
-            <a:t> </a:t>
-          </a:r>
-          <a:r>
-            <a:rPr lang="en-US" sz="2000" b="0" kern="1200">
-              <a:solidFill>
-                <a:schemeClr val="tx1"/>
-              </a:solidFill>
-            </a:rPr>
-            <a:t>S</a:t>
-          </a:r>
-          <a:r>
-            <a:rPr lang="en-US" sz="2000" kern="1200">
-              <a:solidFill>
-                <a:schemeClr val="tx1"/>
-              </a:solidFill>
-            </a:rPr>
-            <a:t>ố lượng câu hỏi trong bộ câu hỏi</a:t>
-          </a:r>
+          <a:endParaRPr lang="en-US" sz="2400" b="1" kern="1200" dirty="0"/>
         </a:p>
       </dsp:txBody>
       <dsp:txXfrm>
-        <a:off x="3732832" y="2398988"/>
-        <a:ext cx="2886185" cy="1731711"/>
+        <a:off x="3534437" y="2085653"/>
+        <a:ext cx="2512233" cy="1507340"/>
       </dsp:txXfrm>
     </dsp:sp>
   </dsp:spTree>
@@ -21785,7 +22986,7 @@
           <a:p>
             <a:fld id="{8C64E5ED-7F4B-4CCA-A8CE-D331EABB9F08}" type="datetimeFigureOut">
               <a:rPr lang="en-US" smtClean="0"/>
-              <a:t>3/20/2024</a:t>
+              <a:t>3/25/2024</a:t>
             </a:fld>
             <a:endParaRPr lang="en-US"/>
           </a:p>
@@ -22283,7 +23484,7 @@
           <a:p>
             <a:fld id="{954D0CBE-A2F8-4790-B374-481D0C8FD92F}" type="datetimeFigureOut">
               <a:rPr lang="en-US" smtClean="0"/>
-              <a:t>3/20/2024</a:t>
+              <a:t>3/25/2024</a:t>
             </a:fld>
             <a:endParaRPr lang="en-US"/>
           </a:p>
@@ -22481,7 +23682,7 @@
           <a:p>
             <a:fld id="{954D0CBE-A2F8-4790-B374-481D0C8FD92F}" type="datetimeFigureOut">
               <a:rPr lang="en-US" smtClean="0"/>
-              <a:t>3/20/2024</a:t>
+              <a:t>3/25/2024</a:t>
             </a:fld>
             <a:endParaRPr lang="en-US"/>
           </a:p>
@@ -22689,7 +23890,7 @@
           <a:p>
             <a:fld id="{954D0CBE-A2F8-4790-B374-481D0C8FD92F}" type="datetimeFigureOut">
               <a:rPr lang="en-US" smtClean="0"/>
-              <a:t>3/20/2024</a:t>
+              <a:t>3/25/2024</a:t>
             </a:fld>
             <a:endParaRPr lang="en-US"/>
           </a:p>
@@ -22887,7 +24088,7 @@
           <a:p>
             <a:fld id="{954D0CBE-A2F8-4790-B374-481D0C8FD92F}" type="datetimeFigureOut">
               <a:rPr lang="en-US" smtClean="0"/>
-              <a:t>3/20/2024</a:t>
+              <a:t>3/25/2024</a:t>
             </a:fld>
             <a:endParaRPr lang="en-US"/>
           </a:p>
@@ -23162,7 +24363,7 @@
           <a:p>
             <a:fld id="{954D0CBE-A2F8-4790-B374-481D0C8FD92F}" type="datetimeFigureOut">
               <a:rPr lang="en-US" smtClean="0"/>
-              <a:t>3/20/2024</a:t>
+              <a:t>3/25/2024</a:t>
             </a:fld>
             <a:endParaRPr lang="en-US"/>
           </a:p>
@@ -23427,7 +24628,7 @@
           <a:p>
             <a:fld id="{954D0CBE-A2F8-4790-B374-481D0C8FD92F}" type="datetimeFigureOut">
               <a:rPr lang="en-US" smtClean="0"/>
-              <a:t>3/20/2024</a:t>
+              <a:t>3/25/2024</a:t>
             </a:fld>
             <a:endParaRPr lang="en-US"/>
           </a:p>
@@ -23839,7 +25040,7 @@
           <a:p>
             <a:fld id="{954D0CBE-A2F8-4790-B374-481D0C8FD92F}" type="datetimeFigureOut">
               <a:rPr lang="en-US" smtClean="0"/>
-              <a:t>3/20/2024</a:t>
+              <a:t>3/25/2024</a:t>
             </a:fld>
             <a:endParaRPr lang="en-US"/>
           </a:p>
@@ -23980,7 +25181,7 @@
           <a:p>
             <a:fld id="{954D0CBE-A2F8-4790-B374-481D0C8FD92F}" type="datetimeFigureOut">
               <a:rPr lang="en-US" smtClean="0"/>
-              <a:t>3/20/2024</a:t>
+              <a:t>3/25/2024</a:t>
             </a:fld>
             <a:endParaRPr lang="en-US"/>
           </a:p>
@@ -24093,7 +25294,7 @@
           <a:p>
             <a:fld id="{954D0CBE-A2F8-4790-B374-481D0C8FD92F}" type="datetimeFigureOut">
               <a:rPr lang="en-US" smtClean="0"/>
-              <a:t>3/20/2024</a:t>
+              <a:t>3/25/2024</a:t>
             </a:fld>
             <a:endParaRPr lang="en-US"/>
           </a:p>
@@ -24404,7 +25605,7 @@
           <a:p>
             <a:fld id="{954D0CBE-A2F8-4790-B374-481D0C8FD92F}" type="datetimeFigureOut">
               <a:rPr lang="en-US" smtClean="0"/>
-              <a:t>3/20/2024</a:t>
+              <a:t>3/25/2024</a:t>
             </a:fld>
             <a:endParaRPr lang="en-US"/>
           </a:p>
@@ -24692,7 +25893,7 @@
           <a:p>
             <a:fld id="{954D0CBE-A2F8-4790-B374-481D0C8FD92F}" type="datetimeFigureOut">
               <a:rPr lang="en-US" smtClean="0"/>
-              <a:t>3/20/2024</a:t>
+              <a:t>3/25/2024</a:t>
             </a:fld>
             <a:endParaRPr lang="en-US"/>
           </a:p>
@@ -24933,7 +26134,7 @@
           <a:p>
             <a:fld id="{954D0CBE-A2F8-4790-B374-481D0C8FD92F}" type="datetimeFigureOut">
               <a:rPr lang="en-US" smtClean="0"/>
-              <a:t>3/20/2024</a:t>
+              <a:t>3/25/2024</a:t>
             </a:fld>
             <a:endParaRPr lang="en-US"/>
           </a:p>
@@ -26861,12 +28062,41 @@
         </p:blipFill>
         <p:spPr>
           <a:xfrm>
-            <a:off x="1168941" y="1748162"/>
-            <a:ext cx="9959502" cy="4472051"/>
+            <a:off x="1289153" y="1923483"/>
+            <a:ext cx="9854279" cy="4424803"/>
           </a:xfrm>
           <a:prstGeom prst="rect">
             <a:avLst/>
           </a:prstGeom>
+          <a:solidFill>
+            <a:srgbClr val="FFFFFF">
+              <a:shade val="85000"/>
+            </a:srgbClr>
+          </a:solidFill>
+          <a:ln w="190500" cap="rnd">
+            <a:solidFill>
+              <a:srgbClr val="FFFFFF"/>
+            </a:solidFill>
+          </a:ln>
+          <a:effectLst>
+            <a:outerShdw blurRad="50000" algn="tl" rotWithShape="0">
+              <a:srgbClr val="000000">
+                <a:alpha val="41000"/>
+              </a:srgbClr>
+            </a:outerShdw>
+          </a:effectLst>
+          <a:scene3d>
+            <a:camera prst="orthographicFront"/>
+            <a:lightRig rig="twoPt" dir="t">
+              <a:rot lat="0" lon="0" rev="7800000"/>
+            </a:lightRig>
+          </a:scene3d>
+          <a:sp3d contourW="6350">
+            <a:bevelT w="50800" h="16510"/>
+            <a:contourClr>
+              <a:srgbClr val="C0C0C0"/>
+            </a:contourClr>
+          </a:sp3d>
         </p:spPr>
       </p:pic>
     </p:spTree>
@@ -27060,12 +28290,41 @@
         </p:blipFill>
         <p:spPr>
           <a:xfrm>
-            <a:off x="906184" y="1975104"/>
+            <a:off x="906184" y="2326254"/>
             <a:ext cx="10447616" cy="4060571"/>
           </a:xfrm>
           <a:prstGeom prst="rect">
             <a:avLst/>
           </a:prstGeom>
+          <a:solidFill>
+            <a:srgbClr val="FFFFFF">
+              <a:shade val="85000"/>
+            </a:srgbClr>
+          </a:solidFill>
+          <a:ln w="190500" cap="rnd">
+            <a:solidFill>
+              <a:srgbClr val="FFFFFF"/>
+            </a:solidFill>
+          </a:ln>
+          <a:effectLst>
+            <a:outerShdw blurRad="50000" algn="tl" rotWithShape="0">
+              <a:srgbClr val="000000">
+                <a:alpha val="41000"/>
+              </a:srgbClr>
+            </a:outerShdw>
+          </a:effectLst>
+          <a:scene3d>
+            <a:camera prst="orthographicFront"/>
+            <a:lightRig rig="twoPt" dir="t">
+              <a:rot lat="0" lon="0" rev="7800000"/>
+            </a:lightRig>
+          </a:scene3d>
+          <a:sp3d contourW="6350">
+            <a:bevelT w="50800" h="16510"/>
+            <a:contourClr>
+              <a:srgbClr val="C0C0C0"/>
+            </a:contourClr>
+          </a:sp3d>
         </p:spPr>
       </p:pic>
     </p:spTree>
@@ -27265,6 +28524,35 @@
           <a:prstGeom prst="rect">
             <a:avLst/>
           </a:prstGeom>
+          <a:solidFill>
+            <a:srgbClr val="FFFFFF">
+              <a:shade val="85000"/>
+            </a:srgbClr>
+          </a:solidFill>
+          <a:ln w="190500" cap="rnd">
+            <a:solidFill>
+              <a:srgbClr val="FFFFFF"/>
+            </a:solidFill>
+          </a:ln>
+          <a:effectLst>
+            <a:outerShdw blurRad="50000" algn="tl" rotWithShape="0">
+              <a:srgbClr val="000000">
+                <a:alpha val="41000"/>
+              </a:srgbClr>
+            </a:outerShdw>
+          </a:effectLst>
+          <a:scene3d>
+            <a:camera prst="orthographicFront"/>
+            <a:lightRig rig="twoPt" dir="t">
+              <a:rot lat="0" lon="0" rev="7800000"/>
+            </a:lightRig>
+          </a:scene3d>
+          <a:sp3d contourW="6350">
+            <a:bevelT w="50800" h="16510"/>
+            <a:contourClr>
+              <a:srgbClr val="C0C0C0"/>
+            </a:contourClr>
+          </a:sp3d>
         </p:spPr>
       </p:pic>
     </p:spTree>
@@ -27697,10 +28985,10 @@
       </p:grpSpPr>
       <p:sp useBgFill="1">
         <p:nvSpPr>
-          <p:cNvPr id="8" name="Rectangle 7">
+          <p:cNvPr id="60" name="Rectangle 59">
             <a:extLst>
               <a:ext uri="{FF2B5EF4-FFF2-40B4-BE49-F238E27FC236}">
-                <a16:creationId xmlns:a16="http://schemas.microsoft.com/office/drawing/2014/main" id="{F837543A-6020-4505-A233-C9DB4BF74011}"/>
+                <a16:creationId xmlns:a16="http://schemas.microsoft.com/office/drawing/2014/main" id="{1BB867FF-FC45-48F7-8104-F89BE54909F1}"/>
               </a:ext>
               <a:ext uri="{C183D7F6-B498-43B3-948B-1728B52AA6E4}">
                 <adec:decorative xmlns:adec="http://schemas.microsoft.com/office/drawing/2017/decorative" val="1"/>
@@ -27757,105 +29045,10 @@
       </p:sp>
       <p:sp>
         <p:nvSpPr>
-          <p:cNvPr id="2" name="Title 1">
+          <p:cNvPr id="61" name="Freeform: Shape 60">
             <a:extLst>
               <a:ext uri="{FF2B5EF4-FFF2-40B4-BE49-F238E27FC236}">
-                <a16:creationId xmlns:a16="http://schemas.microsoft.com/office/drawing/2014/main" id="{089ACCA2-FC78-9DDD-7F76-3A4C3BBE3F17}"/>
-              </a:ext>
-            </a:extLst>
-          </p:cNvPr>
-          <p:cNvSpPr>
-            <a:spLocks noGrp="1"/>
-          </p:cNvSpPr>
-          <p:nvPr>
-            <p:ph type="title"/>
-          </p:nvPr>
-        </p:nvSpPr>
-        <p:spPr>
-          <a:xfrm>
-            <a:off x="838200" y="365125"/>
-            <a:ext cx="5558489" cy="1325563"/>
-          </a:xfrm>
-        </p:spPr>
-        <p:txBody>
-          <a:bodyPr>
-            <a:normAutofit/>
-          </a:bodyPr>
-          <a:lstStyle/>
-          <a:p>
-            <a:r>
-              <a:rPr lang="en-US" b="1" dirty="0" err="1">
-                <a:solidFill>
-                  <a:srgbClr val="0070C0"/>
-                </a:solidFill>
-              </a:rPr>
-              <a:t>Mô</a:t>
-            </a:r>
-            <a:r>
-              <a:rPr lang="en-US" b="1" dirty="0">
-                <a:solidFill>
-                  <a:srgbClr val="0070C0"/>
-                </a:solidFill>
-              </a:rPr>
-              <a:t> </a:t>
-            </a:r>
-            <a:r>
-              <a:rPr lang="en-US" b="1" dirty="0" err="1">
-                <a:solidFill>
-                  <a:srgbClr val="0070C0"/>
-                </a:solidFill>
-              </a:rPr>
-              <a:t>tả</a:t>
-            </a:r>
-            <a:r>
-              <a:rPr lang="en-US" b="1" dirty="0">
-                <a:solidFill>
-                  <a:srgbClr val="0070C0"/>
-                </a:solidFill>
-              </a:rPr>
-              <a:t> </a:t>
-            </a:r>
-            <a:r>
-              <a:rPr lang="en-US" b="1" dirty="0" err="1">
-                <a:solidFill>
-                  <a:srgbClr val="0070C0"/>
-                </a:solidFill>
-              </a:rPr>
-              <a:t>đề</a:t>
-            </a:r>
-            <a:r>
-              <a:rPr lang="en-US" b="1" dirty="0">
-                <a:solidFill>
-                  <a:srgbClr val="0070C0"/>
-                </a:solidFill>
-              </a:rPr>
-              <a:t> </a:t>
-            </a:r>
-            <a:r>
-              <a:rPr lang="en-US" b="1" dirty="0" err="1">
-                <a:solidFill>
-                  <a:srgbClr val="0070C0"/>
-                </a:solidFill>
-              </a:rPr>
-              <a:t>tài</a:t>
-            </a:r>
-            <a:r>
-              <a:rPr lang="en-US" b="1" dirty="0">
-                <a:solidFill>
-                  <a:srgbClr val="0070C0"/>
-                </a:solidFill>
-              </a:rPr>
-              <a:t> </a:t>
-            </a:r>
-          </a:p>
-        </p:txBody>
-      </p:sp>
-      <p:sp>
-        <p:nvSpPr>
-          <p:cNvPr id="10" name="Freeform: Shape 9">
-            <a:extLst>
-              <a:ext uri="{FF2B5EF4-FFF2-40B4-BE49-F238E27FC236}">
-                <a16:creationId xmlns:a16="http://schemas.microsoft.com/office/drawing/2014/main" id="{35B16301-FB18-48BA-A6DD-C37CAF6F9A18}"/>
+                <a16:creationId xmlns:a16="http://schemas.microsoft.com/office/drawing/2014/main" id="{8BB56887-D0D5-4F0C-9E19-7247EB83C8B7}"/>
               </a:ext>
               <a:ext uri="{C183D7F6-B498-43B3-948B-1728B52AA6E4}">
                 <adec:decorative xmlns:adec="http://schemas.microsoft.com/office/drawing/2017/decorative" val="1"/>
@@ -27937,7 +29130,7 @@
             </a:pathLst>
           </a:custGeom>
           <a:solidFill>
-            <a:schemeClr val="accent5"/>
+            <a:schemeClr val="accent4"/>
           </a:solidFill>
           <a:ln>
             <a:noFill/>
@@ -27972,10 +29165,10 @@
       </p:sp>
       <p:sp>
         <p:nvSpPr>
-          <p:cNvPr id="3" name="Content Placeholder 2">
+          <p:cNvPr id="2" name="Title 1">
             <a:extLst>
               <a:ext uri="{FF2B5EF4-FFF2-40B4-BE49-F238E27FC236}">
-                <a16:creationId xmlns:a16="http://schemas.microsoft.com/office/drawing/2014/main" id="{F6D1EA4E-59B4-B891-27C0-7B38E09F8627}"/>
+                <a16:creationId xmlns:a16="http://schemas.microsoft.com/office/drawing/2014/main" id="{089ACCA2-FC78-9DDD-7F76-3A4C3BBE3F17}"/>
               </a:ext>
             </a:extLst>
           </p:cNvPr>
@@ -27983,13 +29176,13 @@
             <a:spLocks noGrp="1"/>
           </p:cNvSpPr>
           <p:nvPr>
-            <p:ph idx="1"/>
+            <p:ph type="title"/>
           </p:nvPr>
         </p:nvSpPr>
         <p:spPr>
           <a:xfrm>
-            <a:off x="809017" y="1864637"/>
-            <a:ext cx="5558489" cy="4351338"/>
+            <a:off x="838200" y="365125"/>
+            <a:ext cx="10515600" cy="1325563"/>
           </a:xfrm>
         </p:spPr>
         <p:txBody>
@@ -27998,24 +29191,79 @@
           </a:bodyPr>
           <a:lstStyle/>
           <a:p>
-            <a:pPr algn="just"/>
             <a:r>
-              <a:rPr lang="vi-VN" b="0" i="0">
-                <a:effectLst/>
-                <a:latin typeface="Söhne"/>
+              <a:rPr lang="en-US" sz="4800" b="1" dirty="0" err="1">
+                <a:solidFill>
+                  <a:srgbClr val="00B0F0"/>
+                </a:solidFill>
               </a:rPr>
-              <a:t>Xây dựng một ứng dụng tạo câu hỏi trắc nghiệm, được lấy cảm hứng từ dịch vụ Quizlet, nhằm mục đích giúp người dùng tạo và chia sẻ bài kiểm tra, bài tập hoặc câu hỏi trắc nghiệm cho mục đích học tập, kiểm tra kiến thức và chia sẻ với cộng đồng.</a:t>
+              <a:t>Mô</a:t>
             </a:r>
-            <a:endParaRPr lang="en-US"/>
+            <a:r>
+              <a:rPr lang="en-US" sz="4800" b="1" dirty="0">
+                <a:solidFill>
+                  <a:srgbClr val="00B0F0"/>
+                </a:solidFill>
+              </a:rPr>
+              <a:t> </a:t>
+            </a:r>
+            <a:r>
+              <a:rPr lang="en-US" sz="4800" b="1" dirty="0" err="1">
+                <a:solidFill>
+                  <a:srgbClr val="00B0F0"/>
+                </a:solidFill>
+              </a:rPr>
+              <a:t>tả</a:t>
+            </a:r>
+            <a:r>
+              <a:rPr lang="en-US" sz="4800" b="1" dirty="0">
+                <a:solidFill>
+                  <a:srgbClr val="00B0F0"/>
+                </a:solidFill>
+              </a:rPr>
+              <a:t> </a:t>
+            </a:r>
+            <a:r>
+              <a:rPr lang="en-US" sz="4800" b="1" dirty="0" err="1">
+                <a:solidFill>
+                  <a:srgbClr val="00B0F0"/>
+                </a:solidFill>
+              </a:rPr>
+              <a:t>đề</a:t>
+            </a:r>
+            <a:r>
+              <a:rPr lang="en-US" sz="4800" b="1" dirty="0">
+                <a:solidFill>
+                  <a:srgbClr val="00B0F0"/>
+                </a:solidFill>
+              </a:rPr>
+              <a:t> </a:t>
+            </a:r>
+            <a:r>
+              <a:rPr lang="en-US" sz="4800" b="1" dirty="0" err="1">
+                <a:solidFill>
+                  <a:srgbClr val="00B0F0"/>
+                </a:solidFill>
+              </a:rPr>
+              <a:t>tài</a:t>
+            </a:r>
+            <a:r>
+              <a:rPr lang="en-US" sz="4800" b="1" dirty="0">
+                <a:solidFill>
+                  <a:srgbClr val="00B0F0"/>
+                </a:solidFill>
+              </a:rPr>
+              <a:t> </a:t>
+            </a:r>
           </a:p>
         </p:txBody>
       </p:sp>
       <p:sp>
         <p:nvSpPr>
-          <p:cNvPr id="12" name="Oval 11">
+          <p:cNvPr id="62" name="Arc 61">
             <a:extLst>
               <a:ext uri="{FF2B5EF4-FFF2-40B4-BE49-F238E27FC236}">
-                <a16:creationId xmlns:a16="http://schemas.microsoft.com/office/drawing/2014/main" id="{C3C0D90E-074A-4F52-9B11-B52BEF4BCBE5}"/>
+                <a16:creationId xmlns:a16="http://schemas.microsoft.com/office/drawing/2014/main" id="{081E4A58-353D-44AE-B2FC-2A74E2E400F7}"/>
               </a:ext>
               <a:ext uri="{C183D7F6-B498-43B3-948B-1728B52AA6E4}">
                 <adec:decorative xmlns:adec="http://schemas.microsoft.com/office/drawing/2017/decorative" val="1"/>
@@ -28034,505 +29282,8 @@
           </p:nvPr>
         </p:nvSpPr>
         <p:spPr>
-          <a:xfrm>
-            <a:off x="6821310" y="2624479"/>
-            <a:ext cx="812427" cy="812427"/>
-          </a:xfrm>
-          <a:prstGeom prst="ellipse">
-            <a:avLst/>
-          </a:prstGeom>
-          <a:noFill/>
-          <a:ln w="127000">
-            <a:solidFill>
-              <a:schemeClr val="accent5"/>
-            </a:solidFill>
-          </a:ln>
-        </p:spPr>
-        <p:style>
-          <a:lnRef idx="2">
-            <a:schemeClr val="accent1">
-              <a:shade val="50000"/>
-            </a:schemeClr>
-          </a:lnRef>
-          <a:fillRef idx="1">
-            <a:schemeClr val="accent1"/>
-          </a:fillRef>
-          <a:effectRef idx="0">
-            <a:schemeClr val="accent1"/>
-          </a:effectRef>
-          <a:fontRef idx="minor">
-            <a:schemeClr val="lt1"/>
-          </a:fontRef>
-        </p:style>
-        <p:txBody>
-          <a:bodyPr rtlCol="0" anchor="ctr"/>
-          <a:lstStyle/>
-          <a:p>
-            <a:pPr algn="ctr"/>
-            <a:endParaRPr lang="en-US" dirty="0"/>
-          </a:p>
-        </p:txBody>
-      </p:sp>
-      <p:sp>
-        <p:nvSpPr>
-          <p:cNvPr id="14" name="Block Arc 13">
-            <a:extLst>
-              <a:ext uri="{FF2B5EF4-FFF2-40B4-BE49-F238E27FC236}">
-                <a16:creationId xmlns:a16="http://schemas.microsoft.com/office/drawing/2014/main" id="{CABBD4C1-E6F8-46F6-8152-A8A97490BF4D}"/>
-              </a:ext>
-              <a:ext uri="{C183D7F6-B498-43B3-948B-1728B52AA6E4}">
-                <adec:decorative xmlns:adec="http://schemas.microsoft.com/office/drawing/2017/decorative" val="1"/>
-              </a:ext>
-            </a:extLst>
-          </p:cNvPr>
-          <p:cNvSpPr>
-            <a:spLocks noGrp="1" noRot="1" noChangeAspect="1" noMove="1" noResize="1" noEditPoints="1" noAdjustHandles="1" noChangeArrowheads="1" noChangeShapeType="1" noTextEdit="1"/>
-          </p:cNvSpPr>
-          <p:nvPr>
-            <p:extLst>
-              <p:ext uri="{386F3935-93C4-4BCD-93E2-E3B085C9AB24}">
-                <p16:designElem xmlns:p16="http://schemas.microsoft.com/office/powerpoint/2015/main" val="1"/>
-              </p:ext>
-            </p:extLst>
-          </p:nvPr>
-        </p:nvSpPr>
-        <p:spPr>
-          <a:xfrm rot="16200000">
-            <a:off x="8912417" y="1218531"/>
-            <a:ext cx="2387600" cy="2387600"/>
-          </a:xfrm>
-          <a:prstGeom prst="blockArc">
-            <a:avLst/>
-          </a:prstGeom>
-          <a:solidFill>
-            <a:schemeClr val="accent2"/>
-          </a:solidFill>
-          <a:ln>
-            <a:noFill/>
-          </a:ln>
-        </p:spPr>
-        <p:style>
-          <a:lnRef idx="2">
-            <a:schemeClr val="accent1">
-              <a:shade val="50000"/>
-            </a:schemeClr>
-          </a:lnRef>
-          <a:fillRef idx="1">
-            <a:schemeClr val="accent1"/>
-          </a:fillRef>
-          <a:effectRef idx="0">
-            <a:schemeClr val="accent1"/>
-          </a:effectRef>
-          <a:fontRef idx="minor">
-            <a:schemeClr val="lt1"/>
-          </a:fontRef>
-        </p:style>
-        <p:txBody>
-          <a:bodyPr rtlCol="0" anchor="ctr"/>
-          <a:lstStyle/>
-          <a:p>
-            <a:pPr algn="ctr"/>
-            <a:endParaRPr lang="en-US">
-              <a:solidFill>
-                <a:schemeClr val="tx1"/>
-              </a:solidFill>
-            </a:endParaRPr>
-          </a:p>
-        </p:txBody>
-      </p:sp>
-      <p:sp>
-        <p:nvSpPr>
-          <p:cNvPr id="16" name="Freeform: Shape 15">
-            <a:extLst>
-              <a:ext uri="{FF2B5EF4-FFF2-40B4-BE49-F238E27FC236}">
-                <a16:creationId xmlns:a16="http://schemas.microsoft.com/office/drawing/2014/main" id="{83BA5EF5-1FE9-4BF9-83BB-269BCDDF6156}"/>
-              </a:ext>
-              <a:ext uri="{C183D7F6-B498-43B3-948B-1728B52AA6E4}">
-                <adec:decorative xmlns:adec="http://schemas.microsoft.com/office/drawing/2017/decorative" val="1"/>
-              </a:ext>
-            </a:extLst>
-          </p:cNvPr>
-          <p:cNvSpPr>
-            <a:spLocks noGrp="1" noRot="1" noChangeAspect="1" noMove="1" noResize="1" noEditPoints="1" noAdjustHandles="1" noChangeArrowheads="1" noChangeShapeType="1" noTextEdit="1"/>
-          </p:cNvSpPr>
-          <p:nvPr>
-            <p:extLst>
-              <p:ext uri="{386F3935-93C4-4BCD-93E2-E3B085C9AB24}">
-                <p16:designElem xmlns:p16="http://schemas.microsoft.com/office/powerpoint/2015/main" val="1"/>
-              </p:ext>
-            </p:extLst>
-          </p:nvPr>
-        </p:nvSpPr>
-        <p:spPr>
-          <a:xfrm>
-            <a:off x="6821310" y="0"/>
-            <a:ext cx="2315251" cy="1550992"/>
-          </a:xfrm>
-          <a:custGeom>
-            <a:avLst/>
-            <a:gdLst>
-              <a:gd name="connsiteX0" fmla="*/ 0 w 2315251"/>
-              <a:gd name="connsiteY0" fmla="*/ 0 h 1550992"/>
-              <a:gd name="connsiteX1" fmla="*/ 138700 w 2315251"/>
-              <a:gd name="connsiteY1" fmla="*/ 0 h 1550992"/>
-              <a:gd name="connsiteX2" fmla="*/ 138700 w 2315251"/>
-              <a:gd name="connsiteY2" fmla="*/ 1361400 h 1550992"/>
-              <a:gd name="connsiteX3" fmla="*/ 2107387 w 2315251"/>
-              <a:gd name="connsiteY3" fmla="*/ 222673 h 1550992"/>
-              <a:gd name="connsiteX4" fmla="*/ 1722420 w 2315251"/>
-              <a:gd name="connsiteY4" fmla="*/ 0 h 1550992"/>
-              <a:gd name="connsiteX5" fmla="*/ 1999436 w 2315251"/>
-              <a:gd name="connsiteY5" fmla="*/ 0 h 1550992"/>
-              <a:gd name="connsiteX6" fmla="*/ 2280549 w 2315251"/>
-              <a:gd name="connsiteY6" fmla="*/ 162605 h 1550992"/>
-              <a:gd name="connsiteX7" fmla="*/ 2305953 w 2315251"/>
-              <a:gd name="connsiteY7" fmla="*/ 257336 h 1550992"/>
-              <a:gd name="connsiteX8" fmla="*/ 2280549 w 2315251"/>
-              <a:gd name="connsiteY8" fmla="*/ 282740 h 1550992"/>
-              <a:gd name="connsiteX9" fmla="*/ 104026 w 2315251"/>
-              <a:gd name="connsiteY9" fmla="*/ 1541710 h 1550992"/>
-              <a:gd name="connsiteX10" fmla="*/ 69351 w 2315251"/>
-              <a:gd name="connsiteY10" fmla="*/ 1550992 h 1550992"/>
-              <a:gd name="connsiteX11" fmla="*/ 0 w 2315251"/>
-              <a:gd name="connsiteY11" fmla="*/ 1481643 h 1550992"/>
-            </a:gdLst>
-            <a:ahLst/>
-            <a:cxnLst>
-              <a:cxn ang="0">
-                <a:pos x="connsiteX0" y="connsiteY0"/>
-              </a:cxn>
-              <a:cxn ang="0">
-                <a:pos x="connsiteX1" y="connsiteY1"/>
-              </a:cxn>
-              <a:cxn ang="0">
-                <a:pos x="connsiteX2" y="connsiteY2"/>
-              </a:cxn>
-              <a:cxn ang="0">
-                <a:pos x="connsiteX3" y="connsiteY3"/>
-              </a:cxn>
-              <a:cxn ang="0">
-                <a:pos x="connsiteX4" y="connsiteY4"/>
-              </a:cxn>
-              <a:cxn ang="0">
-                <a:pos x="connsiteX5" y="connsiteY5"/>
-              </a:cxn>
-              <a:cxn ang="0">
-                <a:pos x="connsiteX6" y="connsiteY6"/>
-              </a:cxn>
-              <a:cxn ang="0">
-                <a:pos x="connsiteX7" y="connsiteY7"/>
-              </a:cxn>
-              <a:cxn ang="0">
-                <a:pos x="connsiteX8" y="connsiteY8"/>
-              </a:cxn>
-              <a:cxn ang="0">
-                <a:pos x="connsiteX9" y="connsiteY9"/>
-              </a:cxn>
-              <a:cxn ang="0">
-                <a:pos x="connsiteX10" y="connsiteY10"/>
-              </a:cxn>
-              <a:cxn ang="0">
-                <a:pos x="connsiteX11" y="connsiteY11"/>
-              </a:cxn>
-            </a:cxnLst>
-            <a:rect l="l" t="t" r="r" b="b"/>
-            <a:pathLst>
-              <a:path w="2315251" h="1550992">
-                <a:moveTo>
-                  <a:pt x="0" y="0"/>
-                </a:moveTo>
-                <a:lnTo>
-                  <a:pt x="138700" y="0"/>
-                </a:lnTo>
-                <a:lnTo>
-                  <a:pt x="138700" y="1361400"/>
-                </a:lnTo>
-                <a:lnTo>
-                  <a:pt x="2107387" y="222673"/>
-                </a:lnTo>
-                <a:lnTo>
-                  <a:pt x="1722420" y="0"/>
-                </a:lnTo>
-                <a:lnTo>
-                  <a:pt x="1999436" y="0"/>
-                </a:lnTo>
-                <a:lnTo>
-                  <a:pt x="2280549" y="162605"/>
-                </a:lnTo>
-                <a:cubicBezTo>
-                  <a:pt x="2313720" y="181745"/>
-                  <a:pt x="2325104" y="224155"/>
-                  <a:pt x="2305953" y="257336"/>
-                </a:cubicBezTo>
-                <a:cubicBezTo>
-                  <a:pt x="2299872" y="267889"/>
-                  <a:pt x="2291101" y="276648"/>
-                  <a:pt x="2280549" y="282740"/>
-                </a:cubicBezTo>
-                <a:lnTo>
-                  <a:pt x="104026" y="1541710"/>
-                </a:lnTo>
-                <a:cubicBezTo>
-                  <a:pt x="93484" y="1547802"/>
-                  <a:pt x="81523" y="1551003"/>
-                  <a:pt x="69351" y="1550992"/>
-                </a:cubicBezTo>
-                <a:cubicBezTo>
-                  <a:pt x="31049" y="1550992"/>
-                  <a:pt x="0" y="1519944"/>
-                  <a:pt x="0" y="1481643"/>
-                </a:cubicBezTo>
-                <a:close/>
-              </a:path>
-            </a:pathLst>
-          </a:custGeom>
-          <a:solidFill>
-            <a:schemeClr val="accent6"/>
-          </a:solidFill>
-          <a:ln w="9525" cap="flat">
-            <a:noFill/>
-            <a:prstDash val="solid"/>
-            <a:miter/>
-          </a:ln>
-        </p:spPr>
-        <p:txBody>
-          <a:bodyPr rtlCol="0" anchor="ctr"/>
-          <a:lstStyle/>
-          <a:p>
-            <a:endParaRPr lang="en-US" dirty="0"/>
-          </a:p>
-        </p:txBody>
-      </p:sp>
-      <p:cxnSp>
-        <p:nvCxnSpPr>
-          <p:cNvPr id="18" name="Straight Connector 17">
-            <a:extLst>
-              <a:ext uri="{FF2B5EF4-FFF2-40B4-BE49-F238E27FC236}">
-                <a16:creationId xmlns:a16="http://schemas.microsoft.com/office/drawing/2014/main" id="{4B3BCACB-5880-460B-9606-8C433A9AF99D}"/>
-              </a:ext>
-              <a:ext uri="{C183D7F6-B498-43B3-948B-1728B52AA6E4}">
-                <adec:decorative xmlns:adec="http://schemas.microsoft.com/office/drawing/2017/decorative" val="1"/>
-              </a:ext>
-            </a:extLst>
-          </p:cNvPr>
-          <p:cNvCxnSpPr>
-            <a:cxnSpLocks noGrp="1" noRot="1" noChangeAspect="1" noMove="1" noResize="1" noEditPoints="1" noAdjustHandles="1" noChangeArrowheads="1" noChangeShapeType="1"/>
-          </p:cNvCxnSpPr>
-          <p:nvPr>
-            <p:extLst>
-              <p:ext uri="{386F3935-93C4-4BCD-93E2-E3B085C9AB24}">
-                <p16:designElem xmlns:p16="http://schemas.microsoft.com/office/powerpoint/2015/main" val="1"/>
-              </p:ext>
-            </p:extLst>
-          </p:nvPr>
-        </p:nvCxnSpPr>
-        <p:spPr>
-          <a:xfrm>
-            <a:off x="11724638" y="1331572"/>
-            <a:ext cx="0" cy="1597708"/>
-          </a:xfrm>
-          <a:prstGeom prst="line">
-            <a:avLst/>
-          </a:prstGeom>
-          <a:ln w="127000" cap="rnd">
-            <a:solidFill>
-              <a:schemeClr val="accent4"/>
-            </a:solidFill>
-            <a:prstDash val="dash"/>
-          </a:ln>
-        </p:spPr>
-        <p:style>
-          <a:lnRef idx="1">
-            <a:schemeClr val="accent1"/>
-          </a:lnRef>
-          <a:fillRef idx="0">
-            <a:schemeClr val="accent1"/>
-          </a:fillRef>
-          <a:effectRef idx="0">
-            <a:schemeClr val="accent1"/>
-          </a:effectRef>
-          <a:fontRef idx="minor">
-            <a:schemeClr val="tx1"/>
-          </a:fontRef>
-        </p:style>
-      </p:cxnSp>
-      <p:sp>
-        <p:nvSpPr>
-          <p:cNvPr id="20" name="Freeform: Shape 19">
-            <a:extLst>
-              <a:ext uri="{FF2B5EF4-FFF2-40B4-BE49-F238E27FC236}">
-                <a16:creationId xmlns:a16="http://schemas.microsoft.com/office/drawing/2014/main" id="{88853921-7BC9-4BDE-ACAB-133C683C82D6}"/>
-              </a:ext>
-              <a:ext uri="{C183D7F6-B498-43B3-948B-1728B52AA6E4}">
-                <adec:decorative xmlns:adec="http://schemas.microsoft.com/office/drawing/2017/decorative" val="1"/>
-              </a:ext>
-            </a:extLst>
-          </p:cNvPr>
-          <p:cNvSpPr>
-            <a:spLocks noGrp="1" noRot="1" noChangeAspect="1" noMove="1" noResize="1" noEditPoints="1" noAdjustHandles="1" noChangeArrowheads="1" noChangeShapeType="1" noTextEdit="1"/>
-          </p:cNvSpPr>
-          <p:nvPr>
-            <p:extLst>
-              <p:ext uri="{386F3935-93C4-4BCD-93E2-E3B085C9AB24}">
-                <p16:designElem xmlns:p16="http://schemas.microsoft.com/office/powerpoint/2015/main" val="1"/>
-              </p:ext>
-            </p:extLst>
-          </p:nvPr>
-        </p:nvSpPr>
-        <p:spPr>
-          <a:xfrm>
-            <a:off x="11005550" y="4112081"/>
-            <a:ext cx="1186451" cy="1771650"/>
-          </a:xfrm>
-          <a:custGeom>
-            <a:avLst/>
-            <a:gdLst>
-              <a:gd name="connsiteX0" fmla="*/ 61913 w 1186451"/>
-              <a:gd name="connsiteY0" fmla="*/ 0 h 1771650"/>
-              <a:gd name="connsiteX1" fmla="*/ 1186451 w 1186451"/>
-              <a:gd name="connsiteY1" fmla="*/ 0 h 1771650"/>
-              <a:gd name="connsiteX2" fmla="*/ 1186451 w 1186451"/>
-              <a:gd name="connsiteY2" fmla="*/ 123825 h 1771650"/>
-              <a:gd name="connsiteX3" fmla="*/ 123825 w 1186451"/>
-              <a:gd name="connsiteY3" fmla="*/ 123825 h 1771650"/>
-              <a:gd name="connsiteX4" fmla="*/ 123825 w 1186451"/>
-              <a:gd name="connsiteY4" fmla="*/ 1647825 h 1771650"/>
-              <a:gd name="connsiteX5" fmla="*/ 1186451 w 1186451"/>
-              <a:gd name="connsiteY5" fmla="*/ 1647825 h 1771650"/>
-              <a:gd name="connsiteX6" fmla="*/ 1186451 w 1186451"/>
-              <a:gd name="connsiteY6" fmla="*/ 1771650 h 1771650"/>
-              <a:gd name="connsiteX7" fmla="*/ 61913 w 1186451"/>
-              <a:gd name="connsiteY7" fmla="*/ 1771650 h 1771650"/>
-              <a:gd name="connsiteX8" fmla="*/ 0 w 1186451"/>
-              <a:gd name="connsiteY8" fmla="*/ 1709738 h 1771650"/>
-              <a:gd name="connsiteX9" fmla="*/ 0 w 1186451"/>
-              <a:gd name="connsiteY9" fmla="*/ 61913 h 1771650"/>
-              <a:gd name="connsiteX10" fmla="*/ 61913 w 1186451"/>
-              <a:gd name="connsiteY10" fmla="*/ 0 h 1771650"/>
-            </a:gdLst>
-            <a:ahLst/>
-            <a:cxnLst>
-              <a:cxn ang="0">
-                <a:pos x="connsiteX0" y="connsiteY0"/>
-              </a:cxn>
-              <a:cxn ang="0">
-                <a:pos x="connsiteX1" y="connsiteY1"/>
-              </a:cxn>
-              <a:cxn ang="0">
-                <a:pos x="connsiteX2" y="connsiteY2"/>
-              </a:cxn>
-              <a:cxn ang="0">
-                <a:pos x="connsiteX3" y="connsiteY3"/>
-              </a:cxn>
-              <a:cxn ang="0">
-                <a:pos x="connsiteX4" y="connsiteY4"/>
-              </a:cxn>
-              <a:cxn ang="0">
-                <a:pos x="connsiteX5" y="connsiteY5"/>
-              </a:cxn>
-              <a:cxn ang="0">
-                <a:pos x="connsiteX6" y="connsiteY6"/>
-              </a:cxn>
-              <a:cxn ang="0">
-                <a:pos x="connsiteX7" y="connsiteY7"/>
-              </a:cxn>
-              <a:cxn ang="0">
-                <a:pos x="connsiteX8" y="connsiteY8"/>
-              </a:cxn>
-              <a:cxn ang="0">
-                <a:pos x="connsiteX9" y="connsiteY9"/>
-              </a:cxn>
-              <a:cxn ang="0">
-                <a:pos x="connsiteX10" y="connsiteY10"/>
-              </a:cxn>
-            </a:cxnLst>
-            <a:rect l="l" t="t" r="r" b="b"/>
-            <a:pathLst>
-              <a:path w="1186451" h="1771650">
-                <a:moveTo>
-                  <a:pt x="61913" y="0"/>
-                </a:moveTo>
-                <a:lnTo>
-                  <a:pt x="1186451" y="0"/>
-                </a:lnTo>
-                <a:lnTo>
-                  <a:pt x="1186451" y="123825"/>
-                </a:lnTo>
-                <a:lnTo>
-                  <a:pt x="123825" y="123825"/>
-                </a:lnTo>
-                <a:lnTo>
-                  <a:pt x="123825" y="1647825"/>
-                </a:lnTo>
-                <a:lnTo>
-                  <a:pt x="1186451" y="1647825"/>
-                </a:lnTo>
-                <a:lnTo>
-                  <a:pt x="1186451" y="1771650"/>
-                </a:lnTo>
-                <a:lnTo>
-                  <a:pt x="61913" y="1771650"/>
-                </a:lnTo>
-                <a:cubicBezTo>
-                  <a:pt x="27719" y="1771650"/>
-                  <a:pt x="0" y="1743932"/>
-                  <a:pt x="0" y="1709738"/>
-                </a:cubicBezTo>
-                <a:lnTo>
-                  <a:pt x="0" y="61913"/>
-                </a:lnTo>
-                <a:cubicBezTo>
-                  <a:pt x="0" y="27719"/>
-                  <a:pt x="27719" y="0"/>
-                  <a:pt x="61913" y="0"/>
-                </a:cubicBezTo>
-                <a:close/>
-              </a:path>
-            </a:pathLst>
-          </a:custGeom>
-          <a:solidFill>
-            <a:schemeClr val="accent6"/>
-          </a:solidFill>
-          <a:ln w="9525" cap="flat">
-            <a:noFill/>
-            <a:prstDash val="solid"/>
-            <a:miter/>
-          </a:ln>
-        </p:spPr>
-        <p:txBody>
-          <a:bodyPr rtlCol="0" anchor="ctr"/>
-          <a:lstStyle/>
-          <a:p>
-            <a:endParaRPr lang="en-US"/>
-          </a:p>
-        </p:txBody>
-      </p:sp>
-      <p:sp>
-        <p:nvSpPr>
-          <p:cNvPr id="22" name="Arc 21">
-            <a:extLst>
-              <a:ext uri="{FF2B5EF4-FFF2-40B4-BE49-F238E27FC236}">
-                <a16:creationId xmlns:a16="http://schemas.microsoft.com/office/drawing/2014/main" id="{09192968-3AE7-4470-A61C-97294BB92731}"/>
-              </a:ext>
-              <a:ext uri="{C183D7F6-B498-43B3-948B-1728B52AA6E4}">
-                <adec:decorative xmlns:adec="http://schemas.microsoft.com/office/drawing/2017/decorative" val="1"/>
-              </a:ext>
-            </a:extLst>
-          </p:cNvPr>
-          <p:cNvSpPr>
-            <a:spLocks noGrp="1" noRot="1" noChangeAspect="1" noMove="1" noResize="1" noEditPoints="1" noAdjustHandles="1" noChangeArrowheads="1" noChangeShapeType="1" noTextEdit="1"/>
-          </p:cNvSpPr>
-          <p:nvPr>
-            <p:extLst>
-              <p:ext uri="{386F3935-93C4-4BCD-93E2-E3B085C9AB24}">
-                <p16:designElem xmlns:p16="http://schemas.microsoft.com/office/powerpoint/2015/main" val="1"/>
-              </p:ext>
-            </p:extLst>
-          </p:nvPr>
-        </p:nvSpPr>
-        <p:spPr>
-          <a:xfrm rot="20992895">
-            <a:off x="6086940" y="4145122"/>
+          <a:xfrm rot="5400000" flipV="1">
+            <a:off x="555710" y="2183223"/>
             <a:ext cx="4083433" cy="4083433"/>
           </a:xfrm>
           <a:prstGeom prst="arc">
@@ -28570,147 +29321,448 @@
       </p:sp>
       <p:sp>
         <p:nvSpPr>
-          <p:cNvPr id="24" name="Freeform: Shape 23">
+          <p:cNvPr id="3" name="Content Placeholder 2">
             <a:extLst>
               <a:ext uri="{FF2B5EF4-FFF2-40B4-BE49-F238E27FC236}">
-                <a16:creationId xmlns:a16="http://schemas.microsoft.com/office/drawing/2014/main" id="{3AB72E55-43E4-4356-BFE8-E2102CB0B505}"/>
-              </a:ext>
-              <a:ext uri="{C183D7F6-B498-43B3-948B-1728B52AA6E4}">
-                <adec:decorative xmlns:adec="http://schemas.microsoft.com/office/drawing/2017/decorative" val="1"/>
+                <a16:creationId xmlns:a16="http://schemas.microsoft.com/office/drawing/2014/main" id="{F6D1EA4E-59B4-B891-27C0-7B38E09F8627}"/>
               </a:ext>
             </a:extLst>
           </p:cNvPr>
           <p:cNvSpPr>
-            <a:spLocks noGrp="1" noRot="1" noChangeAspect="1" noMove="1" noResize="1" noEditPoints="1" noAdjustHandles="1" noChangeArrowheads="1" noChangeShapeType="1" noTextEdit="1"/>
+            <a:spLocks noGrp="1"/>
           </p:cNvSpPr>
           <p:nvPr>
-            <p:extLst>
-              <p:ext uri="{386F3935-93C4-4BCD-93E2-E3B085C9AB24}">
-                <p16:designElem xmlns:p16="http://schemas.microsoft.com/office/powerpoint/2015/main" val="1"/>
-              </p:ext>
-            </p:extLst>
+            <p:ph idx="1"/>
           </p:nvPr>
         </p:nvSpPr>
         <p:spPr>
           <a:xfrm>
-            <a:off x="6821310" y="4962670"/>
-            <a:ext cx="2643352" cy="1895331"/>
+            <a:off x="1051579" y="1702478"/>
+            <a:ext cx="9441536" cy="3960604"/>
           </a:xfrm>
-          <a:custGeom>
-            <a:avLst/>
-            <a:gdLst>
-              <a:gd name="connsiteX0" fmla="*/ 1321676 w 2643352"/>
-              <a:gd name="connsiteY0" fmla="*/ 0 h 1895331"/>
-              <a:gd name="connsiteX1" fmla="*/ 2643352 w 2643352"/>
-              <a:gd name="connsiteY1" fmla="*/ 1321676 h 1895331"/>
-              <a:gd name="connsiteX2" fmla="*/ 2539488 w 2643352"/>
-              <a:gd name="connsiteY2" fmla="*/ 1836132 h 1895331"/>
-              <a:gd name="connsiteX3" fmla="*/ 2510970 w 2643352"/>
-              <a:gd name="connsiteY3" fmla="*/ 1895331 h 1895331"/>
-              <a:gd name="connsiteX4" fmla="*/ 132382 w 2643352"/>
-              <a:gd name="connsiteY4" fmla="*/ 1895331 h 1895331"/>
-              <a:gd name="connsiteX5" fmla="*/ 103864 w 2643352"/>
-              <a:gd name="connsiteY5" fmla="*/ 1836132 h 1895331"/>
-              <a:gd name="connsiteX6" fmla="*/ 0 w 2643352"/>
-              <a:gd name="connsiteY6" fmla="*/ 1321676 h 1895331"/>
-              <a:gd name="connsiteX7" fmla="*/ 1321676 w 2643352"/>
-              <a:gd name="connsiteY7" fmla="*/ 0 h 1895331"/>
-            </a:gdLst>
-            <a:ahLst/>
-            <a:cxnLst>
-              <a:cxn ang="0">
-                <a:pos x="connsiteX0" y="connsiteY0"/>
-              </a:cxn>
-              <a:cxn ang="0">
-                <a:pos x="connsiteX1" y="connsiteY1"/>
-              </a:cxn>
-              <a:cxn ang="0">
-                <a:pos x="connsiteX2" y="connsiteY2"/>
-              </a:cxn>
-              <a:cxn ang="0">
-                <a:pos x="connsiteX3" y="connsiteY3"/>
-              </a:cxn>
-              <a:cxn ang="0">
-                <a:pos x="connsiteX4" y="connsiteY4"/>
-              </a:cxn>
-              <a:cxn ang="0">
-                <a:pos x="connsiteX5" y="connsiteY5"/>
-              </a:cxn>
-              <a:cxn ang="0">
-                <a:pos x="connsiteX6" y="connsiteY6"/>
-              </a:cxn>
-              <a:cxn ang="0">
-                <a:pos x="connsiteX7" y="connsiteY7"/>
-              </a:cxn>
-            </a:cxnLst>
-            <a:rect l="l" t="t" r="r" b="b"/>
-            <a:pathLst>
-              <a:path w="2643352" h="1895331">
-                <a:moveTo>
-                  <a:pt x="1321676" y="0"/>
-                </a:moveTo>
-                <a:cubicBezTo>
-                  <a:pt x="2051617" y="0"/>
-                  <a:pt x="2643352" y="591735"/>
-                  <a:pt x="2643352" y="1321676"/>
-                </a:cubicBezTo>
-                <a:cubicBezTo>
-                  <a:pt x="2643352" y="1504161"/>
-                  <a:pt x="2606369" y="1678009"/>
-                  <a:pt x="2539488" y="1836132"/>
-                </a:cubicBezTo>
-                <a:lnTo>
-                  <a:pt x="2510970" y="1895331"/>
-                </a:lnTo>
-                <a:lnTo>
-                  <a:pt x="132382" y="1895331"/>
-                </a:lnTo>
-                <a:lnTo>
-                  <a:pt x="103864" y="1836132"/>
-                </a:lnTo>
-                <a:cubicBezTo>
-                  <a:pt x="36984" y="1678009"/>
-                  <a:pt x="0" y="1504161"/>
-                  <a:pt x="0" y="1321676"/>
-                </a:cubicBezTo>
-                <a:cubicBezTo>
-                  <a:pt x="0" y="591735"/>
-                  <a:pt x="591735" y="0"/>
-                  <a:pt x="1321676" y="0"/>
-                </a:cubicBezTo>
-                <a:close/>
-              </a:path>
-            </a:pathLst>
-          </a:custGeom>
-          <a:solidFill>
-            <a:schemeClr val="accent2"/>
-          </a:solidFill>
-          <a:ln>
-            <a:noFill/>
-          </a:ln>
         </p:spPr>
-        <p:style>
-          <a:lnRef idx="2">
-            <a:schemeClr val="accent1">
-              <a:shade val="50000"/>
-            </a:schemeClr>
-          </a:lnRef>
-          <a:fillRef idx="1">
-            <a:schemeClr val="accent1"/>
-          </a:fillRef>
-          <a:effectRef idx="0">
-            <a:schemeClr val="accent1"/>
-          </a:effectRef>
-          <a:fontRef idx="minor">
-            <a:schemeClr val="lt1"/>
-          </a:fontRef>
-        </p:style>
         <p:txBody>
-          <a:bodyPr rtlCol="0" anchor="ctr"/>
+          <a:bodyPr>
+            <a:noAutofit/>
+          </a:bodyPr>
           <a:lstStyle/>
           <a:p>
-            <a:pPr algn="ctr"/>
-            <a:endParaRPr lang="en-US"/>
+            <a:pPr marL="0" indent="0" algn="just">
+              <a:lnSpc>
+                <a:spcPct val="110000"/>
+              </a:lnSpc>
+              <a:buNone/>
+            </a:pPr>
+            <a:r>
+              <a:rPr lang="vi-VN" b="0" i="0" dirty="0">
+                <a:effectLst/>
+                <a:latin typeface="Söhne"/>
+              </a:rPr>
+              <a:t>Xây dựng một ứng dụng tạo câu hỏi trắc nghiệm, được lấy cảm hứng từ dịch vụ Quizlet</a:t>
+            </a:r>
+            <a:r>
+              <a:rPr lang="en-US" b="0" i="0" dirty="0">
+                <a:effectLst/>
+                <a:latin typeface="Söhne"/>
+              </a:rPr>
+              <a:t>.</a:t>
+            </a:r>
+            <a:r>
+              <a:rPr lang="vi-VN" b="0" i="0" dirty="0">
+                <a:effectLst/>
+                <a:latin typeface="Söhne"/>
+              </a:rPr>
+              <a:t> </a:t>
+            </a:r>
+            <a:r>
+              <a:rPr lang="vi-VN" b="0" i="0" dirty="0">
+                <a:effectLst/>
+                <a:latin typeface="-apple-system"/>
+              </a:rPr>
+              <a:t>Ứng dụng </a:t>
+            </a:r>
+            <a:r>
+              <a:rPr lang="en-US" b="0" i="0" dirty="0" err="1">
+                <a:effectLst/>
+                <a:latin typeface="-apple-system"/>
+              </a:rPr>
+              <a:t>tạo</a:t>
+            </a:r>
+            <a:r>
+              <a:rPr lang="en-US" b="0" i="0" dirty="0">
+                <a:effectLst/>
+                <a:latin typeface="-apple-system"/>
+              </a:rPr>
+              <a:t> </a:t>
+            </a:r>
+            <a:r>
+              <a:rPr lang="en-US" b="0" i="0" dirty="0" err="1">
+                <a:effectLst/>
+                <a:latin typeface="-apple-system"/>
+              </a:rPr>
+              <a:t>ra</a:t>
+            </a:r>
+            <a:r>
+              <a:rPr lang="en-US" b="0" i="0" dirty="0">
+                <a:effectLst/>
+                <a:latin typeface="-apple-system"/>
+              </a:rPr>
+              <a:t> </a:t>
+            </a:r>
+            <a:r>
+              <a:rPr lang="en-US" b="0" i="0" dirty="0" err="1">
+                <a:effectLst/>
+                <a:latin typeface="-apple-system"/>
+              </a:rPr>
+              <a:t>nhằm</a:t>
+            </a:r>
+            <a:r>
+              <a:rPr lang="vi-VN" b="0" i="0" dirty="0">
+                <a:effectLst/>
+                <a:latin typeface="-apple-system"/>
+              </a:rPr>
+              <a:t> hỗ trợ người dùng tạo, chia sẻ và quản lý</a:t>
+            </a:r>
+            <a:r>
+              <a:rPr lang="en-US" b="0" i="0" dirty="0">
+                <a:effectLst/>
+                <a:latin typeface="-apple-system"/>
+              </a:rPr>
+              <a:t> </a:t>
+            </a:r>
+            <a:r>
+              <a:rPr lang="en-US" b="0" i="0" dirty="0" err="1">
+                <a:effectLst/>
+                <a:latin typeface="-apple-system"/>
+              </a:rPr>
+              <a:t>và</a:t>
+            </a:r>
+            <a:r>
+              <a:rPr lang="en-US" b="0" i="0" dirty="0">
+                <a:effectLst/>
+                <a:latin typeface="-apple-system"/>
+              </a:rPr>
+              <a:t> </a:t>
+            </a:r>
+            <a:r>
+              <a:rPr lang="en-US" b="0" i="0" dirty="0" err="1">
+                <a:effectLst/>
+                <a:latin typeface="-apple-system"/>
+              </a:rPr>
+              <a:t>phân</a:t>
+            </a:r>
+            <a:r>
+              <a:rPr lang="en-US" b="0" i="0" dirty="0">
+                <a:effectLst/>
+                <a:latin typeface="-apple-system"/>
+              </a:rPr>
+              <a:t> </a:t>
+            </a:r>
+            <a:r>
+              <a:rPr lang="en-US" b="0" i="0" dirty="0" err="1">
+                <a:effectLst/>
+                <a:latin typeface="-apple-system"/>
+              </a:rPr>
+              <a:t>quyền</a:t>
+            </a:r>
+            <a:r>
+              <a:rPr lang="vi-VN" b="0" i="0" dirty="0">
+                <a:effectLst/>
+                <a:latin typeface="-apple-system"/>
+              </a:rPr>
+              <a:t> bài kiểm tra, bài tập hoặc câu hỏi trắc nghiệm</a:t>
+            </a:r>
+            <a:r>
+              <a:rPr lang="en-US" b="0" i="0" dirty="0">
+                <a:effectLst/>
+                <a:latin typeface="-apple-system"/>
+              </a:rPr>
+              <a:t> </a:t>
+            </a:r>
+            <a:r>
+              <a:rPr lang="en-US" dirty="0" err="1">
+                <a:latin typeface="Söhne"/>
+              </a:rPr>
+              <a:t>một</a:t>
+            </a:r>
+            <a:r>
+              <a:rPr lang="en-US" dirty="0">
+                <a:latin typeface="Söhne"/>
+              </a:rPr>
+              <a:t> </a:t>
+            </a:r>
+            <a:r>
+              <a:rPr lang="en-US" dirty="0" err="1">
+                <a:latin typeface="Söhne"/>
+              </a:rPr>
+              <a:t>cách</a:t>
+            </a:r>
+            <a:r>
+              <a:rPr lang="en-US" dirty="0">
+                <a:latin typeface="Söhne"/>
+              </a:rPr>
+              <a:t> </a:t>
+            </a:r>
+            <a:r>
+              <a:rPr lang="en-US" dirty="0" err="1">
+                <a:latin typeface="Söhne"/>
+              </a:rPr>
+              <a:t>đơn</a:t>
+            </a:r>
+            <a:r>
+              <a:rPr lang="en-US" dirty="0">
+                <a:latin typeface="Söhne"/>
+              </a:rPr>
+              <a:t> </a:t>
+            </a:r>
+            <a:r>
+              <a:rPr lang="en-US" dirty="0" err="1">
+                <a:latin typeface="Söhne"/>
+              </a:rPr>
+              <a:t>giản</a:t>
+            </a:r>
+            <a:r>
+              <a:rPr lang="en-US" dirty="0">
+                <a:latin typeface="Söhne"/>
+              </a:rPr>
+              <a:t>, </a:t>
+            </a:r>
+            <a:r>
+              <a:rPr lang="en-US" dirty="0" err="1">
+                <a:latin typeface="Söhne"/>
+              </a:rPr>
+              <a:t>dễ</a:t>
+            </a:r>
+            <a:r>
+              <a:rPr lang="en-US" dirty="0">
+                <a:latin typeface="Söhne"/>
+              </a:rPr>
+              <a:t> </a:t>
+            </a:r>
+            <a:r>
+              <a:rPr lang="en-US" dirty="0" err="1">
+                <a:latin typeface="Söhne"/>
+              </a:rPr>
+              <a:t>dàng</a:t>
+            </a:r>
+            <a:r>
+              <a:rPr lang="en-US" dirty="0">
+                <a:latin typeface="Söhne"/>
+              </a:rPr>
+              <a:t> </a:t>
+            </a:r>
+            <a:r>
+              <a:rPr lang="en-US" dirty="0" err="1">
+                <a:latin typeface="Söhne"/>
+              </a:rPr>
+              <a:t>sử</a:t>
+            </a:r>
+            <a:r>
+              <a:rPr lang="en-US" dirty="0">
+                <a:latin typeface="Söhne"/>
+              </a:rPr>
+              <a:t> </a:t>
+            </a:r>
+            <a:r>
+              <a:rPr lang="en-US" dirty="0" err="1">
+                <a:latin typeface="Söhne"/>
+              </a:rPr>
+              <a:t>dụng</a:t>
+            </a:r>
+            <a:r>
+              <a:rPr lang="en-US" dirty="0">
+                <a:latin typeface="Söhne"/>
+              </a:rPr>
+              <a:t> </a:t>
+            </a:r>
+            <a:r>
+              <a:rPr lang="en-US" dirty="0" err="1">
+                <a:latin typeface="Söhne"/>
+              </a:rPr>
+              <a:t>với</a:t>
+            </a:r>
+            <a:r>
+              <a:rPr lang="en-US" dirty="0">
+                <a:latin typeface="Söhne"/>
+              </a:rPr>
+              <a:t> </a:t>
+            </a:r>
+            <a:r>
+              <a:rPr lang="en-US" dirty="0" err="1">
+                <a:latin typeface="Söhne"/>
+              </a:rPr>
+              <a:t>các</a:t>
+            </a:r>
+            <a:r>
+              <a:rPr lang="en-US" dirty="0">
+                <a:latin typeface="Söhne"/>
+              </a:rPr>
+              <a:t> </a:t>
+            </a:r>
+            <a:r>
+              <a:rPr lang="en-US" dirty="0" err="1">
+                <a:latin typeface="Söhne"/>
+              </a:rPr>
+              <a:t>chức</a:t>
+            </a:r>
+            <a:r>
+              <a:rPr lang="en-US" dirty="0">
+                <a:latin typeface="Söhne"/>
+              </a:rPr>
+              <a:t> </a:t>
+            </a:r>
+            <a:r>
+              <a:rPr lang="en-US" dirty="0" err="1">
+                <a:latin typeface="Söhne"/>
+              </a:rPr>
+              <a:t>năng</a:t>
+            </a:r>
+            <a:r>
+              <a:rPr lang="en-US" dirty="0">
+                <a:latin typeface="Söhne"/>
+              </a:rPr>
+              <a:t> </a:t>
+            </a:r>
+            <a:r>
+              <a:rPr lang="en-US" dirty="0" err="1">
+                <a:latin typeface="Söhne"/>
+              </a:rPr>
+              <a:t>và</a:t>
+            </a:r>
+            <a:r>
+              <a:rPr lang="en-US" dirty="0">
+                <a:latin typeface="Söhne"/>
+              </a:rPr>
+              <a:t> </a:t>
+            </a:r>
+            <a:r>
+              <a:rPr lang="en-US" dirty="0" err="1">
+                <a:latin typeface="Söhne"/>
+              </a:rPr>
+              <a:t>giao</a:t>
+            </a:r>
+            <a:r>
+              <a:rPr lang="en-US" dirty="0">
+                <a:latin typeface="Söhne"/>
+              </a:rPr>
+              <a:t> </a:t>
+            </a:r>
+            <a:r>
+              <a:rPr lang="en-US" dirty="0" err="1">
+                <a:latin typeface="Söhne"/>
+              </a:rPr>
+              <a:t>diện</a:t>
+            </a:r>
+            <a:r>
+              <a:rPr lang="en-US" dirty="0">
+                <a:latin typeface="Söhne"/>
+              </a:rPr>
+              <a:t> </a:t>
+            </a:r>
+            <a:r>
+              <a:rPr lang="en-US" dirty="0" err="1">
+                <a:latin typeface="Söhne"/>
+              </a:rPr>
+              <a:t>thân</a:t>
+            </a:r>
+            <a:r>
+              <a:rPr lang="en-US" dirty="0">
+                <a:latin typeface="Söhne"/>
+              </a:rPr>
+              <a:t> </a:t>
+            </a:r>
+            <a:r>
+              <a:rPr lang="en-US" dirty="0" err="1">
+                <a:latin typeface="Söhne"/>
+              </a:rPr>
+              <a:t>thiện</a:t>
+            </a:r>
+            <a:r>
+              <a:rPr lang="en-US" dirty="0">
+                <a:latin typeface="Söhne"/>
+              </a:rPr>
+              <a:t> </a:t>
+            </a:r>
+            <a:r>
+              <a:rPr lang="en-US" dirty="0" err="1">
+                <a:latin typeface="Söhne"/>
+              </a:rPr>
+              <a:t>và</a:t>
+            </a:r>
+            <a:r>
+              <a:rPr lang="en-US" dirty="0">
+                <a:latin typeface="Söhne"/>
+              </a:rPr>
+              <a:t> </a:t>
+            </a:r>
+            <a:r>
+              <a:rPr lang="en-US" dirty="0" err="1">
+                <a:latin typeface="Söhne"/>
+              </a:rPr>
+              <a:t>thuận</a:t>
+            </a:r>
+            <a:r>
+              <a:rPr lang="en-US" dirty="0">
+                <a:latin typeface="Söhne"/>
+              </a:rPr>
+              <a:t> </a:t>
+            </a:r>
+            <a:r>
+              <a:rPr lang="en-US" dirty="0" err="1">
+                <a:latin typeface="Söhne"/>
+              </a:rPr>
+              <a:t>tiện</a:t>
+            </a:r>
+            <a:r>
+              <a:rPr lang="en-US" dirty="0">
+                <a:latin typeface="Söhne"/>
+              </a:rPr>
+              <a:t> </a:t>
+            </a:r>
+            <a:r>
+              <a:rPr lang="en-US" dirty="0" err="1">
+                <a:latin typeface="Söhne"/>
+              </a:rPr>
+              <a:t>với</a:t>
+            </a:r>
+            <a:r>
+              <a:rPr lang="en-US" dirty="0">
+                <a:latin typeface="Söhne"/>
+              </a:rPr>
+              <a:t> </a:t>
+            </a:r>
+            <a:r>
+              <a:rPr lang="en-US" dirty="0" err="1">
+                <a:latin typeface="Söhne"/>
+              </a:rPr>
+              <a:t>người</a:t>
+            </a:r>
+            <a:r>
+              <a:rPr lang="en-US" dirty="0">
+                <a:latin typeface="Söhne"/>
+              </a:rPr>
+              <a:t> </a:t>
+            </a:r>
+            <a:r>
+              <a:rPr lang="en-US" dirty="0" err="1">
+                <a:latin typeface="Söhne"/>
+              </a:rPr>
+              <a:t>dùng</a:t>
+            </a:r>
+            <a:r>
+              <a:rPr lang="en-US" dirty="0">
+                <a:latin typeface="Söhne"/>
+              </a:rPr>
+              <a:t>. </a:t>
+            </a:r>
+            <a:r>
+              <a:rPr lang="vi-VN" b="0" i="0" dirty="0">
+                <a:effectLst/>
+                <a:latin typeface="-apple-system"/>
+              </a:rPr>
+              <a:t>Mục tiêu là tạo ra một môi trường học tập và chia sẻ kiến thức hiệu quả, đồng thời tạo cơ hội cho người dùng tham gia vào cộng đồng học tập đa dạng và phong phú.</a:t>
+            </a:r>
+            <a:endParaRPr lang="en-US" dirty="0"/>
           </a:p>
         </p:txBody>
       </p:sp>
@@ -28841,26 +29893,58 @@
           <a:lstStyle/>
           <a:p>
             <a:br>
-              <a:rPr lang="en-US" sz="1600"/>
+              <a:rPr lang="en-US" sz="1600" dirty="0"/>
             </a:br>
             <a:br>
-              <a:rPr lang="en-US" sz="1600"/>
+              <a:rPr lang="en-US" sz="1600" dirty="0"/>
             </a:br>
             <a:r>
-              <a:rPr lang="en-US" sz="4900" b="1">
+              <a:rPr lang="en-US" sz="4900" b="1" dirty="0" err="1">
                 <a:solidFill>
                   <a:srgbClr val="0070C0"/>
                 </a:solidFill>
               </a:rPr>
-              <a:t>Các chức năng</a:t>
+              <a:t>Các</a:t>
+            </a:r>
+            <a:r>
+              <a:rPr lang="en-US" sz="4900" b="1" dirty="0">
+                <a:solidFill>
+                  <a:srgbClr val="0070C0"/>
+                </a:solidFill>
+              </a:rPr>
+              <a:t> </a:t>
+            </a:r>
+            <a:r>
+              <a:rPr lang="en-US" sz="4900" b="1" dirty="0" err="1">
+                <a:solidFill>
+                  <a:srgbClr val="0070C0"/>
+                </a:solidFill>
+              </a:rPr>
+              <a:t>chức</a:t>
+            </a:r>
+            <a:r>
+              <a:rPr lang="en-US" sz="4900" b="1" dirty="0">
+                <a:solidFill>
+                  <a:srgbClr val="0070C0"/>
+                </a:solidFill>
+              </a:rPr>
+              <a:t> </a:t>
+            </a:r>
+            <a:r>
+              <a:rPr lang="en-US" sz="4900" b="1" dirty="0" err="1">
+                <a:solidFill>
+                  <a:srgbClr val="0070C0"/>
+                </a:solidFill>
+              </a:rPr>
+              <a:t>năng</a:t>
             </a:r>
             <a:br>
-              <a:rPr lang="en-US" sz="4900"/>
+              <a:rPr lang="en-US" sz="4900" dirty="0"/>
             </a:br>
             <a:br>
-              <a:rPr lang="en-US" sz="4900"/>
+              <a:rPr lang="en-US" sz="4900" dirty="0"/>
             </a:br>
-            <a:endParaRPr lang="en-US" sz="4900"/>
+            <a:endParaRPr lang="en-US" sz="4900" dirty="0"/>
           </a:p>
         </p:txBody>
       </p:sp>
@@ -28880,7 +29964,7 @@
             <p:ph idx="1"/>
             <p:extLst>
               <p:ext uri="{D42A27DB-BD31-4B8C-83A1-F6EECF244321}">
-                <p14:modId xmlns:p14="http://schemas.microsoft.com/office/powerpoint/2010/main" val="114813599"/>
+                <p14:modId xmlns:p14="http://schemas.microsoft.com/office/powerpoint/2010/main" val="3200945660"/>
               </p:ext>
             </p:extLst>
           </p:nvPr>
@@ -28962,22 +30046,38 @@
           <a:lstStyle/>
           <a:p>
             <a:r>
-              <a:rPr lang="en-US" sz="4900" b="1">
+              <a:rPr lang="en-US" sz="4900" b="1" dirty="0" err="1">
                 <a:solidFill>
                   <a:srgbClr val="0070C0"/>
                 </a:solidFill>
               </a:rPr>
-              <a:t>Dữ liệu</a:t>
+              <a:t>Dữ</a:t>
+            </a:r>
+            <a:r>
+              <a:rPr lang="en-US" sz="4900" b="1" dirty="0">
+                <a:solidFill>
+                  <a:srgbClr val="0070C0"/>
+                </a:solidFill>
+              </a:rPr>
+              <a:t> </a:t>
+            </a:r>
+            <a:r>
+              <a:rPr lang="en-US" sz="4900" b="1" dirty="0" err="1">
+                <a:solidFill>
+                  <a:srgbClr val="0070C0"/>
+                </a:solidFill>
+              </a:rPr>
+              <a:t>liệu</a:t>
             </a:r>
             <a:br>
-              <a:rPr lang="en-US" sz="4900">
+              <a:rPr lang="en-US" sz="4900" dirty="0">
                 <a:solidFill>
                   <a:srgbClr val="0070C0"/>
                 </a:solidFill>
               </a:rPr>
             </a:br>
             <a:br>
-              <a:rPr lang="vi-VN" sz="4900" b="1" i="0">
+              <a:rPr lang="vi-VN" sz="4900" b="1" i="0" dirty="0">
                 <a:solidFill>
                   <a:srgbClr val="0D0D0D"/>
                 </a:solidFill>
@@ -28986,7 +30086,7 @@
               </a:rPr>
             </a:br>
             <a:r>
-              <a:rPr lang="vi-VN" sz="3600" b="1" i="0">
+              <a:rPr lang="vi-VN" sz="3600" b="1" i="0" dirty="0">
                 <a:solidFill>
                   <a:srgbClr val="0D0D0D"/>
                 </a:solidFill>
@@ -28996,7 +30096,7 @@
               <a:t>1. Bảng Người Dùng (User):</a:t>
             </a:r>
             <a:br>
-              <a:rPr lang="vi-VN" sz="3600" b="1" i="0">
+              <a:rPr lang="vi-VN" sz="3600" b="1" i="0" dirty="0">
                 <a:solidFill>
                   <a:srgbClr val="0D0D0D"/>
                 </a:solidFill>
@@ -29004,7 +30104,7 @@
                 <a:latin typeface="Söhne"/>
               </a:rPr>
             </a:br>
-            <a:endParaRPr lang="en-US" sz="5400">
+            <a:endParaRPr lang="en-US" sz="5400" dirty="0">
               <a:solidFill>
                 <a:srgbClr val="0070C0"/>
               </a:solidFill>
@@ -29028,7 +30128,7 @@
             <p:ph idx="1"/>
             <p:extLst>
               <p:ext uri="{D42A27DB-BD31-4B8C-83A1-F6EECF244321}">
-                <p14:modId xmlns:p14="http://schemas.microsoft.com/office/powerpoint/2010/main" val="3503908223"/>
+                <p14:modId xmlns:p14="http://schemas.microsoft.com/office/powerpoint/2010/main" val="2485629429"/>
               </p:ext>
             </p:extLst>
           </p:nvPr>
@@ -29828,7 +30928,7 @@
             <p:ph idx="1"/>
             <p:extLst>
               <p:ext uri="{D42A27DB-BD31-4B8C-83A1-F6EECF244321}">
-                <p14:modId xmlns:p14="http://schemas.microsoft.com/office/powerpoint/2010/main" val="38215671"/>
+                <p14:modId xmlns:p14="http://schemas.microsoft.com/office/powerpoint/2010/main" val="2688569591"/>
               </p:ext>
             </p:extLst>
           </p:nvPr>
@@ -30023,14 +31123,14 @@
             <p:ph idx="1"/>
             <p:extLst>
               <p:ext uri="{D42A27DB-BD31-4B8C-83A1-F6EECF244321}">
-                <p14:modId xmlns:p14="http://schemas.microsoft.com/office/powerpoint/2010/main" val="1385237027"/>
+                <p14:modId xmlns:p14="http://schemas.microsoft.com/office/powerpoint/2010/main" val="3894349532"/>
               </p:ext>
             </p:extLst>
           </p:nvPr>
         </p:nvGraphicFramePr>
         <p:xfrm>
-          <a:off x="1001948" y="2042809"/>
-          <a:ext cx="10351851" cy="4134154"/>
+          <a:off x="1031928" y="2417563"/>
+          <a:ext cx="9581108" cy="3593493"/>
         </p:xfrm>
         <a:graphic>
           <a:graphicData uri="http://schemas.openxmlformats.org/drawingml/2006/diagram">
@@ -30221,12 +31321,41 @@
         </p:blipFill>
         <p:spPr>
           <a:xfrm>
-            <a:off x="1096696" y="1780163"/>
-            <a:ext cx="10391669" cy="4440050"/>
+            <a:off x="1576383" y="1780163"/>
+            <a:ext cx="9516340" cy="4703034"/>
           </a:xfrm>
           <a:prstGeom prst="rect">
             <a:avLst/>
           </a:prstGeom>
+          <a:solidFill>
+            <a:srgbClr val="FFFFFF">
+              <a:shade val="85000"/>
+            </a:srgbClr>
+          </a:solidFill>
+          <a:ln w="190500" cap="rnd">
+            <a:solidFill>
+              <a:srgbClr val="FFFFFF"/>
+            </a:solidFill>
+          </a:ln>
+          <a:effectLst>
+            <a:outerShdw blurRad="50000" algn="tl" rotWithShape="0">
+              <a:srgbClr val="000000">
+                <a:alpha val="41000"/>
+              </a:srgbClr>
+            </a:outerShdw>
+          </a:effectLst>
+          <a:scene3d>
+            <a:camera prst="orthographicFront"/>
+            <a:lightRig rig="twoPt" dir="t">
+              <a:rot lat="0" lon="0" rev="7800000"/>
+            </a:lightRig>
+          </a:scene3d>
+          <a:sp3d contourW="6350">
+            <a:bevelT w="50800" h="16510"/>
+            <a:contourClr>
+              <a:srgbClr val="C0C0C0"/>
+            </a:contourClr>
+          </a:sp3d>
         </p:spPr>
       </p:pic>
     </p:spTree>
@@ -30418,6 +31547,35 @@
           <a:prstGeom prst="rect">
             <a:avLst/>
           </a:prstGeom>
+          <a:solidFill>
+            <a:srgbClr val="FFFFFF">
+              <a:shade val="85000"/>
+            </a:srgbClr>
+          </a:solidFill>
+          <a:ln w="190500" cap="rnd">
+            <a:solidFill>
+              <a:srgbClr val="FFFFFF"/>
+            </a:solidFill>
+          </a:ln>
+          <a:effectLst>
+            <a:outerShdw blurRad="50000" algn="tl" rotWithShape="0">
+              <a:srgbClr val="000000">
+                <a:alpha val="41000"/>
+              </a:srgbClr>
+            </a:outerShdw>
+          </a:effectLst>
+          <a:scene3d>
+            <a:camera prst="orthographicFront"/>
+            <a:lightRig rig="twoPt" dir="t">
+              <a:rot lat="0" lon="0" rev="7800000"/>
+            </a:lightRig>
+          </a:scene3d>
+          <a:sp3d contourW="6350">
+            <a:bevelT w="50800" h="16510"/>
+            <a:contourClr>
+              <a:srgbClr val="C0C0C0"/>
+            </a:contourClr>
+          </a:sp3d>
         </p:spPr>
       </p:pic>
     </p:spTree>
